--- a/Lectures/Lecture 2/STOR 320 Lecture 2.pptx
+++ b/Lectures/Lecture 2/STOR 320 Lecture 2.pptx
@@ -6,24 +6,23 @@
     <p:sldMasterId id="2147483676" r:id="rId2"/>
   </p:sldMasterIdLst>
   <p:notesMasterIdLst>
-    <p:notesMasterId r:id="rId10"/>
+    <p:notesMasterId r:id="rId9"/>
   </p:notesMasterIdLst>
   <p:handoutMasterIdLst>
-    <p:handoutMasterId r:id="rId11"/>
+    <p:handoutMasterId r:id="rId10"/>
   </p:handoutMasterIdLst>
   <p:sldIdLst>
     <p:sldId id="320" r:id="rId3"/>
     <p:sldId id="324" r:id="rId4"/>
     <p:sldId id="325" r:id="rId5"/>
-    <p:sldId id="326" r:id="rId6"/>
-    <p:sldId id="327" r:id="rId7"/>
-    <p:sldId id="328" r:id="rId8"/>
-    <p:sldId id="329" r:id="rId9"/>
+    <p:sldId id="330" r:id="rId6"/>
+    <p:sldId id="331" r:id="rId7"/>
+    <p:sldId id="329" r:id="rId8"/>
   </p:sldIdLst>
   <p:sldSz cx="9144000" cy="6858000" type="screen4x3"/>
   <p:notesSz cx="6858000" cy="9144000"/>
   <p:custDataLst>
-    <p:tags r:id="rId12"/>
+    <p:tags r:id="rId11"/>
   </p:custDataLst>
   <p:defaultTextStyle>
     <a:defPPr>
@@ -282,7 +281,7 @@
               <a:pPr>
                 <a:defRPr/>
               </a:pPr>
-              <a:t>8/18/2018</a:t>
+              <a:t>8/20/2018</a:t>
             </a:fld>
             <a:endParaRPr lang="en-US" dirty="0"/>
           </a:p>
@@ -494,7 +493,7 @@
               <a:pPr>
                 <a:defRPr/>
               </a:pPr>
-              <a:t>8/18/2018</a:t>
+              <a:t>8/20/2018</a:t>
             </a:fld>
             <a:endParaRPr lang="en-US" dirty="0"/>
           </a:p>
@@ -1013,7 +1012,7 @@
               <a:pPr>
                 <a:defRPr/>
               </a:pPr>
-              <a:t>8/18/2018</a:t>
+              <a:t>8/20/2018</a:t>
             </a:fld>
             <a:endParaRPr lang="en-US" dirty="0"/>
           </a:p>
@@ -1203,7 +1202,7 @@
               <a:pPr>
                 <a:defRPr/>
               </a:pPr>
-              <a:t>8/18/2018</a:t>
+              <a:t>8/20/2018</a:t>
             </a:fld>
             <a:endParaRPr lang="en-US" dirty="0"/>
           </a:p>
@@ -1403,7 +1402,7 @@
               <a:pPr>
                 <a:defRPr/>
               </a:pPr>
-              <a:t>8/18/2018</a:t>
+              <a:t>8/20/2018</a:t>
             </a:fld>
             <a:endParaRPr lang="en-US" dirty="0"/>
           </a:p>
@@ -1671,7 +1670,7 @@
               <a:pPr>
                 <a:defRPr/>
               </a:pPr>
-              <a:t>8/18/2018</a:t>
+              <a:t>8/20/2018</a:t>
             </a:fld>
             <a:endParaRPr lang="en-US" dirty="0">
               <a:solidFill>
@@ -1885,7 +1884,7 @@
               <a:pPr>
                 <a:defRPr/>
               </a:pPr>
-              <a:t>8/18/2018</a:t>
+              <a:t>8/20/2018</a:t>
             </a:fld>
             <a:endParaRPr lang="en-US" dirty="0">
               <a:solidFill>
@@ -2176,7 +2175,7 @@
               <a:pPr>
                 <a:defRPr/>
               </a:pPr>
-              <a:t>8/18/2018</a:t>
+              <a:t>8/20/2018</a:t>
             </a:fld>
             <a:endParaRPr lang="en-US" dirty="0">
               <a:solidFill>
@@ -2507,7 +2506,7 @@
               <a:pPr>
                 <a:defRPr/>
               </a:pPr>
-              <a:t>8/18/2018</a:t>
+              <a:t>8/20/2018</a:t>
             </a:fld>
             <a:endParaRPr lang="en-US" dirty="0">
               <a:solidFill>
@@ -2972,7 +2971,7 @@
               <a:pPr>
                 <a:defRPr/>
               </a:pPr>
-              <a:t>8/18/2018</a:t>
+              <a:t>8/20/2018</a:t>
             </a:fld>
             <a:endParaRPr lang="en-US" dirty="0">
               <a:solidFill>
@@ -3135,7 +3134,7 @@
               <a:pPr>
                 <a:defRPr/>
               </a:pPr>
-              <a:t>8/18/2018</a:t>
+              <a:t>8/20/2018</a:t>
             </a:fld>
             <a:endParaRPr lang="en-US" dirty="0">
               <a:solidFill>
@@ -3276,7 +3275,7 @@
               <a:pPr>
                 <a:defRPr/>
               </a:pPr>
-              <a:t>8/18/2018</a:t>
+              <a:t>8/20/2018</a:t>
             </a:fld>
             <a:endParaRPr lang="en-US" dirty="0">
               <a:solidFill>
@@ -3597,7 +3596,7 @@
               <a:pPr>
                 <a:defRPr/>
               </a:pPr>
-              <a:t>8/18/2018</a:t>
+              <a:t>8/20/2018</a:t>
             </a:fld>
             <a:endParaRPr lang="en-US" dirty="0">
               <a:solidFill>
@@ -3805,7 +3804,7 @@
               <a:pPr>
                 <a:defRPr/>
               </a:pPr>
-              <a:t>8/18/2018</a:t>
+              <a:t>8/20/2018</a:t>
             </a:fld>
             <a:endParaRPr lang="en-US" dirty="0"/>
           </a:p>
@@ -4088,7 +4087,7 @@
               <a:pPr>
                 <a:defRPr/>
               </a:pPr>
-              <a:t>8/18/2018</a:t>
+              <a:t>8/20/2018</a:t>
             </a:fld>
             <a:endParaRPr lang="en-US" dirty="0">
               <a:solidFill>
@@ -4302,7 +4301,7 @@
               <a:pPr>
                 <a:defRPr/>
               </a:pPr>
-              <a:t>8/18/2018</a:t>
+              <a:t>8/20/2018</a:t>
             </a:fld>
             <a:endParaRPr lang="en-US" dirty="0">
               <a:solidFill>
@@ -4526,7 +4525,7 @@
               <a:pPr>
                 <a:defRPr/>
               </a:pPr>
-              <a:t>8/18/2018</a:t>
+              <a:t>8/20/2018</a:t>
             </a:fld>
             <a:endParaRPr lang="en-US" dirty="0">
               <a:solidFill>
@@ -4736,7 +4735,7 @@
               <a:pPr>
                 <a:defRPr/>
               </a:pPr>
-              <a:t>8/18/2018</a:t>
+              <a:t>8/20/2018</a:t>
             </a:fld>
             <a:endParaRPr lang="en-US" dirty="0">
               <a:solidFill>
@@ -5013,7 +5012,7 @@
               <a:pPr>
                 <a:defRPr/>
               </a:pPr>
-              <a:t>8/18/2018</a:t>
+              <a:t>8/20/2018</a:t>
             </a:fld>
             <a:endParaRPr lang="en-US" dirty="0"/>
           </a:p>
@@ -5320,7 +5319,7 @@
               <a:pPr>
                 <a:defRPr/>
               </a:pPr>
-              <a:t>8/18/2018</a:t>
+              <a:t>8/20/2018</a:t>
             </a:fld>
             <a:endParaRPr lang="en-US" dirty="0"/>
           </a:p>
@@ -5761,7 +5760,7 @@
               <a:pPr>
                 <a:defRPr/>
               </a:pPr>
-              <a:t>8/18/2018</a:t>
+              <a:t>8/20/2018</a:t>
             </a:fld>
             <a:endParaRPr lang="en-US" dirty="0"/>
           </a:p>
@@ -5900,7 +5899,7 @@
               <a:pPr>
                 <a:defRPr/>
               </a:pPr>
-              <a:t>8/18/2018</a:t>
+              <a:t>8/20/2018</a:t>
             </a:fld>
             <a:endParaRPr lang="en-US" dirty="0"/>
           </a:p>
@@ -6017,7 +6016,7 @@
               <a:pPr>
                 <a:defRPr/>
               </a:pPr>
-              <a:t>8/18/2018</a:t>
+              <a:t>8/20/2018</a:t>
             </a:fld>
             <a:endParaRPr lang="en-US" dirty="0"/>
           </a:p>
@@ -6314,7 +6313,7 @@
               <a:pPr>
                 <a:defRPr/>
               </a:pPr>
-              <a:t>8/18/2018</a:t>
+              <a:t>8/20/2018</a:t>
             </a:fld>
             <a:endParaRPr lang="en-US" dirty="0"/>
           </a:p>
@@ -6591,7 +6590,7 @@
               <a:pPr>
                 <a:defRPr/>
               </a:pPr>
-              <a:t>8/18/2018</a:t>
+              <a:t>8/20/2018</a:t>
             </a:fld>
             <a:endParaRPr lang="en-US" dirty="0"/>
           </a:p>
@@ -6848,7 +6847,7 @@
               <a:pPr>
                 <a:defRPr/>
               </a:pPr>
-              <a:t>8/18/2018</a:t>
+              <a:t>8/20/2018</a:t>
             </a:fld>
             <a:endParaRPr lang="en-US" dirty="0"/>
           </a:p>
@@ -7558,7 +7557,7 @@
               <a:pPr>
                 <a:defRPr/>
               </a:pPr>
-              <a:t>8/18/2018</a:t>
+              <a:t>8/20/2018</a:t>
             </a:fld>
             <a:endParaRPr lang="en-US" dirty="0">
               <a:solidFill>
@@ -8764,14 +8763,14 @@
               <a:buNone/>
             </a:pPr>
             <a:r>
-              <a:rPr lang="en-US" sz="6000" b="1" dirty="0">
+              <a:rPr lang="en-US" sz="4000" b="1" dirty="0">
                 <a:solidFill>
                   <a:srgbClr val="404040"/>
                 </a:solidFill>
                 <a:ea typeface="+mn-ea"/>
                 <a:cs typeface="+mn-cs"/>
               </a:rPr>
-              <a:t>I Don’t Know</a:t>
+              <a:t>I Still Don’t Know</a:t>
             </a:r>
           </a:p>
           <a:p>
@@ -8781,27 +8780,43 @@
               </a:lnSpc>
               <a:buNone/>
             </a:pPr>
-            <a:r>
-              <a:rPr lang="en-US" sz="6000" b="1" dirty="0">
+            <a:endParaRPr lang="en-US" sz="4000" b="1" dirty="0">
+              <a:solidFill>
+                <a:srgbClr val="404040"/>
+              </a:solidFill>
+              <a:ea typeface="+mn-ea"/>
+              <a:cs typeface="+mn-cs"/>
+            </a:endParaRPr>
+          </a:p>
+          <a:p>
+            <a:pPr marL="114300" indent="0" algn="ctr" defTabSz="914400" eaLnBrk="1" hangingPunct="1">
+              <a:lnSpc>
+                <a:spcPct val="90000"/>
+              </a:lnSpc>
+              <a:buNone/>
+            </a:pPr>
+            <a:r>
+              <a:rPr lang="en-US" sz="4000" b="1" dirty="0">
                 <a:solidFill>
                   <a:srgbClr val="404040"/>
                 </a:solidFill>
                 <a:ea typeface="+mn-ea"/>
                 <a:cs typeface="+mn-cs"/>
               </a:rPr>
-              <a:t>#</a:t>
-            </a:r>
-            <a:r>
-              <a:rPr lang="en-US" sz="6000" b="1" dirty="0" err="1">
+              <a:t>Fill-out : </a:t>
+            </a:r>
+            <a:r>
+              <a:rPr lang="en-US" sz="4000" b="1" dirty="0">
                 <a:solidFill>
                   <a:srgbClr val="404040"/>
                 </a:solidFill>
                 <a:ea typeface="+mn-ea"/>
                 <a:cs typeface="+mn-cs"/>
+                <a:hlinkClick r:id="rId3"/>
               </a:rPr>
-              <a:t>RollCall</a:t>
-            </a:r>
-            <a:endParaRPr lang="en-US" sz="6000" b="1" dirty="0">
+              <a:t>Form</a:t>
+            </a:r>
+            <a:endParaRPr lang="en-US" sz="4000" b="1" dirty="0">
               <a:solidFill>
                 <a:srgbClr val="404040"/>
               </a:solidFill>
@@ -8817,7 +8832,7 @@
               <a:buFont typeface="Arial" panose="020B0604020202020204" pitchFamily="34" charset="0"/>
               <a:buChar char="•"/>
             </a:pPr>
-            <a:endParaRPr lang="en-US" sz="1600" dirty="0">
+            <a:endParaRPr lang="en-US" sz="4000" dirty="0">
               <a:solidFill>
                 <a:srgbClr val="404040"/>
               </a:solidFill>
@@ -8832,7 +8847,7 @@
               </a:lnSpc>
               <a:buNone/>
             </a:pPr>
-            <a:endParaRPr lang="en-US" sz="2000" dirty="0">
+            <a:endParaRPr lang="en-US" sz="4000" dirty="0">
               <a:solidFill>
                 <a:srgbClr val="404040"/>
               </a:solidFill>
@@ -8857,7 +8872,7 @@
           <p:nvPr/>
         </p:nvPicPr>
         <p:blipFill rotWithShape="1">
-          <a:blip r:embed="rId3"/>
+          <a:blip r:embed="rId4"/>
           <a:srcRect l="8000" r="9400"/>
           <a:stretch/>
         </p:blipFill>
@@ -9642,7 +9657,7 @@
                 <a:ea typeface="+mj-ea"/>
                 <a:cs typeface="+mj-cs"/>
               </a:rPr>
-              <a:t>What do I Need?</a:t>
+              <a:t>Initial Steps in RStudio</a:t>
             </a:r>
           </a:p>
         </p:txBody>
@@ -9679,10 +9694,10 @@
       </p:pic>
       <p:sp>
         <p:nvSpPr>
-          <p:cNvPr id="7" name="Content Placeholder 2">
+          <p:cNvPr id="10" name="Content Placeholder 2">
             <a:extLst>
               <a:ext uri="{FF2B5EF4-FFF2-40B4-BE49-F238E27FC236}">
-                <a16:creationId xmlns:a16="http://schemas.microsoft.com/office/drawing/2014/main" id="{8FE51533-15BE-453E-90FE-08298901BC34}"/>
+                <a16:creationId xmlns:a16="http://schemas.microsoft.com/office/drawing/2014/main" id="{1B021DFA-01E0-42CE-88F1-8280980D9007}"/>
               </a:ext>
             </a:extLst>
           </p:cNvPr>
@@ -9693,8 +9708,8 @@
         </p:nvSpPr>
         <p:spPr bwMode="auto">
           <a:xfrm>
-            <a:off x="3810000" y="643466"/>
-            <a:ext cx="4851400" cy="5833533"/>
+            <a:off x="3632496" y="643467"/>
+            <a:ext cx="5359103" cy="5833533"/>
           </a:xfrm>
           <a:prstGeom prst="rect">
             <a:avLst/>
@@ -9868,14 +9883,34 @@
               <a:buChar char="•"/>
             </a:pPr>
             <a:r>
-              <a:rPr lang="en-US" sz="2000" dirty="0">
+              <a:rPr lang="en-US" sz="2400" dirty="0">
                 <a:solidFill>
                   <a:srgbClr val="404040"/>
                 </a:solidFill>
                 <a:ea typeface="+mn-ea"/>
                 <a:cs typeface="+mn-cs"/>
               </a:rPr>
-              <a:t>Textbook: </a:t>
+              <a:t>Install </a:t>
+            </a:r>
+            <a:r>
+              <a:rPr lang="en-US" sz="2400" dirty="0" err="1">
+                <a:solidFill>
+                  <a:srgbClr val="404040"/>
+                </a:solidFill>
+                <a:ea typeface="+mn-ea"/>
+                <a:cs typeface="+mn-cs"/>
+              </a:rPr>
+              <a:t>Tidyverse</a:t>
+            </a:r>
+            <a:r>
+              <a:rPr lang="en-US" sz="2400" dirty="0">
+                <a:solidFill>
+                  <a:srgbClr val="404040"/>
+                </a:solidFill>
+                <a:ea typeface="+mn-ea"/>
+                <a:cs typeface="+mn-cs"/>
+              </a:rPr>
+              <a:t> Package</a:t>
             </a:r>
           </a:p>
           <a:p>
@@ -9886,7 +9921,7 @@
               <a:buFont typeface="Arial" panose="020B0604020202020204" pitchFamily="34" charset="0"/>
               <a:buChar char="•"/>
             </a:pPr>
-            <a:endParaRPr lang="en-US" sz="1600" dirty="0">
+            <a:endParaRPr lang="en-US" sz="2400" dirty="0">
               <a:solidFill>
                 <a:srgbClr val="404040"/>
               </a:solidFill>
@@ -9895,7 +9930,92 @@
             </a:endParaRPr>
           </a:p>
           <a:p>
-            <a:pPr marL="114300" indent="0" defTabSz="914400" eaLnBrk="1" hangingPunct="1">
+            <a:pPr indent="-228600" defTabSz="914400" eaLnBrk="1" hangingPunct="1">
+              <a:lnSpc>
+                <a:spcPct val="90000"/>
+              </a:lnSpc>
+              <a:buFont typeface="Arial" panose="020B0604020202020204" pitchFamily="34" charset="0"/>
+              <a:buChar char="•"/>
+            </a:pPr>
+            <a:endParaRPr lang="en-US" sz="2400" dirty="0">
+              <a:solidFill>
+                <a:srgbClr val="404040"/>
+              </a:solidFill>
+              <a:ea typeface="+mn-ea"/>
+              <a:cs typeface="+mn-cs"/>
+            </a:endParaRPr>
+          </a:p>
+          <a:p>
+            <a:pPr indent="-228600" defTabSz="914400" eaLnBrk="1" hangingPunct="1">
+              <a:lnSpc>
+                <a:spcPct val="90000"/>
+              </a:lnSpc>
+              <a:buFont typeface="Arial" panose="020B0604020202020204" pitchFamily="34" charset="0"/>
+              <a:buChar char="•"/>
+            </a:pPr>
+            <a:r>
+              <a:rPr lang="en-US" sz="2400" dirty="0">
+                <a:solidFill>
+                  <a:srgbClr val="404040"/>
+                </a:solidFill>
+                <a:ea typeface="+mn-ea"/>
+                <a:cs typeface="+mn-cs"/>
+              </a:rPr>
+              <a:t>Other Packages To Be Installed</a:t>
+            </a:r>
+          </a:p>
+          <a:p>
+            <a:pPr lvl="1" indent="-228600" defTabSz="914400" eaLnBrk="1" hangingPunct="1">
+              <a:lnSpc>
+                <a:spcPct val="90000"/>
+              </a:lnSpc>
+              <a:buFont typeface="Arial" panose="020B0604020202020204" pitchFamily="34" charset="0"/>
+              <a:buChar char="•"/>
+            </a:pPr>
+            <a:r>
+              <a:rPr lang="en-US" sz="2000" dirty="0" err="1">
+                <a:solidFill>
+                  <a:srgbClr val="404040"/>
+                </a:solidFill>
+                <a:ea typeface="+mn-ea"/>
+                <a:cs typeface="+mn-cs"/>
+              </a:rPr>
+              <a:t>RColorBrewer</a:t>
+            </a:r>
+            <a:endParaRPr lang="en-US" sz="2000" dirty="0">
+              <a:solidFill>
+                <a:srgbClr val="404040"/>
+              </a:solidFill>
+              <a:ea typeface="+mn-ea"/>
+              <a:cs typeface="+mn-cs"/>
+            </a:endParaRPr>
+          </a:p>
+          <a:p>
+            <a:pPr lvl="1" indent="-228600" defTabSz="914400" eaLnBrk="1" hangingPunct="1">
+              <a:lnSpc>
+                <a:spcPct val="90000"/>
+              </a:lnSpc>
+              <a:buFont typeface="Arial" panose="020B0604020202020204" pitchFamily="34" charset="0"/>
+              <a:buChar char="•"/>
+            </a:pPr>
+            <a:r>
+              <a:rPr lang="en-US" sz="2000" dirty="0" err="1">
+                <a:solidFill>
+                  <a:srgbClr val="404040"/>
+                </a:solidFill>
+                <a:ea typeface="+mn-ea"/>
+              </a:rPr>
+              <a:t>RMarkdown</a:t>
+            </a:r>
+            <a:endParaRPr lang="en-US" sz="2000" dirty="0">
+              <a:solidFill>
+                <a:srgbClr val="404040"/>
+              </a:solidFill>
+              <a:ea typeface="+mn-ea"/>
+            </a:endParaRPr>
+          </a:p>
+          <a:p>
+            <a:pPr marL="514350" lvl="1" indent="0" defTabSz="914400" eaLnBrk="1" hangingPunct="1">
               <a:lnSpc>
                 <a:spcPct val="90000"/>
               </a:lnSpc>
@@ -9910,221 +10030,107 @@
             </a:endParaRPr>
           </a:p>
           <a:p>
-            <a:pPr indent="-228600" defTabSz="914400" eaLnBrk="1" hangingPunct="1">
+            <a:pPr marL="514350" lvl="1" indent="0" defTabSz="914400" eaLnBrk="1" hangingPunct="1">
               <a:lnSpc>
                 <a:spcPct val="90000"/>
               </a:lnSpc>
-              <a:buFont typeface="Arial" panose="020B0604020202020204" pitchFamily="34" charset="0"/>
-              <a:buChar char="•"/>
+              <a:buNone/>
             </a:pPr>
-            <a:endParaRPr lang="en-US" sz="2000" dirty="0">
-              <a:solidFill>
-                <a:srgbClr val="404040"/>
-              </a:solidFill>
-              <a:ea typeface="+mn-ea"/>
-              <a:cs typeface="+mn-cs"/>
-            </a:endParaRPr>
-          </a:p>
-          <a:p>
-            <a:pPr indent="-228600" defTabSz="914400" eaLnBrk="1" hangingPunct="1">
-              <a:lnSpc>
-                <a:spcPct val="90000"/>
-              </a:lnSpc>
-              <a:buFont typeface="Arial" panose="020B0604020202020204" pitchFamily="34" charset="0"/>
-              <a:buChar char="•"/>
-            </a:pPr>
-            <a:endParaRPr lang="en-US" sz="2000" dirty="0">
-              <a:solidFill>
-                <a:srgbClr val="404040"/>
-              </a:solidFill>
-              <a:ea typeface="+mn-ea"/>
-              <a:cs typeface="+mn-cs"/>
-            </a:endParaRPr>
-          </a:p>
-          <a:p>
-            <a:pPr indent="-228600" defTabSz="914400" eaLnBrk="1" hangingPunct="1">
-              <a:lnSpc>
-                <a:spcPct val="90000"/>
-              </a:lnSpc>
-              <a:buFont typeface="Arial" panose="020B0604020202020204" pitchFamily="34" charset="0"/>
-              <a:buChar char="•"/>
-            </a:pPr>
-            <a:endParaRPr lang="en-US" sz="2000" dirty="0">
-              <a:solidFill>
-                <a:srgbClr val="404040"/>
-              </a:solidFill>
-              <a:ea typeface="+mn-ea"/>
-              <a:cs typeface="+mn-cs"/>
-            </a:endParaRPr>
-          </a:p>
-          <a:p>
-            <a:pPr indent="-228600" defTabSz="914400" eaLnBrk="1" hangingPunct="1">
-              <a:lnSpc>
-                <a:spcPct val="90000"/>
-              </a:lnSpc>
-              <a:buFont typeface="Arial" panose="020B0604020202020204" pitchFamily="34" charset="0"/>
-              <a:buChar char="•"/>
-            </a:pPr>
-            <a:endParaRPr lang="en-US" sz="2000" dirty="0">
-              <a:solidFill>
-                <a:srgbClr val="404040"/>
-              </a:solidFill>
-              <a:ea typeface="+mn-ea"/>
-              <a:cs typeface="+mn-cs"/>
-            </a:endParaRPr>
-          </a:p>
-          <a:p>
-            <a:pPr indent="-228600" defTabSz="914400" eaLnBrk="1" hangingPunct="1">
-              <a:lnSpc>
-                <a:spcPct val="90000"/>
-              </a:lnSpc>
-              <a:buFont typeface="Arial" panose="020B0604020202020204" pitchFamily="34" charset="0"/>
-              <a:buChar char="•"/>
-            </a:pPr>
-            <a:endParaRPr lang="en-US" sz="2000" dirty="0">
-              <a:solidFill>
-                <a:srgbClr val="404040"/>
-              </a:solidFill>
-              <a:ea typeface="+mn-ea"/>
-              <a:cs typeface="+mn-cs"/>
-            </a:endParaRPr>
-          </a:p>
-          <a:p>
-            <a:pPr indent="-228600" defTabSz="914400" eaLnBrk="1" hangingPunct="1">
-              <a:lnSpc>
-                <a:spcPct val="90000"/>
-              </a:lnSpc>
-              <a:buFont typeface="Arial" panose="020B0604020202020204" pitchFamily="34" charset="0"/>
-              <a:buChar char="•"/>
-            </a:pPr>
-            <a:endParaRPr lang="en-US" sz="2000" dirty="0">
-              <a:solidFill>
-                <a:srgbClr val="404040"/>
-              </a:solidFill>
-              <a:ea typeface="+mn-ea"/>
-              <a:cs typeface="+mn-cs"/>
-            </a:endParaRPr>
-          </a:p>
-          <a:p>
-            <a:pPr indent="-228600" defTabSz="914400" eaLnBrk="1" hangingPunct="1">
-              <a:lnSpc>
-                <a:spcPct val="90000"/>
-              </a:lnSpc>
-              <a:buFont typeface="Arial" panose="020B0604020202020204" pitchFamily="34" charset="0"/>
-              <a:buChar char="•"/>
-            </a:pPr>
-            <a:r>
-              <a:rPr lang="en-US" sz="2000" dirty="0">
+            <a:r>
+              <a:rPr lang="en-US" sz="2400" dirty="0">
                 <a:solidFill>
                   <a:srgbClr val="404040"/>
                 </a:solidFill>
                 <a:ea typeface="+mn-ea"/>
                 <a:cs typeface="+mn-cs"/>
               </a:rPr>
-              <a:t>Computer: We will actively use our laptops in every class.</a:t>
-            </a:r>
-          </a:p>
-          <a:p>
-            <a:pPr indent="-228600" defTabSz="914400" eaLnBrk="1" hangingPunct="1">
-              <a:lnSpc>
-                <a:spcPct val="90000"/>
-              </a:lnSpc>
-              <a:buFont typeface="Arial" panose="020B0604020202020204" pitchFamily="34" charset="0"/>
-              <a:buChar char="•"/>
+              <a:t>	 Select Install and Search on CRAN</a:t>
+            </a:r>
+          </a:p>
+        </p:txBody>
+      </p:sp>
+      <p:sp>
+        <p:nvSpPr>
+          <p:cNvPr id="5" name="TextBox 4">
+            <a:extLst>
+              <a:ext uri="{FF2B5EF4-FFF2-40B4-BE49-F238E27FC236}">
+                <a16:creationId xmlns:a16="http://schemas.microsoft.com/office/drawing/2014/main" id="{793E7647-6811-49AF-8ACC-635E9B51896A}"/>
+              </a:ext>
+            </a:extLst>
+          </p:cNvPr>
+          <p:cNvSpPr txBox="1"/>
+          <p:nvPr/>
+        </p:nvSpPr>
+        <p:spPr>
+          <a:xfrm>
+            <a:off x="4086225" y="1211291"/>
+            <a:ext cx="4121195" cy="461665"/>
+          </a:xfrm>
+          <a:prstGeom prst="rect">
+            <a:avLst/>
+          </a:prstGeom>
+          <a:solidFill>
+            <a:srgbClr val="404040"/>
+          </a:solidFill>
+        </p:spPr>
+        <p:style>
+          <a:lnRef idx="2">
+            <a:schemeClr val="dk1">
+              <a:shade val="50000"/>
+            </a:schemeClr>
+          </a:lnRef>
+          <a:fillRef idx="1">
+            <a:schemeClr val="dk1"/>
+          </a:fillRef>
+          <a:effectRef idx="0">
+            <a:schemeClr val="dk1"/>
+          </a:effectRef>
+          <a:fontRef idx="minor">
+            <a:schemeClr val="lt1"/>
+          </a:fontRef>
+        </p:style>
+        <p:txBody>
+          <a:bodyPr wrap="square" rtlCol="0">
+            <a:spAutoFit/>
+          </a:bodyPr>
+          <a:lstStyle/>
+          <a:p>
+            <a:pPr marL="342900" indent="-342900">
+              <a:buFont typeface="Wingdings" panose="05000000000000000000" pitchFamily="2" charset="2"/>
+              <a:buChar char="Ø"/>
             </a:pPr>
-            <a:endParaRPr lang="en-US" sz="2000" dirty="0">
-              <a:solidFill>
-                <a:srgbClr val="404040"/>
-              </a:solidFill>
-              <a:ea typeface="+mn-ea"/>
-              <a:cs typeface="+mn-cs"/>
-            </a:endParaRPr>
-          </a:p>
-          <a:p>
-            <a:pPr indent="-228600" defTabSz="914400" eaLnBrk="1" hangingPunct="1">
-              <a:lnSpc>
-                <a:spcPct val="90000"/>
-              </a:lnSpc>
-              <a:buFont typeface="Arial" panose="020B0604020202020204" pitchFamily="34" charset="0"/>
-              <a:buChar char="•"/>
-            </a:pPr>
-            <a:r>
-              <a:rPr lang="en-US" sz="2000" dirty="0">
-                <a:solidFill>
-                  <a:srgbClr val="404040"/>
-                </a:solidFill>
-                <a:ea typeface="+mn-ea"/>
-                <a:cs typeface="+mn-cs"/>
+            <a:r>
+              <a:rPr lang="en-US" dirty="0" err="1">
+                <a:solidFill>
+                  <a:schemeClr val="bg1"/>
+                </a:solidFill>
               </a:rPr>
-              <a:t>R and RStudio Installed and Operational</a:t>
-            </a:r>
-          </a:p>
-          <a:p>
-            <a:pPr indent="-228600" defTabSz="914400" eaLnBrk="1" hangingPunct="1">
-              <a:lnSpc>
-                <a:spcPct val="90000"/>
-              </a:lnSpc>
-              <a:buFont typeface="Arial" panose="020B0604020202020204" pitchFamily="34" charset="0"/>
-              <a:buChar char="•"/>
-            </a:pPr>
-            <a:endParaRPr lang="en-US" sz="2000" dirty="0">
-              <a:solidFill>
-                <a:srgbClr val="404040"/>
-              </a:solidFill>
-              <a:ea typeface="+mn-ea"/>
-              <a:cs typeface="+mn-cs"/>
-            </a:endParaRPr>
-          </a:p>
-          <a:p>
-            <a:pPr indent="-228600" defTabSz="914400" eaLnBrk="1" hangingPunct="1">
-              <a:lnSpc>
-                <a:spcPct val="90000"/>
-              </a:lnSpc>
-              <a:buFont typeface="Arial" panose="020B0604020202020204" pitchFamily="34" charset="0"/>
-              <a:buChar char="•"/>
-            </a:pPr>
-            <a:r>
-              <a:rPr lang="en-US" sz="2000" dirty="0">
-                <a:solidFill>
-                  <a:srgbClr val="404040"/>
-                </a:solidFill>
-                <a:ea typeface="+mn-ea"/>
-                <a:cs typeface="+mn-cs"/>
+              <a:t>install.packages</a:t>
+            </a:r>
+            <a:r>
+              <a:rPr lang="en-US" dirty="0">
+                <a:solidFill>
+                  <a:schemeClr val="bg1"/>
+                </a:solidFill>
               </a:rPr>
-              <a:t>High Tolerance for Pain and Agony</a:t>
-            </a:r>
-          </a:p>
-          <a:p>
-            <a:pPr indent="-228600" defTabSz="914400" eaLnBrk="1" hangingPunct="1">
-              <a:lnSpc>
-                <a:spcPct val="90000"/>
-              </a:lnSpc>
-              <a:buFont typeface="Arial" panose="020B0604020202020204" pitchFamily="34" charset="0"/>
-              <a:buChar char="•"/>
-            </a:pPr>
-            <a:endParaRPr lang="en-US" sz="2000" dirty="0">
-              <a:solidFill>
-                <a:srgbClr val="404040"/>
-              </a:solidFill>
-              <a:ea typeface="+mn-ea"/>
-              <a:cs typeface="+mn-cs"/>
-            </a:endParaRPr>
-          </a:p>
-          <a:p>
-            <a:pPr indent="-228600" defTabSz="914400" eaLnBrk="1" hangingPunct="1">
-              <a:lnSpc>
-                <a:spcPct val="90000"/>
-              </a:lnSpc>
-              <a:buFont typeface="Arial" panose="020B0604020202020204" pitchFamily="34" charset="0"/>
-              <a:buChar char="•"/>
-            </a:pPr>
-            <a:endParaRPr lang="en-US" sz="2000" dirty="0">
-              <a:solidFill>
-                <a:srgbClr val="404040"/>
-              </a:solidFill>
-              <a:ea typeface="+mn-ea"/>
-              <a:cs typeface="+mn-cs"/>
-            </a:endParaRPr>
+              <a:t>(“</a:t>
+            </a:r>
+            <a:r>
+              <a:rPr lang="en-US" dirty="0" err="1">
+                <a:solidFill>
+                  <a:schemeClr val="bg1"/>
+                </a:solidFill>
+              </a:rPr>
+              <a:t>tidyverse</a:t>
+            </a:r>
+            <a:r>
+              <a:rPr lang="en-US" dirty="0">
+                <a:solidFill>
+                  <a:schemeClr val="bg1"/>
+                </a:solidFill>
+              </a:rPr>
+              <a:t>”)</a:t>
+            </a:r>
           </a:p>
         </p:txBody>
       </p:sp>
@@ -10133,7 +10139,7 @@
           <p:cNvPr id="9" name="Picture 8">
             <a:extLst>
               <a:ext uri="{FF2B5EF4-FFF2-40B4-BE49-F238E27FC236}">
-                <a16:creationId xmlns:a16="http://schemas.microsoft.com/office/drawing/2014/main" id="{70DBB83D-72D1-4EAB-A3D4-690A260B9852}"/>
+                <a16:creationId xmlns:a16="http://schemas.microsoft.com/office/drawing/2014/main" id="{F2BF21DE-F956-4E5F-AC07-96F974BD3B59}"/>
               </a:ext>
             </a:extLst>
           </p:cNvPr>
@@ -10150,21 +10156,68 @@
         </p:blipFill>
         <p:spPr>
           <a:xfrm>
-            <a:off x="5410200" y="677786"/>
-            <a:ext cx="1918057" cy="2819400"/>
+            <a:off x="3915944" y="3824288"/>
+            <a:ext cx="5075654" cy="2957512"/>
           </a:xfrm>
           <a:prstGeom prst="rect">
             <a:avLst/>
           </a:prstGeom>
         </p:spPr>
       </p:pic>
+      <p:sp>
+        <p:nvSpPr>
+          <p:cNvPr id="13" name="Arrow: Right 12">
+            <a:extLst>
+              <a:ext uri="{FF2B5EF4-FFF2-40B4-BE49-F238E27FC236}">
+                <a16:creationId xmlns:a16="http://schemas.microsoft.com/office/drawing/2014/main" id="{1304B3EE-7698-44E2-BA90-60A98037538D}"/>
+              </a:ext>
+            </a:extLst>
+          </p:cNvPr>
+          <p:cNvSpPr/>
+          <p:nvPr/>
+        </p:nvSpPr>
+        <p:spPr>
+          <a:xfrm rot="7434494">
+            <a:off x="4109660" y="3734933"/>
+            <a:ext cx="694002" cy="178709"/>
+          </a:xfrm>
+          <a:prstGeom prst="rightArrow">
+            <a:avLst/>
+          </a:prstGeom>
+          <a:solidFill>
+            <a:srgbClr val="404040"/>
+          </a:solidFill>
+        </p:spPr>
+        <p:style>
+          <a:lnRef idx="1">
+            <a:schemeClr val="accent1"/>
+          </a:lnRef>
+          <a:fillRef idx="3">
+            <a:schemeClr val="accent1"/>
+          </a:fillRef>
+          <a:effectRef idx="2">
+            <a:schemeClr val="accent1"/>
+          </a:effectRef>
+          <a:fontRef idx="minor">
+            <a:schemeClr val="lt1"/>
+          </a:fontRef>
+        </p:style>
+        <p:txBody>
+          <a:bodyPr rtlCol="0" anchor="ctr"/>
+          <a:lstStyle/>
+          <a:p>
+            <a:pPr algn="ctr"/>
+            <a:endParaRPr lang="en-US"/>
+          </a:p>
+        </p:txBody>
+      </p:sp>
     </p:spTree>
     <p:custDataLst>
       <p:tags r:id="rId1"/>
     </p:custDataLst>
     <p:extLst>
       <p:ext uri="{BB962C8B-B14F-4D97-AF65-F5344CB8AC3E}">
-        <p14:creationId xmlns:p14="http://schemas.microsoft.com/office/powerpoint/2010/main" val="4288646050"/>
+        <p14:creationId xmlns:p14="http://schemas.microsoft.com/office/powerpoint/2010/main" val="3769935585"/>
       </p:ext>
     </p:extLst>
   </p:cSld>
@@ -10203,43 +10256,6 @@
       </p:grpSpPr>
       <p:sp>
         <p:nvSpPr>
-          <p:cNvPr id="13" name="Rectangle 12">
-            <a:extLst>
-              <a:ext uri="{FF2B5EF4-FFF2-40B4-BE49-F238E27FC236}">
-                <a16:creationId xmlns:a16="http://schemas.microsoft.com/office/drawing/2014/main" id="{811ECB3D-F210-4362-9B3C-15DF813E9908}"/>
-              </a:ext>
-            </a:extLst>
-          </p:cNvPr>
-          <p:cNvSpPr/>
-          <p:nvPr/>
-        </p:nvSpPr>
-        <p:spPr>
-          <a:xfrm>
-            <a:off x="3875278" y="1219200"/>
-            <a:ext cx="5105400" cy="307777"/>
-          </a:xfrm>
-          <a:prstGeom prst="rect">
-            <a:avLst/>
-          </a:prstGeom>
-        </p:spPr>
-        <p:txBody>
-          <a:bodyPr wrap="square">
-            <a:spAutoFit/>
-          </a:bodyPr>
-          <a:lstStyle/>
-          <a:p>
-            <a:r>
-              <a:rPr lang="en-US" sz="1400" dirty="0">
-                <a:hlinkClick r:id="rId3"/>
-              </a:rPr>
-              <a:t>https://supermariogiacomazzo.github.io/STOR320_WEBSITE/</a:t>
-            </a:r>
-            <a:endParaRPr lang="en-US" sz="1400" dirty="0"/>
-          </a:p>
-        </p:txBody>
-      </p:sp>
-      <p:sp>
-        <p:nvSpPr>
           <p:cNvPr id="15" name="Rectangle 12">
             <a:extLst>
               <a:ext uri="{FF2B5EF4-FFF2-40B4-BE49-F238E27FC236}">
@@ -10344,973 +10360,8 @@
                 <a:ea typeface="+mj-ea"/>
                 <a:cs typeface="+mj-cs"/>
               </a:rPr>
-              <a:t>What will </a:t>
-            </a:r>
-            <a:r>
-              <a:rPr lang="en-US" sz="2400" dirty="0">
-                <a:solidFill>
-                  <a:schemeClr val="bg1"/>
-                </a:solidFill>
-                <a:ea typeface="+mj-ea"/>
-                <a:cs typeface="+mj-cs"/>
-              </a:rPr>
-              <a:t>We Do?</a:t>
-            </a:r>
-            <a:endParaRPr lang="en-US" sz="2400" kern="1200" dirty="0">
-              <a:solidFill>
-                <a:schemeClr val="bg1"/>
-              </a:solidFill>
-              <a:latin typeface="+mj-lt"/>
-              <a:ea typeface="+mj-ea"/>
-              <a:cs typeface="+mj-cs"/>
-            </a:endParaRPr>
-          </a:p>
-        </p:txBody>
-      </p:sp>
-      <p:pic>
-        <p:nvPicPr>
-          <p:cNvPr id="8" name="Picture 7">
-            <a:extLst>
-              <a:ext uri="{FF2B5EF4-FFF2-40B4-BE49-F238E27FC236}">
-                <a16:creationId xmlns:a16="http://schemas.microsoft.com/office/drawing/2014/main" id="{521D4292-9ECC-4DA5-8CC0-C561A0DA118E}"/>
-              </a:ext>
-            </a:extLst>
-          </p:cNvPr>
-          <p:cNvPicPr>
-            <a:picLocks noChangeAspect="1"/>
-          </p:cNvPicPr>
-          <p:nvPr/>
-        </p:nvPicPr>
-        <p:blipFill rotWithShape="1">
-          <a:blip r:embed="rId4"/>
-          <a:srcRect l="8000" r="9400"/>
-          <a:stretch/>
-        </p:blipFill>
-        <p:spPr>
-          <a:xfrm>
-            <a:off x="660103" y="3048000"/>
-            <a:ext cx="2167974" cy="2624666"/>
-          </a:xfrm>
-          <a:prstGeom prst="rect">
-            <a:avLst/>
-          </a:prstGeom>
-          <a:noFill/>
-        </p:spPr>
-      </p:pic>
-      <p:sp>
-        <p:nvSpPr>
-          <p:cNvPr id="7" name="Content Placeholder 2">
-            <a:extLst>
-              <a:ext uri="{FF2B5EF4-FFF2-40B4-BE49-F238E27FC236}">
-                <a16:creationId xmlns:a16="http://schemas.microsoft.com/office/drawing/2014/main" id="{8FE51533-15BE-453E-90FE-08298901BC34}"/>
-              </a:ext>
-            </a:extLst>
-          </p:cNvPr>
-          <p:cNvSpPr txBox="1">
-            <a:spLocks/>
-          </p:cNvSpPr>
-          <p:nvPr/>
-        </p:nvSpPr>
-        <p:spPr bwMode="auto">
-          <a:xfrm>
-            <a:off x="3810000" y="643466"/>
-            <a:ext cx="4851400" cy="5833533"/>
-          </a:xfrm>
-          <a:prstGeom prst="rect">
-            <a:avLst/>
-          </a:prstGeom>
-        </p:spPr>
-        <p:txBody>
-          <a:bodyPr vert="horz" lIns="91440" tIns="45720" rIns="91440" bIns="45720" numCol="1" rtlCol="0" anchorCtr="0" compatLnSpc="1">
-            <a:prstTxWarp prst="textNoShape">
-              <a:avLst/>
-            </a:prstTxWarp>
-            <a:noAutofit/>
-          </a:bodyPr>
-          <a:lstStyle>
-            <a:lvl1pPr marL="342900" indent="-342900" algn="l" defTabSz="457200" rtl="0" eaLnBrk="0" fontAlgn="base" hangingPunct="0">
-              <a:spcBef>
-                <a:spcPct val="20000"/>
-              </a:spcBef>
-              <a:spcAft>
-                <a:spcPct val="0"/>
-              </a:spcAft>
-              <a:buFont typeface="Arial" charset="0"/>
-              <a:buChar char="•"/>
-              <a:defRPr sz="3200" kern="1200">
-                <a:solidFill>
-                  <a:schemeClr val="tx1"/>
-                </a:solidFill>
-                <a:latin typeface="+mn-lt"/>
-                <a:ea typeface="ＭＳ Ｐゴシック" pitchFamily="-109" charset="-128"/>
-                <a:cs typeface="ＭＳ Ｐゴシック" pitchFamily="-109" charset="-128"/>
-              </a:defRPr>
-            </a:lvl1pPr>
-            <a:lvl2pPr marL="742950" indent="-285750" algn="l" defTabSz="457200" rtl="0" eaLnBrk="0" fontAlgn="base" hangingPunct="0">
-              <a:spcBef>
-                <a:spcPct val="20000"/>
-              </a:spcBef>
-              <a:spcAft>
-                <a:spcPct val="0"/>
-              </a:spcAft>
-              <a:buFont typeface="Arial" charset="0"/>
-              <a:buChar char="–"/>
-              <a:defRPr sz="2800" kern="1200">
-                <a:solidFill>
-                  <a:schemeClr val="tx1"/>
-                </a:solidFill>
-                <a:latin typeface="+mn-lt"/>
-                <a:ea typeface="ＭＳ Ｐゴシック" pitchFamily="-109" charset="-128"/>
-                <a:cs typeface="+mn-cs"/>
-              </a:defRPr>
-            </a:lvl2pPr>
-            <a:lvl3pPr marL="1143000" indent="-228600" algn="l" defTabSz="457200" rtl="0" eaLnBrk="0" fontAlgn="base" hangingPunct="0">
-              <a:spcBef>
-                <a:spcPct val="20000"/>
-              </a:spcBef>
-              <a:spcAft>
-                <a:spcPct val="0"/>
-              </a:spcAft>
-              <a:buFont typeface="Arial" charset="0"/>
-              <a:buChar char="•"/>
-              <a:defRPr sz="2400" kern="1200">
-                <a:solidFill>
-                  <a:schemeClr val="tx1"/>
-                </a:solidFill>
-                <a:latin typeface="+mn-lt"/>
-                <a:ea typeface="ＭＳ Ｐゴシック" pitchFamily="-109" charset="-128"/>
-                <a:cs typeface="+mn-cs"/>
-              </a:defRPr>
-            </a:lvl3pPr>
-            <a:lvl4pPr marL="1600200" indent="-228600" algn="l" defTabSz="457200" rtl="0" eaLnBrk="0" fontAlgn="base" hangingPunct="0">
-              <a:spcBef>
-                <a:spcPct val="20000"/>
-              </a:spcBef>
-              <a:spcAft>
-                <a:spcPct val="0"/>
-              </a:spcAft>
-              <a:buFont typeface="Arial" charset="0"/>
-              <a:buChar char="–"/>
-              <a:defRPr sz="2000" kern="1200">
-                <a:solidFill>
-                  <a:schemeClr val="tx1"/>
-                </a:solidFill>
-                <a:latin typeface="+mn-lt"/>
-                <a:ea typeface="ＭＳ Ｐゴシック" pitchFamily="-109" charset="-128"/>
-                <a:cs typeface="+mn-cs"/>
-              </a:defRPr>
-            </a:lvl4pPr>
-            <a:lvl5pPr marL="2057400" indent="-228600" algn="l" defTabSz="457200" rtl="0" eaLnBrk="0" fontAlgn="base" hangingPunct="0">
-              <a:spcBef>
-                <a:spcPct val="20000"/>
-              </a:spcBef>
-              <a:spcAft>
-                <a:spcPct val="0"/>
-              </a:spcAft>
-              <a:buFont typeface="Arial" charset="0"/>
-              <a:buChar char="»"/>
-              <a:defRPr sz="2000" kern="1200">
-                <a:solidFill>
-                  <a:schemeClr val="tx1"/>
-                </a:solidFill>
-                <a:latin typeface="+mn-lt"/>
-                <a:ea typeface="ＭＳ Ｐゴシック" pitchFamily="-109" charset="-128"/>
-                <a:cs typeface="+mn-cs"/>
-              </a:defRPr>
-            </a:lvl5pPr>
-            <a:lvl6pPr marL="2514600" indent="-228600" algn="l" defTabSz="457200" rtl="0" eaLnBrk="1" latinLnBrk="0" hangingPunct="1">
-              <a:spcBef>
-                <a:spcPct val="20000"/>
-              </a:spcBef>
-              <a:buFont typeface="Arial"/>
-              <a:buChar char="•"/>
-              <a:defRPr sz="2000" kern="1200">
-                <a:solidFill>
-                  <a:schemeClr val="tx1"/>
-                </a:solidFill>
-                <a:latin typeface="+mn-lt"/>
-                <a:ea typeface="+mn-ea"/>
-                <a:cs typeface="+mn-cs"/>
-              </a:defRPr>
-            </a:lvl6pPr>
-            <a:lvl7pPr marL="2971800" indent="-228600" algn="l" defTabSz="457200" rtl="0" eaLnBrk="1" latinLnBrk="0" hangingPunct="1">
-              <a:spcBef>
-                <a:spcPct val="20000"/>
-              </a:spcBef>
-              <a:buFont typeface="Arial"/>
-              <a:buChar char="•"/>
-              <a:defRPr sz="2000" kern="1200">
-                <a:solidFill>
-                  <a:schemeClr val="tx1"/>
-                </a:solidFill>
-                <a:latin typeface="+mn-lt"/>
-                <a:ea typeface="+mn-ea"/>
-                <a:cs typeface="+mn-cs"/>
-              </a:defRPr>
-            </a:lvl7pPr>
-            <a:lvl8pPr marL="3429000" indent="-228600" algn="l" defTabSz="457200" rtl="0" eaLnBrk="1" latinLnBrk="0" hangingPunct="1">
-              <a:spcBef>
-                <a:spcPct val="20000"/>
-              </a:spcBef>
-              <a:buFont typeface="Arial"/>
-              <a:buChar char="•"/>
-              <a:defRPr sz="2000" kern="1200">
-                <a:solidFill>
-                  <a:schemeClr val="tx1"/>
-                </a:solidFill>
-                <a:latin typeface="+mn-lt"/>
-                <a:ea typeface="+mn-ea"/>
-                <a:cs typeface="+mn-cs"/>
-              </a:defRPr>
-            </a:lvl8pPr>
-            <a:lvl9pPr marL="3886200" indent="-228600" algn="l" defTabSz="457200" rtl="0" eaLnBrk="1" latinLnBrk="0" hangingPunct="1">
-              <a:spcBef>
-                <a:spcPct val="20000"/>
-              </a:spcBef>
-              <a:buFont typeface="Arial"/>
-              <a:buChar char="•"/>
-              <a:defRPr sz="2000" kern="1200">
-                <a:solidFill>
-                  <a:schemeClr val="tx1"/>
-                </a:solidFill>
-                <a:latin typeface="+mn-lt"/>
-                <a:ea typeface="+mn-ea"/>
-                <a:cs typeface="+mn-cs"/>
-              </a:defRPr>
-            </a:lvl9pPr>
-          </a:lstStyle>
-          <a:p>
-            <a:pPr indent="-228600" defTabSz="914400" eaLnBrk="1" hangingPunct="1">
-              <a:lnSpc>
-                <a:spcPct val="90000"/>
-              </a:lnSpc>
-              <a:buFont typeface="Arial" panose="020B0604020202020204" pitchFamily="34" charset="0"/>
-              <a:buChar char="•"/>
-            </a:pPr>
-            <a:endParaRPr lang="en-US" sz="2000" dirty="0">
-              <a:solidFill>
-                <a:srgbClr val="404040"/>
-              </a:solidFill>
-              <a:ea typeface="+mn-ea"/>
-              <a:cs typeface="+mn-cs"/>
-            </a:endParaRPr>
-          </a:p>
-          <a:p>
-            <a:pPr indent="-228600" defTabSz="914400" eaLnBrk="1" hangingPunct="1">
-              <a:lnSpc>
-                <a:spcPct val="90000"/>
-              </a:lnSpc>
-              <a:buFont typeface="Arial" panose="020B0604020202020204" pitchFamily="34" charset="0"/>
-              <a:buChar char="•"/>
-            </a:pPr>
-            <a:endParaRPr lang="en-US" sz="2000" dirty="0">
-              <a:solidFill>
-                <a:srgbClr val="404040"/>
-              </a:solidFill>
-              <a:ea typeface="+mn-ea"/>
-              <a:cs typeface="+mn-cs"/>
-            </a:endParaRPr>
-          </a:p>
-        </p:txBody>
-      </p:sp>
-      <p:sp>
-        <p:nvSpPr>
-          <p:cNvPr id="10" name="Content Placeholder 2">
-            <a:extLst>
-              <a:ext uri="{FF2B5EF4-FFF2-40B4-BE49-F238E27FC236}">
-                <a16:creationId xmlns:a16="http://schemas.microsoft.com/office/drawing/2014/main" id="{10754C74-871F-42E2-A79F-10B9CCA16CD5}"/>
-              </a:ext>
-            </a:extLst>
-          </p:cNvPr>
-          <p:cNvSpPr txBox="1">
-            <a:spLocks/>
-          </p:cNvSpPr>
-          <p:nvPr/>
-        </p:nvSpPr>
-        <p:spPr bwMode="auto">
-          <a:xfrm>
-            <a:off x="3962400" y="795866"/>
-            <a:ext cx="4851400" cy="5833533"/>
-          </a:xfrm>
-          <a:prstGeom prst="rect">
-            <a:avLst/>
-          </a:prstGeom>
-        </p:spPr>
-        <p:txBody>
-          <a:bodyPr vert="horz" lIns="91440" tIns="45720" rIns="91440" bIns="45720" numCol="1" rtlCol="0" anchorCtr="0" compatLnSpc="1">
-            <a:prstTxWarp prst="textNoShape">
-              <a:avLst/>
-            </a:prstTxWarp>
-            <a:noAutofit/>
-          </a:bodyPr>
-          <a:lstStyle>
-            <a:lvl1pPr marL="342900" indent="-342900" algn="l" defTabSz="457200" rtl="0" eaLnBrk="0" fontAlgn="base" hangingPunct="0">
-              <a:spcBef>
-                <a:spcPct val="20000"/>
-              </a:spcBef>
-              <a:spcAft>
-                <a:spcPct val="0"/>
-              </a:spcAft>
-              <a:buFont typeface="Arial" charset="0"/>
-              <a:buChar char="•"/>
-              <a:defRPr sz="3200" kern="1200">
-                <a:solidFill>
-                  <a:schemeClr val="tx1"/>
-                </a:solidFill>
-                <a:latin typeface="+mn-lt"/>
-                <a:ea typeface="ＭＳ Ｐゴシック" pitchFamily="-109" charset="-128"/>
-                <a:cs typeface="ＭＳ Ｐゴシック" pitchFamily="-109" charset="-128"/>
-              </a:defRPr>
-            </a:lvl1pPr>
-            <a:lvl2pPr marL="742950" indent="-285750" algn="l" defTabSz="457200" rtl="0" eaLnBrk="0" fontAlgn="base" hangingPunct="0">
-              <a:spcBef>
-                <a:spcPct val="20000"/>
-              </a:spcBef>
-              <a:spcAft>
-                <a:spcPct val="0"/>
-              </a:spcAft>
-              <a:buFont typeface="Arial" charset="0"/>
-              <a:buChar char="–"/>
-              <a:defRPr sz="2800" kern="1200">
-                <a:solidFill>
-                  <a:schemeClr val="tx1"/>
-                </a:solidFill>
-                <a:latin typeface="+mn-lt"/>
-                <a:ea typeface="ＭＳ Ｐゴシック" pitchFamily="-109" charset="-128"/>
-                <a:cs typeface="+mn-cs"/>
-              </a:defRPr>
-            </a:lvl2pPr>
-            <a:lvl3pPr marL="1143000" indent="-228600" algn="l" defTabSz="457200" rtl="0" eaLnBrk="0" fontAlgn="base" hangingPunct="0">
-              <a:spcBef>
-                <a:spcPct val="20000"/>
-              </a:spcBef>
-              <a:spcAft>
-                <a:spcPct val="0"/>
-              </a:spcAft>
-              <a:buFont typeface="Arial" charset="0"/>
-              <a:buChar char="•"/>
-              <a:defRPr sz="2400" kern="1200">
-                <a:solidFill>
-                  <a:schemeClr val="tx1"/>
-                </a:solidFill>
-                <a:latin typeface="+mn-lt"/>
-                <a:ea typeface="ＭＳ Ｐゴシック" pitchFamily="-109" charset="-128"/>
-                <a:cs typeface="+mn-cs"/>
-              </a:defRPr>
-            </a:lvl3pPr>
-            <a:lvl4pPr marL="1600200" indent="-228600" algn="l" defTabSz="457200" rtl="0" eaLnBrk="0" fontAlgn="base" hangingPunct="0">
-              <a:spcBef>
-                <a:spcPct val="20000"/>
-              </a:spcBef>
-              <a:spcAft>
-                <a:spcPct val="0"/>
-              </a:spcAft>
-              <a:buFont typeface="Arial" charset="0"/>
-              <a:buChar char="–"/>
-              <a:defRPr sz="2000" kern="1200">
-                <a:solidFill>
-                  <a:schemeClr val="tx1"/>
-                </a:solidFill>
-                <a:latin typeface="+mn-lt"/>
-                <a:ea typeface="ＭＳ Ｐゴシック" pitchFamily="-109" charset="-128"/>
-                <a:cs typeface="+mn-cs"/>
-              </a:defRPr>
-            </a:lvl4pPr>
-            <a:lvl5pPr marL="2057400" indent="-228600" algn="l" defTabSz="457200" rtl="0" eaLnBrk="0" fontAlgn="base" hangingPunct="0">
-              <a:spcBef>
-                <a:spcPct val="20000"/>
-              </a:spcBef>
-              <a:spcAft>
-                <a:spcPct val="0"/>
-              </a:spcAft>
-              <a:buFont typeface="Arial" charset="0"/>
-              <a:buChar char="»"/>
-              <a:defRPr sz="2000" kern="1200">
-                <a:solidFill>
-                  <a:schemeClr val="tx1"/>
-                </a:solidFill>
-                <a:latin typeface="+mn-lt"/>
-                <a:ea typeface="ＭＳ Ｐゴシック" pitchFamily="-109" charset="-128"/>
-                <a:cs typeface="+mn-cs"/>
-              </a:defRPr>
-            </a:lvl5pPr>
-            <a:lvl6pPr marL="2514600" indent="-228600" algn="l" defTabSz="457200" rtl="0" eaLnBrk="1" latinLnBrk="0" hangingPunct="1">
-              <a:spcBef>
-                <a:spcPct val="20000"/>
-              </a:spcBef>
-              <a:buFont typeface="Arial"/>
-              <a:buChar char="•"/>
-              <a:defRPr sz="2000" kern="1200">
-                <a:solidFill>
-                  <a:schemeClr val="tx1"/>
-                </a:solidFill>
-                <a:latin typeface="+mn-lt"/>
-                <a:ea typeface="+mn-ea"/>
-                <a:cs typeface="+mn-cs"/>
-              </a:defRPr>
-            </a:lvl6pPr>
-            <a:lvl7pPr marL="2971800" indent="-228600" algn="l" defTabSz="457200" rtl="0" eaLnBrk="1" latinLnBrk="0" hangingPunct="1">
-              <a:spcBef>
-                <a:spcPct val="20000"/>
-              </a:spcBef>
-              <a:buFont typeface="Arial"/>
-              <a:buChar char="•"/>
-              <a:defRPr sz="2000" kern="1200">
-                <a:solidFill>
-                  <a:schemeClr val="tx1"/>
-                </a:solidFill>
-                <a:latin typeface="+mn-lt"/>
-                <a:ea typeface="+mn-ea"/>
-                <a:cs typeface="+mn-cs"/>
-              </a:defRPr>
-            </a:lvl7pPr>
-            <a:lvl8pPr marL="3429000" indent="-228600" algn="l" defTabSz="457200" rtl="0" eaLnBrk="1" latinLnBrk="0" hangingPunct="1">
-              <a:spcBef>
-                <a:spcPct val="20000"/>
-              </a:spcBef>
-              <a:buFont typeface="Arial"/>
-              <a:buChar char="•"/>
-              <a:defRPr sz="2000" kern="1200">
-                <a:solidFill>
-                  <a:schemeClr val="tx1"/>
-                </a:solidFill>
-                <a:latin typeface="+mn-lt"/>
-                <a:ea typeface="+mn-ea"/>
-                <a:cs typeface="+mn-cs"/>
-              </a:defRPr>
-            </a:lvl8pPr>
-            <a:lvl9pPr marL="3886200" indent="-228600" algn="l" defTabSz="457200" rtl="0" eaLnBrk="1" latinLnBrk="0" hangingPunct="1">
-              <a:spcBef>
-                <a:spcPct val="20000"/>
-              </a:spcBef>
-              <a:buFont typeface="Arial"/>
-              <a:buChar char="•"/>
-              <a:defRPr sz="2000" kern="1200">
-                <a:solidFill>
-                  <a:schemeClr val="tx1"/>
-                </a:solidFill>
-                <a:latin typeface="+mn-lt"/>
-                <a:ea typeface="+mn-ea"/>
-                <a:cs typeface="+mn-cs"/>
-              </a:defRPr>
-            </a:lvl9pPr>
-          </a:lstStyle>
-          <a:p>
-            <a:pPr indent="-228600" defTabSz="914400" eaLnBrk="1" hangingPunct="1">
-              <a:lnSpc>
-                <a:spcPct val="90000"/>
-              </a:lnSpc>
-              <a:buFont typeface="Arial" panose="020B0604020202020204" pitchFamily="34" charset="0"/>
-              <a:buChar char="•"/>
-            </a:pPr>
-            <a:r>
-              <a:rPr lang="en-US" sz="2000" dirty="0">
-                <a:solidFill>
-                  <a:srgbClr val="404040"/>
-                </a:solidFill>
-                <a:ea typeface="+mn-ea"/>
-                <a:cs typeface="+mn-cs"/>
-              </a:rPr>
-              <a:t>Course Website and Syllabus</a:t>
-            </a:r>
-          </a:p>
-          <a:p>
-            <a:pPr indent="-228600" defTabSz="914400" eaLnBrk="1" hangingPunct="1">
-              <a:lnSpc>
-                <a:spcPct val="90000"/>
-              </a:lnSpc>
-              <a:buFont typeface="Arial" panose="020B0604020202020204" pitchFamily="34" charset="0"/>
-              <a:buChar char="•"/>
-            </a:pPr>
-            <a:endParaRPr lang="en-US" sz="2000" dirty="0">
-              <a:solidFill>
-                <a:srgbClr val="404040"/>
-              </a:solidFill>
-              <a:ea typeface="+mn-ea"/>
-              <a:cs typeface="+mn-cs"/>
-            </a:endParaRPr>
-          </a:p>
-          <a:p>
-            <a:pPr indent="-228600" defTabSz="914400" eaLnBrk="1" hangingPunct="1">
-              <a:lnSpc>
-                <a:spcPct val="90000"/>
-              </a:lnSpc>
-              <a:buFont typeface="Arial" panose="020B0604020202020204" pitchFamily="34" charset="0"/>
-              <a:buChar char="•"/>
-            </a:pPr>
-            <a:endParaRPr lang="en-US" sz="2000" dirty="0">
-              <a:solidFill>
-                <a:srgbClr val="404040"/>
-              </a:solidFill>
-              <a:ea typeface="+mn-ea"/>
-              <a:cs typeface="+mn-cs"/>
-            </a:endParaRPr>
-          </a:p>
-          <a:p>
-            <a:pPr indent="-228600" defTabSz="914400" eaLnBrk="1" hangingPunct="1">
-              <a:lnSpc>
-                <a:spcPct val="90000"/>
-              </a:lnSpc>
-              <a:buFont typeface="Arial" panose="020B0604020202020204" pitchFamily="34" charset="0"/>
-              <a:buChar char="•"/>
-            </a:pPr>
-            <a:r>
-              <a:rPr lang="en-US" sz="2000" dirty="0">
-                <a:solidFill>
-                  <a:srgbClr val="404040"/>
-                </a:solidFill>
-                <a:ea typeface="+mn-ea"/>
-                <a:cs typeface="+mn-cs"/>
-              </a:rPr>
-              <a:t>In-Class Coding</a:t>
-            </a:r>
-          </a:p>
-          <a:p>
-            <a:pPr marL="114300" indent="0" defTabSz="914400" eaLnBrk="1" hangingPunct="1">
-              <a:lnSpc>
-                <a:spcPct val="90000"/>
-              </a:lnSpc>
-              <a:buNone/>
-            </a:pPr>
-            <a:endParaRPr lang="en-US" sz="2000" dirty="0">
-              <a:solidFill>
-                <a:srgbClr val="404040"/>
-              </a:solidFill>
-              <a:ea typeface="+mn-ea"/>
-              <a:cs typeface="+mn-cs"/>
-            </a:endParaRPr>
-          </a:p>
-          <a:p>
-            <a:pPr indent="-228600" defTabSz="914400" eaLnBrk="1" hangingPunct="1">
-              <a:lnSpc>
-                <a:spcPct val="90000"/>
-              </a:lnSpc>
-              <a:buFont typeface="Arial" panose="020B0604020202020204" pitchFamily="34" charset="0"/>
-              <a:buChar char="•"/>
-            </a:pPr>
-            <a:r>
-              <a:rPr lang="en-US" sz="2000" dirty="0">
-                <a:solidFill>
-                  <a:srgbClr val="404040"/>
-                </a:solidFill>
-                <a:ea typeface="+mn-ea"/>
-                <a:cs typeface="+mn-cs"/>
-              </a:rPr>
-              <a:t>Weekly Assignments</a:t>
-            </a:r>
-          </a:p>
-          <a:p>
-            <a:pPr lvl="1" indent="-228600" defTabSz="914400" eaLnBrk="1" hangingPunct="1">
-              <a:lnSpc>
-                <a:spcPct val="90000"/>
-              </a:lnSpc>
-              <a:buFont typeface="Arial" panose="020B0604020202020204" pitchFamily="34" charset="0"/>
-              <a:buChar char="•"/>
-            </a:pPr>
-            <a:r>
-              <a:rPr lang="en-US" sz="1600" dirty="0">
-                <a:solidFill>
-                  <a:srgbClr val="404040"/>
-                </a:solidFill>
-                <a:ea typeface="+mn-ea"/>
-              </a:rPr>
-              <a:t>Labs</a:t>
-            </a:r>
-          </a:p>
-          <a:p>
-            <a:pPr lvl="1" indent="-228600" defTabSz="914400" eaLnBrk="1" hangingPunct="1">
-              <a:lnSpc>
-                <a:spcPct val="90000"/>
-              </a:lnSpc>
-              <a:buFont typeface="Arial" panose="020B0604020202020204" pitchFamily="34" charset="0"/>
-              <a:buChar char="•"/>
-            </a:pPr>
-            <a:r>
-              <a:rPr lang="en-US" sz="1600" dirty="0">
-                <a:solidFill>
-                  <a:srgbClr val="404040"/>
-                </a:solidFill>
-                <a:ea typeface="+mn-ea"/>
-                <a:cs typeface="+mn-cs"/>
-              </a:rPr>
-              <a:t>Data Analyses</a:t>
-            </a:r>
-          </a:p>
-          <a:p>
-            <a:pPr marL="514350" lvl="1" indent="0" defTabSz="914400" eaLnBrk="1" hangingPunct="1">
-              <a:lnSpc>
-                <a:spcPct val="90000"/>
-              </a:lnSpc>
-              <a:buNone/>
-            </a:pPr>
-            <a:endParaRPr lang="en-US" sz="1600" dirty="0">
-              <a:solidFill>
-                <a:srgbClr val="404040"/>
-              </a:solidFill>
-              <a:ea typeface="+mn-ea"/>
-              <a:cs typeface="+mn-cs"/>
-            </a:endParaRPr>
-          </a:p>
-          <a:p>
-            <a:pPr indent="-228600" defTabSz="914400" eaLnBrk="1" hangingPunct="1">
-              <a:lnSpc>
-                <a:spcPct val="90000"/>
-              </a:lnSpc>
-              <a:buFont typeface="Arial" panose="020B0604020202020204" pitchFamily="34" charset="0"/>
-              <a:buChar char="•"/>
-            </a:pPr>
-            <a:r>
-              <a:rPr lang="en-US" sz="2000" dirty="0">
-                <a:solidFill>
-                  <a:srgbClr val="404040"/>
-                </a:solidFill>
-                <a:ea typeface="+mn-ea"/>
-                <a:cs typeface="+mn-cs"/>
-              </a:rPr>
-              <a:t>Learn and Use </a:t>
-            </a:r>
-            <a:r>
-              <a:rPr lang="en-US" sz="2000" dirty="0" err="1">
-                <a:solidFill>
-                  <a:srgbClr val="404040"/>
-                </a:solidFill>
-                <a:ea typeface="+mn-ea"/>
-                <a:cs typeface="+mn-cs"/>
-              </a:rPr>
-              <a:t>Rmarkdown</a:t>
-            </a:r>
-            <a:endParaRPr lang="en-US" sz="2000" dirty="0">
-              <a:solidFill>
-                <a:srgbClr val="404040"/>
-              </a:solidFill>
-              <a:ea typeface="+mn-ea"/>
-              <a:cs typeface="+mn-cs"/>
-            </a:endParaRPr>
-          </a:p>
-          <a:p>
-            <a:pPr lvl="1" indent="-228600" defTabSz="914400" eaLnBrk="1" hangingPunct="1">
-              <a:lnSpc>
-                <a:spcPct val="90000"/>
-              </a:lnSpc>
-              <a:buFont typeface="Arial" panose="020B0604020202020204" pitchFamily="34" charset="0"/>
-              <a:buChar char="•"/>
-            </a:pPr>
-            <a:r>
-              <a:rPr lang="en-US" sz="1600" dirty="0">
-                <a:solidFill>
-                  <a:srgbClr val="404040"/>
-                </a:solidFill>
-                <a:ea typeface="+mn-ea"/>
-              </a:rPr>
-              <a:t>Submit Assignments through Sakai</a:t>
-            </a:r>
-          </a:p>
-          <a:p>
-            <a:pPr lvl="1" indent="-228600" defTabSz="914400" eaLnBrk="1" hangingPunct="1">
-              <a:lnSpc>
-                <a:spcPct val="90000"/>
-              </a:lnSpc>
-              <a:buFont typeface="Arial" panose="020B0604020202020204" pitchFamily="34" charset="0"/>
-              <a:buChar char="•"/>
-            </a:pPr>
-            <a:r>
-              <a:rPr lang="en-US" sz="1600" dirty="0">
-                <a:solidFill>
-                  <a:srgbClr val="404040"/>
-                </a:solidFill>
-                <a:ea typeface="+mn-ea"/>
-                <a:cs typeface="+mn-cs"/>
-              </a:rPr>
-              <a:t>Submit as html Files</a:t>
-            </a:r>
-          </a:p>
-          <a:p>
-            <a:pPr lvl="1" indent="-228600" defTabSz="914400" eaLnBrk="1" hangingPunct="1">
-              <a:lnSpc>
-                <a:spcPct val="90000"/>
-              </a:lnSpc>
-              <a:buFont typeface="Arial" panose="020B0604020202020204" pitchFamily="34" charset="0"/>
-              <a:buChar char="•"/>
-            </a:pPr>
-            <a:endParaRPr lang="en-US" sz="1600" dirty="0">
-              <a:solidFill>
-                <a:srgbClr val="404040"/>
-              </a:solidFill>
-              <a:ea typeface="+mn-ea"/>
-              <a:cs typeface="+mn-cs"/>
-            </a:endParaRPr>
-          </a:p>
-          <a:p>
-            <a:pPr indent="-228600" defTabSz="914400" eaLnBrk="1" hangingPunct="1">
-              <a:lnSpc>
-                <a:spcPct val="90000"/>
-              </a:lnSpc>
-              <a:buFont typeface="Arial" panose="020B0604020202020204" pitchFamily="34" charset="0"/>
-              <a:buChar char="•"/>
-            </a:pPr>
-            <a:r>
-              <a:rPr lang="en-US" sz="2000" dirty="0">
-                <a:solidFill>
-                  <a:srgbClr val="404040"/>
-                </a:solidFill>
-                <a:ea typeface="+mn-ea"/>
-                <a:cs typeface="+mn-cs"/>
-              </a:rPr>
-              <a:t>Develop Skills that Turn into $$$</a:t>
-            </a:r>
-          </a:p>
-          <a:p>
-            <a:pPr lvl="1" indent="-228600" defTabSz="914400" eaLnBrk="1" hangingPunct="1">
-              <a:lnSpc>
-                <a:spcPct val="90000"/>
-              </a:lnSpc>
-              <a:buFont typeface="Arial" panose="020B0604020202020204" pitchFamily="34" charset="0"/>
-              <a:buChar char="•"/>
-            </a:pPr>
-            <a:r>
-              <a:rPr lang="en-US" sz="1600" dirty="0">
-                <a:solidFill>
-                  <a:srgbClr val="404040"/>
-                </a:solidFill>
-                <a:ea typeface="+mn-ea"/>
-              </a:rPr>
-              <a:t>Computer Programming</a:t>
-            </a:r>
-          </a:p>
-          <a:p>
-            <a:pPr lvl="1" indent="-228600" defTabSz="914400" eaLnBrk="1" hangingPunct="1">
-              <a:lnSpc>
-                <a:spcPct val="90000"/>
-              </a:lnSpc>
-              <a:buFont typeface="Arial" panose="020B0604020202020204" pitchFamily="34" charset="0"/>
-              <a:buChar char="•"/>
-            </a:pPr>
-            <a:r>
-              <a:rPr lang="en-US" sz="1600" dirty="0">
-                <a:solidFill>
-                  <a:srgbClr val="404040"/>
-                </a:solidFill>
-                <a:ea typeface="+mn-ea"/>
-                <a:cs typeface="+mn-cs"/>
-              </a:rPr>
-              <a:t>Statistical Analyses</a:t>
-            </a:r>
-          </a:p>
-          <a:p>
-            <a:pPr lvl="1" indent="-228600" defTabSz="914400" eaLnBrk="1" hangingPunct="1">
-              <a:lnSpc>
-                <a:spcPct val="90000"/>
-              </a:lnSpc>
-              <a:buFont typeface="Arial" panose="020B0604020202020204" pitchFamily="34" charset="0"/>
-              <a:buChar char="•"/>
-            </a:pPr>
-            <a:r>
-              <a:rPr lang="en-US" sz="1600" dirty="0">
-                <a:solidFill>
-                  <a:srgbClr val="404040"/>
-                </a:solidFill>
-                <a:ea typeface="+mn-ea"/>
-                <a:cs typeface="+mn-cs"/>
-              </a:rPr>
-              <a:t>Written and Verbal Communication Skills</a:t>
-            </a:r>
-          </a:p>
-          <a:p>
-            <a:pPr lvl="1" indent="-228600" defTabSz="914400" eaLnBrk="1" hangingPunct="1">
-              <a:lnSpc>
-                <a:spcPct val="90000"/>
-              </a:lnSpc>
-              <a:buFont typeface="Arial" panose="020B0604020202020204" pitchFamily="34" charset="0"/>
-              <a:buChar char="•"/>
-            </a:pPr>
-            <a:r>
-              <a:rPr lang="en-US" sz="1600" dirty="0">
-                <a:solidFill>
-                  <a:srgbClr val="404040"/>
-                </a:solidFill>
-                <a:ea typeface="+mn-ea"/>
-              </a:rPr>
-              <a:t>Creativity and Innovation</a:t>
-            </a:r>
-            <a:endParaRPr lang="en-US" sz="2000" dirty="0">
-              <a:solidFill>
-                <a:srgbClr val="404040"/>
-              </a:solidFill>
-              <a:ea typeface="+mn-ea"/>
-              <a:cs typeface="+mn-cs"/>
-            </a:endParaRPr>
-          </a:p>
-        </p:txBody>
-      </p:sp>
-    </p:spTree>
-    <p:custDataLst>
-      <p:tags r:id="rId1"/>
-    </p:custDataLst>
-    <p:extLst>
-      <p:ext uri="{BB962C8B-B14F-4D97-AF65-F5344CB8AC3E}">
-        <p14:creationId xmlns:p14="http://schemas.microsoft.com/office/powerpoint/2010/main" val="1241006330"/>
-      </p:ext>
-    </p:extLst>
-  </p:cSld>
-  <p:clrMapOvr>
-    <a:masterClrMapping/>
-  </p:clrMapOvr>
-</p:sld>
-</file>
-
-<file path=ppt/slides/slide6.xml><?xml version="1.0" encoding="utf-8"?>
-<p:sld xmlns:a="http://schemas.openxmlformats.org/drawingml/2006/main" xmlns:r="http://schemas.openxmlformats.org/officeDocument/2006/relationships" xmlns:p="http://schemas.openxmlformats.org/presentationml/2006/main">
-  <p:cSld>
-    <p:bg>
-      <p:bgPr>
-        <a:solidFill>
-          <a:schemeClr val="bg1">
-            <a:lumMod val="85000"/>
-          </a:schemeClr>
-        </a:solidFill>
-        <a:effectLst/>
-      </p:bgPr>
-    </p:bg>
-    <p:spTree>
-      <p:nvGrpSpPr>
-        <p:cNvPr id="1" name=""/>
-        <p:cNvGrpSpPr/>
-        <p:nvPr/>
-      </p:nvGrpSpPr>
-      <p:grpSpPr>
-        <a:xfrm>
-          <a:off x="0" y="0"/>
-          <a:ext cx="0" cy="0"/>
-          <a:chOff x="0" y="0"/>
-          <a:chExt cx="0" cy="0"/>
-        </a:xfrm>
-      </p:grpSpPr>
-      <p:sp>
-        <p:nvSpPr>
-          <p:cNvPr id="15" name="Rectangle 12">
-            <a:extLst>
-              <a:ext uri="{FF2B5EF4-FFF2-40B4-BE49-F238E27FC236}">
-                <a16:creationId xmlns:a16="http://schemas.microsoft.com/office/drawing/2014/main" id="{867D4867-5BA7-4462-B2F6-A23F4A622AA7}"/>
-              </a:ext>
-              <a:ext uri="{C183D7F6-B498-43B3-948B-1728B52AA6E4}">
-                <adec:decorative xmlns:adec="http://schemas.microsoft.com/office/drawing/2017/decorative" val="1"/>
-              </a:ext>
-            </a:extLst>
-          </p:cNvPr>
-          <p:cNvSpPr>
-            <a:spLocks noGrp="1" noRot="1" noChangeAspect="1" noMove="1" noResize="1" noEditPoints="1" noAdjustHandles="1" noChangeArrowheads="1" noChangeShapeType="1" noTextEdit="1"/>
-          </p:cNvSpPr>
-          <p:nvPr>
-            <p:extLst>
-              <p:ext uri="{386F3935-93C4-4BCD-93E2-E3B085C9AB24}">
-                <p16:designElem xmlns:p16="http://schemas.microsoft.com/office/powerpoint/2015/main" val="1"/>
-              </p:ext>
-            </p:extLst>
-          </p:nvPr>
-        </p:nvSpPr>
-        <p:spPr>
-          <a:xfrm>
-            <a:off x="0" y="0"/>
-            <a:ext cx="3490722" cy="6858000"/>
-          </a:xfrm>
-          <a:prstGeom prst="rect">
-            <a:avLst/>
-          </a:prstGeom>
-          <a:solidFill>
-            <a:schemeClr val="tx1">
-              <a:lumMod val="75000"/>
-              <a:lumOff val="25000"/>
-            </a:schemeClr>
-          </a:solidFill>
-          <a:ln>
-            <a:noFill/>
-          </a:ln>
-        </p:spPr>
-        <p:style>
-          <a:lnRef idx="0">
-            <a:scrgbClr r="0" g="0" b="0"/>
-          </a:lnRef>
-          <a:fillRef idx="0">
-            <a:scrgbClr r="0" g="0" b="0"/>
-          </a:fillRef>
-          <a:effectRef idx="0">
-            <a:scrgbClr r="0" g="0" b="0"/>
-          </a:effectRef>
-          <a:fontRef idx="minor">
-            <a:schemeClr val="lt1"/>
-          </a:fontRef>
-        </p:style>
-        <p:txBody>
-          <a:bodyPr rtlCol="0" anchor="ctr"/>
-          <a:lstStyle/>
-          <a:p>
-            <a:pPr algn="ctr"/>
-            <a:endParaRPr lang="en-US"/>
-          </a:p>
-        </p:txBody>
-      </p:sp>
-      <p:sp>
-        <p:nvSpPr>
-          <p:cNvPr id="2" name="Title 1"/>
-          <p:cNvSpPr>
-            <a:spLocks noGrp="1"/>
-          </p:cNvSpPr>
-          <p:nvPr>
-            <p:ph type="title"/>
-          </p:nvPr>
-        </p:nvSpPr>
-        <p:spPr>
-          <a:xfrm>
-            <a:off x="482600" y="643467"/>
-            <a:ext cx="2522980" cy="1597315"/>
-          </a:xfrm>
-          <a:noFill/>
-          <a:ln w="19050">
-            <a:solidFill>
-              <a:schemeClr val="bg1"/>
-            </a:solidFill>
-          </a:ln>
-        </p:spPr>
-        <p:txBody>
-          <a:bodyPr vert="horz" wrap="square" lIns="91440" tIns="45720" rIns="91440" bIns="45720" rtlCol="0" anchor="ctr">
-            <a:normAutofit/>
-          </a:bodyPr>
-          <a:lstStyle/>
-          <a:p>
-            <a:pPr defTabSz="914400" eaLnBrk="1" hangingPunct="1">
-              <a:lnSpc>
-                <a:spcPct val="90000"/>
-              </a:lnSpc>
-            </a:pPr>
-            <a:r>
-              <a:rPr lang="en-US" sz="2400" kern="1200" dirty="0">
-                <a:solidFill>
-                  <a:schemeClr val="bg1"/>
-                </a:solidFill>
-                <a:latin typeface="+mj-lt"/>
-                <a:ea typeface="+mj-ea"/>
-                <a:cs typeface="+mj-cs"/>
-              </a:rPr>
-              <a:t>What Should I Do</a:t>
-            </a:r>
-            <a:r>
-              <a:rPr lang="en-US" sz="2400" dirty="0">
-                <a:solidFill>
-                  <a:schemeClr val="bg1"/>
-                </a:solidFill>
-                <a:ea typeface="+mj-ea"/>
-                <a:cs typeface="+mj-cs"/>
-              </a:rPr>
-              <a:t>?</a:t>
-            </a:r>
-            <a:endParaRPr lang="en-US" sz="2400" kern="1200" dirty="0">
-              <a:solidFill>
-                <a:schemeClr val="bg1"/>
-              </a:solidFill>
-              <a:latin typeface="+mj-lt"/>
-              <a:ea typeface="+mj-ea"/>
-              <a:cs typeface="+mj-cs"/>
-            </a:endParaRPr>
+              <a:t>Initial Steps in RStudio</a:t>
+            </a:r>
           </a:p>
         </p:txBody>
       </p:sp>
@@ -11346,10 +10397,10 @@
       </p:pic>
       <p:sp>
         <p:nvSpPr>
-          <p:cNvPr id="7" name="Content Placeholder 2">
+          <p:cNvPr id="10" name="Content Placeholder 2">
             <a:extLst>
               <a:ext uri="{FF2B5EF4-FFF2-40B4-BE49-F238E27FC236}">
-                <a16:creationId xmlns:a16="http://schemas.microsoft.com/office/drawing/2014/main" id="{8FE51533-15BE-453E-90FE-08298901BC34}"/>
+                <a16:creationId xmlns:a16="http://schemas.microsoft.com/office/drawing/2014/main" id="{1B021DFA-01E0-42CE-88F1-8280980D9007}"/>
               </a:ext>
             </a:extLst>
           </p:cNvPr>
@@ -11360,8 +10411,8 @@
         </p:nvSpPr>
         <p:spPr bwMode="auto">
           <a:xfrm>
-            <a:off x="3810000" y="643466"/>
-            <a:ext cx="4851400" cy="5833533"/>
+            <a:off x="3632496" y="643467"/>
+            <a:ext cx="5359103" cy="5833533"/>
           </a:xfrm>
           <a:prstGeom prst="rect">
             <a:avLst/>
@@ -11534,16 +10585,38 @@
               <a:buFont typeface="Arial" panose="020B0604020202020204" pitchFamily="34" charset="0"/>
               <a:buChar char="•"/>
             </a:pPr>
-            <a:endParaRPr lang="en-US" sz="2000" dirty="0">
-              <a:solidFill>
-                <a:srgbClr val="404040"/>
-              </a:solidFill>
-              <a:ea typeface="+mn-ea"/>
-              <a:cs typeface="+mn-cs"/>
-            </a:endParaRPr>
-          </a:p>
-          <a:p>
-            <a:pPr indent="-228600" defTabSz="914400" eaLnBrk="1" hangingPunct="1">
+            <a:r>
+              <a:rPr lang="en-US" sz="2400" dirty="0">
+                <a:solidFill>
+                  <a:srgbClr val="404040"/>
+                </a:solidFill>
+                <a:ea typeface="+mn-ea"/>
+                <a:cs typeface="+mn-cs"/>
+              </a:rPr>
+              <a:t>To Use the Package</a:t>
+            </a:r>
+          </a:p>
+          <a:p>
+            <a:pPr lvl="1" indent="-228600" defTabSz="914400" eaLnBrk="1" hangingPunct="1">
+              <a:lnSpc>
+                <a:spcPct val="90000"/>
+              </a:lnSpc>
+              <a:buFont typeface="Arial" panose="020B0604020202020204" pitchFamily="34" charset="0"/>
+              <a:buChar char="•"/>
+            </a:pPr>
+            <a:r>
+              <a:rPr lang="en-US" sz="2000" dirty="0">
+                <a:solidFill>
+                  <a:srgbClr val="404040"/>
+                </a:solidFill>
+                <a:ea typeface="+mn-ea"/>
+                <a:cs typeface="+mn-cs"/>
+              </a:rPr>
+              <a:t>Code</a:t>
+            </a:r>
+          </a:p>
+          <a:p>
+            <a:pPr lvl="1" indent="-228600" defTabSz="914400" eaLnBrk="1" hangingPunct="1">
               <a:lnSpc>
                 <a:spcPct val="90000"/>
               </a:lnSpc>
@@ -11555,195 +10628,24 @@
                 <a:srgbClr val="404040"/>
               </a:solidFill>
               <a:ea typeface="+mn-ea"/>
-              <a:cs typeface="+mn-cs"/>
             </a:endParaRPr>
           </a:p>
-        </p:txBody>
-      </p:sp>
-      <p:sp>
-        <p:nvSpPr>
-          <p:cNvPr id="10" name="Content Placeholder 2">
-            <a:extLst>
-              <a:ext uri="{FF2B5EF4-FFF2-40B4-BE49-F238E27FC236}">
-                <a16:creationId xmlns:a16="http://schemas.microsoft.com/office/drawing/2014/main" id="{10754C74-871F-42E2-A79F-10B9CCA16CD5}"/>
-              </a:ext>
-            </a:extLst>
-          </p:cNvPr>
-          <p:cNvSpPr txBox="1">
-            <a:spLocks/>
-          </p:cNvSpPr>
-          <p:nvPr/>
-        </p:nvSpPr>
-        <p:spPr bwMode="auto">
-          <a:xfrm>
-            <a:off x="3962400" y="675484"/>
-            <a:ext cx="4851400" cy="5953916"/>
-          </a:xfrm>
-          <a:prstGeom prst="rect">
-            <a:avLst/>
-          </a:prstGeom>
-        </p:spPr>
-        <p:txBody>
-          <a:bodyPr vert="horz" lIns="91440" tIns="45720" rIns="91440" bIns="45720" numCol="1" rtlCol="0" anchorCtr="0" compatLnSpc="1">
-            <a:prstTxWarp prst="textNoShape">
-              <a:avLst/>
-            </a:prstTxWarp>
-            <a:noAutofit/>
-          </a:bodyPr>
-          <a:lstStyle>
-            <a:lvl1pPr marL="342900" indent="-342900" algn="l" defTabSz="457200" rtl="0" eaLnBrk="0" fontAlgn="base" hangingPunct="0">
-              <a:spcBef>
-                <a:spcPct val="20000"/>
-              </a:spcBef>
-              <a:spcAft>
-                <a:spcPct val="0"/>
-              </a:spcAft>
-              <a:buFont typeface="Arial" charset="0"/>
-              <a:buChar char="•"/>
-              <a:defRPr sz="3200" kern="1200">
-                <a:solidFill>
-                  <a:schemeClr val="tx1"/>
-                </a:solidFill>
-                <a:latin typeface="+mn-lt"/>
-                <a:ea typeface="ＭＳ Ｐゴシック" pitchFamily="-109" charset="-128"/>
-                <a:cs typeface="ＭＳ Ｐゴシック" pitchFamily="-109" charset="-128"/>
-              </a:defRPr>
-            </a:lvl1pPr>
-            <a:lvl2pPr marL="742950" indent="-285750" algn="l" defTabSz="457200" rtl="0" eaLnBrk="0" fontAlgn="base" hangingPunct="0">
-              <a:spcBef>
-                <a:spcPct val="20000"/>
-              </a:spcBef>
-              <a:spcAft>
-                <a:spcPct val="0"/>
-              </a:spcAft>
-              <a:buFont typeface="Arial" charset="0"/>
-              <a:buChar char="–"/>
-              <a:defRPr sz="2800" kern="1200">
-                <a:solidFill>
-                  <a:schemeClr val="tx1"/>
-                </a:solidFill>
-                <a:latin typeface="+mn-lt"/>
-                <a:ea typeface="ＭＳ Ｐゴシック" pitchFamily="-109" charset="-128"/>
-                <a:cs typeface="+mn-cs"/>
-              </a:defRPr>
-            </a:lvl2pPr>
-            <a:lvl3pPr marL="1143000" indent="-228600" algn="l" defTabSz="457200" rtl="0" eaLnBrk="0" fontAlgn="base" hangingPunct="0">
-              <a:spcBef>
-                <a:spcPct val="20000"/>
-              </a:spcBef>
-              <a:spcAft>
-                <a:spcPct val="0"/>
-              </a:spcAft>
-              <a:buFont typeface="Arial" charset="0"/>
-              <a:buChar char="•"/>
-              <a:defRPr sz="2400" kern="1200">
-                <a:solidFill>
-                  <a:schemeClr val="tx1"/>
-                </a:solidFill>
-                <a:latin typeface="+mn-lt"/>
-                <a:ea typeface="ＭＳ Ｐゴシック" pitchFamily="-109" charset="-128"/>
-                <a:cs typeface="+mn-cs"/>
-              </a:defRPr>
-            </a:lvl3pPr>
-            <a:lvl4pPr marL="1600200" indent="-228600" algn="l" defTabSz="457200" rtl="0" eaLnBrk="0" fontAlgn="base" hangingPunct="0">
-              <a:spcBef>
-                <a:spcPct val="20000"/>
-              </a:spcBef>
-              <a:spcAft>
-                <a:spcPct val="0"/>
-              </a:spcAft>
-              <a:buFont typeface="Arial" charset="0"/>
-              <a:buChar char="–"/>
-              <a:defRPr sz="2000" kern="1200">
-                <a:solidFill>
-                  <a:schemeClr val="tx1"/>
-                </a:solidFill>
-                <a:latin typeface="+mn-lt"/>
-                <a:ea typeface="ＭＳ Ｐゴシック" pitchFamily="-109" charset="-128"/>
-                <a:cs typeface="+mn-cs"/>
-              </a:defRPr>
-            </a:lvl4pPr>
-            <a:lvl5pPr marL="2057400" indent="-228600" algn="l" defTabSz="457200" rtl="0" eaLnBrk="0" fontAlgn="base" hangingPunct="0">
-              <a:spcBef>
-                <a:spcPct val="20000"/>
-              </a:spcBef>
-              <a:spcAft>
-                <a:spcPct val="0"/>
-              </a:spcAft>
-              <a:buFont typeface="Arial" charset="0"/>
-              <a:buChar char="»"/>
-              <a:defRPr sz="2000" kern="1200">
-                <a:solidFill>
-                  <a:schemeClr val="tx1"/>
-                </a:solidFill>
-                <a:latin typeface="+mn-lt"/>
-                <a:ea typeface="ＭＳ Ｐゴシック" pitchFamily="-109" charset="-128"/>
-                <a:cs typeface="+mn-cs"/>
-              </a:defRPr>
-            </a:lvl5pPr>
-            <a:lvl6pPr marL="2514600" indent="-228600" algn="l" defTabSz="457200" rtl="0" eaLnBrk="1" latinLnBrk="0" hangingPunct="1">
-              <a:spcBef>
-                <a:spcPct val="20000"/>
-              </a:spcBef>
-              <a:buFont typeface="Arial"/>
-              <a:buChar char="•"/>
-              <a:defRPr sz="2000" kern="1200">
-                <a:solidFill>
-                  <a:schemeClr val="tx1"/>
-                </a:solidFill>
-                <a:latin typeface="+mn-lt"/>
-                <a:ea typeface="+mn-ea"/>
-                <a:cs typeface="+mn-cs"/>
-              </a:defRPr>
-            </a:lvl6pPr>
-            <a:lvl7pPr marL="2971800" indent="-228600" algn="l" defTabSz="457200" rtl="0" eaLnBrk="1" latinLnBrk="0" hangingPunct="1">
-              <a:spcBef>
-                <a:spcPct val="20000"/>
-              </a:spcBef>
-              <a:buFont typeface="Arial"/>
-              <a:buChar char="•"/>
-              <a:defRPr sz="2000" kern="1200">
-                <a:solidFill>
-                  <a:schemeClr val="tx1"/>
-                </a:solidFill>
-                <a:latin typeface="+mn-lt"/>
-                <a:ea typeface="+mn-ea"/>
-                <a:cs typeface="+mn-cs"/>
-              </a:defRPr>
-            </a:lvl7pPr>
-            <a:lvl8pPr marL="3429000" indent="-228600" algn="l" defTabSz="457200" rtl="0" eaLnBrk="1" latinLnBrk="0" hangingPunct="1">
-              <a:spcBef>
-                <a:spcPct val="20000"/>
-              </a:spcBef>
-              <a:buFont typeface="Arial"/>
-              <a:buChar char="•"/>
-              <a:defRPr sz="2000" kern="1200">
-                <a:solidFill>
-                  <a:schemeClr val="tx1"/>
-                </a:solidFill>
-                <a:latin typeface="+mn-lt"/>
-                <a:ea typeface="+mn-ea"/>
-                <a:cs typeface="+mn-cs"/>
-              </a:defRPr>
-            </a:lvl8pPr>
-            <a:lvl9pPr marL="3886200" indent="-228600" algn="l" defTabSz="457200" rtl="0" eaLnBrk="1" latinLnBrk="0" hangingPunct="1">
-              <a:spcBef>
-                <a:spcPct val="20000"/>
-              </a:spcBef>
-              <a:buFont typeface="Arial"/>
-              <a:buChar char="•"/>
-              <a:defRPr sz="2000" kern="1200">
-                <a:solidFill>
-                  <a:schemeClr val="tx1"/>
-                </a:solidFill>
-                <a:latin typeface="+mn-lt"/>
-                <a:ea typeface="+mn-ea"/>
-                <a:cs typeface="+mn-cs"/>
-              </a:defRPr>
-            </a:lvl9pPr>
-          </a:lstStyle>
-          <a:p>
-            <a:pPr indent="-228600" defTabSz="914400" eaLnBrk="1" hangingPunct="1">
+          <a:p>
+            <a:pPr marL="514350" lvl="1" indent="0" defTabSz="914400" eaLnBrk="1" hangingPunct="1">
+              <a:lnSpc>
+                <a:spcPct val="90000"/>
+              </a:lnSpc>
+              <a:buNone/>
+            </a:pPr>
+            <a:endParaRPr lang="en-US" sz="2000" dirty="0">
+              <a:solidFill>
+                <a:srgbClr val="404040"/>
+              </a:solidFill>
+              <a:ea typeface="+mn-ea"/>
+            </a:endParaRPr>
+          </a:p>
+          <a:p>
+            <a:pPr lvl="1" indent="-228600" defTabSz="914400" eaLnBrk="1" hangingPunct="1">
               <a:lnSpc>
                 <a:spcPct val="90000"/>
               </a:lnSpc>
@@ -11758,47 +10660,18 @@
                 <a:ea typeface="+mn-ea"/>
                 <a:cs typeface="+mn-cs"/>
               </a:rPr>
-              <a:t>Install R on Your Laptop</a:t>
-            </a:r>
-            <a:endParaRPr lang="en-US" sz="1600" dirty="0">
-              <a:solidFill>
-                <a:srgbClr val="404040"/>
-              </a:solidFill>
-              <a:ea typeface="+mn-ea"/>
-              <a:hlinkClick r:id="rId4"/>
-            </a:endParaRPr>
-          </a:p>
-          <a:p>
-            <a:pPr marL="514350" lvl="1" indent="0" defTabSz="914400" eaLnBrk="1" hangingPunct="1">
-              <a:lnSpc>
-                <a:spcPct val="90000"/>
-              </a:lnSpc>
-              <a:buNone/>
-            </a:pPr>
-            <a:r>
-              <a:rPr lang="en-US" sz="1600" dirty="0">
+              <a:t>Check Box for </a:t>
+            </a:r>
+            <a:r>
+              <a:rPr lang="en-US" sz="2000" dirty="0" err="1">
                 <a:solidFill>
                   <a:srgbClr val="404040"/>
                 </a:solidFill>
                 <a:ea typeface="+mn-ea"/>
-                <a:hlinkClick r:id="rId4"/>
+                <a:cs typeface="+mn-cs"/>
               </a:rPr>
-              <a:t>https://cran.r-project.org/</a:t>
-            </a:r>
-            <a:endParaRPr lang="en-US" sz="1600" dirty="0">
-              <a:solidFill>
-                <a:srgbClr val="404040"/>
-              </a:solidFill>
-              <a:ea typeface="+mn-ea"/>
-            </a:endParaRPr>
-          </a:p>
-          <a:p>
-            <a:pPr marL="514350" lvl="1" indent="0" defTabSz="914400" eaLnBrk="1" hangingPunct="1">
-              <a:lnSpc>
-                <a:spcPct val="90000"/>
-              </a:lnSpc>
-              <a:buNone/>
-            </a:pPr>
+              <a:t>Tidyverse</a:t>
+            </a:r>
             <a:endParaRPr lang="en-US" sz="2000" dirty="0">
               <a:solidFill>
                 <a:srgbClr val="404040"/>
@@ -11807,487 +10680,118 @@
               <a:cs typeface="+mn-cs"/>
             </a:endParaRPr>
           </a:p>
-          <a:p>
-            <a:pPr indent="-228600" defTabSz="914400" eaLnBrk="1" hangingPunct="1">
-              <a:lnSpc>
-                <a:spcPct val="90000"/>
-              </a:lnSpc>
-              <a:buFont typeface="Arial" panose="020B0604020202020204" pitchFamily="34" charset="0"/>
-              <a:buChar char="•"/>
-            </a:pPr>
-            <a:r>
-              <a:rPr lang="en-US" sz="2000" dirty="0">
-                <a:solidFill>
-                  <a:srgbClr val="404040"/>
-                </a:solidFill>
-                <a:ea typeface="+mn-ea"/>
-                <a:cs typeface="+mn-cs"/>
+        </p:txBody>
+      </p:sp>
+      <p:sp>
+        <p:nvSpPr>
+          <p:cNvPr id="5" name="TextBox 4">
+            <a:extLst>
+              <a:ext uri="{FF2B5EF4-FFF2-40B4-BE49-F238E27FC236}">
+                <a16:creationId xmlns:a16="http://schemas.microsoft.com/office/drawing/2014/main" id="{793E7647-6811-49AF-8ACC-635E9B51896A}"/>
+              </a:ext>
+            </a:extLst>
+          </p:cNvPr>
+          <p:cNvSpPr txBox="1"/>
+          <p:nvPr/>
+        </p:nvSpPr>
+        <p:spPr>
+          <a:xfrm>
+            <a:off x="4191000" y="1434215"/>
+            <a:ext cx="4121195" cy="461665"/>
+          </a:xfrm>
+          <a:prstGeom prst="rect">
+            <a:avLst/>
+          </a:prstGeom>
+          <a:solidFill>
+            <a:srgbClr val="404040"/>
+          </a:solidFill>
+        </p:spPr>
+        <p:style>
+          <a:lnRef idx="2">
+            <a:schemeClr val="dk1">
+              <a:shade val="50000"/>
+            </a:schemeClr>
+          </a:lnRef>
+          <a:fillRef idx="1">
+            <a:schemeClr val="dk1"/>
+          </a:fillRef>
+          <a:effectRef idx="0">
+            <a:schemeClr val="dk1"/>
+          </a:effectRef>
+          <a:fontRef idx="minor">
+            <a:schemeClr val="lt1"/>
+          </a:fontRef>
+        </p:style>
+        <p:txBody>
+          <a:bodyPr wrap="square" rtlCol="0">
+            <a:spAutoFit/>
+          </a:bodyPr>
+          <a:lstStyle/>
+          <a:p>
+            <a:r>
+              <a:rPr lang="en-US" dirty="0">
+                <a:solidFill>
+                  <a:schemeClr val="bg1"/>
+                </a:solidFill>
               </a:rPr>
-              <a:t>Install </a:t>
-            </a:r>
-            <a:r>
-              <a:rPr lang="en-US" sz="2000" dirty="0" err="1">
-                <a:solidFill>
-                  <a:srgbClr val="404040"/>
-                </a:solidFill>
-                <a:ea typeface="+mn-ea"/>
-                <a:cs typeface="+mn-cs"/>
+              <a:t>&gt;  library(“</a:t>
+            </a:r>
+            <a:r>
+              <a:rPr lang="en-US" dirty="0" err="1">
+                <a:solidFill>
+                  <a:schemeClr val="bg1"/>
+                </a:solidFill>
               </a:rPr>
-              <a:t>Rstudio</a:t>
-            </a:r>
-            <a:r>
-              <a:rPr lang="en-US" sz="2000" dirty="0">
-                <a:solidFill>
-                  <a:srgbClr val="404040"/>
-                </a:solidFill>
-                <a:ea typeface="+mn-ea"/>
-                <a:cs typeface="+mn-cs"/>
+              <a:t>tidyverse</a:t>
+            </a:r>
+            <a:r>
+              <a:rPr lang="en-US" dirty="0">
+                <a:solidFill>
+                  <a:schemeClr val="bg1"/>
+                </a:solidFill>
               </a:rPr>
-              <a:t> Desktop on Your Laptop</a:t>
-            </a:r>
-          </a:p>
-          <a:p>
-            <a:pPr lvl="1" indent="-228600" defTabSz="914400" eaLnBrk="1" hangingPunct="1">
-              <a:lnSpc>
-                <a:spcPct val="90000"/>
-              </a:lnSpc>
-              <a:buFont typeface="Arial" panose="020B0604020202020204" pitchFamily="34" charset="0"/>
-              <a:buChar char="•"/>
-            </a:pPr>
-            <a:r>
-              <a:rPr lang="en-US" sz="1600" dirty="0">
-                <a:solidFill>
-                  <a:srgbClr val="404040"/>
-                </a:solidFill>
-                <a:ea typeface="+mn-ea"/>
-                <a:hlinkClick r:id="rId5"/>
-              </a:rPr>
-              <a:t>https://www.rstudio.com/products/rstudio/#Desktop</a:t>
-            </a:r>
-            <a:endParaRPr lang="en-US" sz="1600" dirty="0">
-              <a:solidFill>
-                <a:srgbClr val="404040"/>
-              </a:solidFill>
-              <a:ea typeface="+mn-ea"/>
-            </a:endParaRPr>
-          </a:p>
-          <a:p>
-            <a:pPr marL="514350" lvl="1" indent="0" defTabSz="914400" eaLnBrk="1" hangingPunct="1">
-              <a:lnSpc>
-                <a:spcPct val="90000"/>
-              </a:lnSpc>
-              <a:buNone/>
-            </a:pPr>
-            <a:endParaRPr lang="en-US" sz="1600" dirty="0">
-              <a:solidFill>
-                <a:srgbClr val="404040"/>
-              </a:solidFill>
-              <a:ea typeface="+mn-ea"/>
-            </a:endParaRPr>
-          </a:p>
-          <a:p>
-            <a:pPr indent="-228600" defTabSz="914400" eaLnBrk="1" hangingPunct="1">
-              <a:lnSpc>
-                <a:spcPct val="90000"/>
-              </a:lnSpc>
-              <a:buFont typeface="Arial" panose="020B0604020202020204" pitchFamily="34" charset="0"/>
-              <a:buChar char="•"/>
-            </a:pPr>
-            <a:r>
-              <a:rPr lang="en-US" sz="2000" dirty="0">
-                <a:solidFill>
-                  <a:srgbClr val="404040"/>
-                </a:solidFill>
-                <a:ea typeface="+mn-ea"/>
-                <a:cs typeface="+mn-cs"/>
-              </a:rPr>
-              <a:t> Download the Textbooks</a:t>
-            </a:r>
-          </a:p>
-          <a:p>
-            <a:pPr lvl="1" indent="-228600" defTabSz="914400" eaLnBrk="1" hangingPunct="1">
-              <a:lnSpc>
-                <a:spcPct val="90000"/>
-              </a:lnSpc>
-              <a:buFont typeface="Arial" panose="020B0604020202020204" pitchFamily="34" charset="0"/>
-              <a:buChar char="•"/>
-            </a:pPr>
-            <a:r>
-              <a:rPr lang="en-US" sz="1600" dirty="0">
-                <a:solidFill>
-                  <a:srgbClr val="404040"/>
-                </a:solidFill>
-                <a:ea typeface="+mn-ea"/>
-                <a:cs typeface="+mn-cs"/>
-                <a:hlinkClick r:id="rId6"/>
-              </a:rPr>
-              <a:t>R4DS</a:t>
-            </a:r>
-            <a:endParaRPr lang="en-US" sz="1600" dirty="0">
-              <a:solidFill>
-                <a:srgbClr val="404040"/>
-              </a:solidFill>
-              <a:ea typeface="+mn-ea"/>
-              <a:cs typeface="+mn-cs"/>
-            </a:endParaRPr>
-          </a:p>
-          <a:p>
-            <a:pPr lvl="1" indent="-228600" defTabSz="914400" eaLnBrk="1" hangingPunct="1">
-              <a:lnSpc>
-                <a:spcPct val="90000"/>
-              </a:lnSpc>
-              <a:buFont typeface="Arial" panose="020B0604020202020204" pitchFamily="34" charset="0"/>
-              <a:buChar char="•"/>
-            </a:pPr>
-            <a:r>
-              <a:rPr lang="en-US" sz="1600" dirty="0">
-                <a:solidFill>
-                  <a:srgbClr val="404040"/>
-                </a:solidFill>
-                <a:ea typeface="+mn-ea"/>
-                <a:hlinkClick r:id="rId7"/>
-              </a:rPr>
-              <a:t>RP4DS</a:t>
-            </a:r>
-            <a:endParaRPr lang="en-US" sz="1600" dirty="0">
-              <a:solidFill>
-                <a:srgbClr val="404040"/>
-              </a:solidFill>
-              <a:ea typeface="+mn-ea"/>
-            </a:endParaRPr>
-          </a:p>
-          <a:p>
-            <a:pPr lvl="1" indent="-228600" defTabSz="914400" eaLnBrk="1" hangingPunct="1">
-              <a:lnSpc>
-                <a:spcPct val="90000"/>
-              </a:lnSpc>
-              <a:buFont typeface="Arial" panose="020B0604020202020204" pitchFamily="34" charset="0"/>
-              <a:buChar char="•"/>
-            </a:pPr>
-            <a:r>
-              <a:rPr lang="en-US" sz="1600" dirty="0">
-                <a:solidFill>
-                  <a:srgbClr val="404040"/>
-                </a:solidFill>
-                <a:ea typeface="+mn-ea"/>
-                <a:hlinkClick r:id="rId8"/>
-              </a:rPr>
-              <a:t>AoRP</a:t>
-            </a:r>
-            <a:endParaRPr lang="en-US" sz="1600" dirty="0">
-              <a:solidFill>
-                <a:srgbClr val="404040"/>
-              </a:solidFill>
-              <a:ea typeface="+mn-ea"/>
-              <a:cs typeface="+mn-cs"/>
-            </a:endParaRPr>
-          </a:p>
-          <a:p>
-            <a:pPr marL="514350" lvl="1" indent="0" defTabSz="914400" eaLnBrk="1" hangingPunct="1">
-              <a:lnSpc>
-                <a:spcPct val="90000"/>
-              </a:lnSpc>
-              <a:buNone/>
-            </a:pPr>
-            <a:endParaRPr lang="en-US" sz="1600" dirty="0">
-              <a:solidFill>
-                <a:srgbClr val="404040"/>
-              </a:solidFill>
-              <a:ea typeface="+mn-ea"/>
-              <a:cs typeface="+mn-cs"/>
-            </a:endParaRPr>
-          </a:p>
-          <a:p>
-            <a:pPr indent="-228600" defTabSz="914400" eaLnBrk="1" hangingPunct="1">
-              <a:lnSpc>
-                <a:spcPct val="90000"/>
-              </a:lnSpc>
-              <a:buFont typeface="Arial" panose="020B0604020202020204" pitchFamily="34" charset="0"/>
-              <a:buChar char="•"/>
-            </a:pPr>
-            <a:r>
-              <a:rPr lang="en-US" sz="2000" dirty="0">
-                <a:solidFill>
-                  <a:srgbClr val="404040"/>
-                </a:solidFill>
-                <a:ea typeface="+mn-ea"/>
-                <a:cs typeface="+mn-cs"/>
-              </a:rPr>
-              <a:t>Read the Introduction to R4DS</a:t>
-            </a:r>
-          </a:p>
-          <a:p>
-            <a:pPr indent="-228600" defTabSz="914400" eaLnBrk="1" hangingPunct="1">
-              <a:lnSpc>
-                <a:spcPct val="90000"/>
-              </a:lnSpc>
-              <a:buFont typeface="Arial" panose="020B0604020202020204" pitchFamily="34" charset="0"/>
-              <a:buChar char="•"/>
-            </a:pPr>
-            <a:endParaRPr lang="en-US" sz="2000" dirty="0">
-              <a:solidFill>
-                <a:srgbClr val="404040"/>
-              </a:solidFill>
-              <a:ea typeface="+mn-ea"/>
-              <a:cs typeface="+mn-cs"/>
-            </a:endParaRPr>
-          </a:p>
-          <a:p>
-            <a:pPr indent="-228600" defTabSz="914400" eaLnBrk="1" hangingPunct="1">
-              <a:lnSpc>
-                <a:spcPct val="90000"/>
-              </a:lnSpc>
-              <a:buFont typeface="Arial" panose="020B0604020202020204" pitchFamily="34" charset="0"/>
-              <a:buChar char="•"/>
-            </a:pPr>
-            <a:r>
-              <a:rPr lang="en-US" sz="2000" dirty="0">
-                <a:solidFill>
-                  <a:srgbClr val="404040"/>
-                </a:solidFill>
-                <a:ea typeface="+mn-ea"/>
-                <a:cs typeface="+mn-cs"/>
-              </a:rPr>
-              <a:t>Practice Programming with R Scripts</a:t>
-            </a:r>
-          </a:p>
-          <a:p>
-            <a:pPr lvl="1" indent="-228600" defTabSz="914400" eaLnBrk="1" hangingPunct="1">
-              <a:lnSpc>
-                <a:spcPct val="90000"/>
-              </a:lnSpc>
-              <a:buFont typeface="Arial" panose="020B0604020202020204" pitchFamily="34" charset="0"/>
-              <a:buChar char="•"/>
-            </a:pPr>
-            <a:r>
-              <a:rPr lang="en-US" sz="1600" dirty="0">
-                <a:solidFill>
-                  <a:srgbClr val="404040"/>
-                </a:solidFill>
-                <a:ea typeface="+mn-ea"/>
-                <a:cs typeface="+mn-cs"/>
-              </a:rPr>
-              <a:t>10 minutes a day in RP4DS or </a:t>
-            </a:r>
-            <a:r>
-              <a:rPr lang="en-US" sz="1600" dirty="0">
-                <a:solidFill>
-                  <a:srgbClr val="404040"/>
-                </a:solidFill>
-                <a:ea typeface="+mn-ea"/>
-              </a:rPr>
-              <a:t>AoRP</a:t>
-            </a:r>
-          </a:p>
-          <a:p>
-            <a:pPr marL="514350" lvl="1" indent="0" defTabSz="914400" eaLnBrk="1" hangingPunct="1">
-              <a:lnSpc>
-                <a:spcPct val="90000"/>
-              </a:lnSpc>
-              <a:buNone/>
-            </a:pPr>
-            <a:endParaRPr lang="en-US" sz="1600" dirty="0">
-              <a:solidFill>
-                <a:srgbClr val="404040"/>
-              </a:solidFill>
-              <a:ea typeface="+mn-ea"/>
-            </a:endParaRPr>
-          </a:p>
-          <a:p>
-            <a:pPr indent="-228600" defTabSz="914400" eaLnBrk="1" hangingPunct="1">
-              <a:lnSpc>
-                <a:spcPct val="90000"/>
-              </a:lnSpc>
-              <a:buFont typeface="Arial" panose="020B0604020202020204" pitchFamily="34" charset="0"/>
-              <a:buChar char="•"/>
-            </a:pPr>
-            <a:r>
-              <a:rPr lang="en-US" sz="2000" dirty="0">
-                <a:solidFill>
-                  <a:srgbClr val="404040"/>
-                </a:solidFill>
-                <a:ea typeface="+mn-ea"/>
-                <a:cs typeface="+mn-cs"/>
-              </a:rPr>
-              <a:t>Run Your First </a:t>
-            </a:r>
-            <a:r>
-              <a:rPr lang="en-US" sz="2000" dirty="0" err="1">
-                <a:solidFill>
-                  <a:srgbClr val="404040"/>
-                </a:solidFill>
-                <a:ea typeface="+mn-ea"/>
-                <a:cs typeface="+mn-cs"/>
-              </a:rPr>
-              <a:t>RMarkdown</a:t>
-            </a:r>
-            <a:r>
-              <a:rPr lang="en-US" sz="2000" dirty="0">
-                <a:solidFill>
-                  <a:srgbClr val="404040"/>
-                </a:solidFill>
-                <a:ea typeface="+mn-ea"/>
-                <a:cs typeface="+mn-cs"/>
-              </a:rPr>
-              <a:t> File</a:t>
-            </a:r>
-          </a:p>
-          <a:p>
-            <a:pPr lvl="1" indent="-228600" defTabSz="914400" eaLnBrk="1" hangingPunct="1">
-              <a:lnSpc>
-                <a:spcPct val="90000"/>
-              </a:lnSpc>
-              <a:buFont typeface="Arial" panose="020B0604020202020204" pitchFamily="34" charset="0"/>
-              <a:buChar char="•"/>
-            </a:pPr>
-            <a:r>
-              <a:rPr lang="en-US" sz="1600" dirty="0">
-                <a:solidFill>
-                  <a:srgbClr val="404040"/>
-                </a:solidFill>
-                <a:ea typeface="+mn-ea"/>
-                <a:hlinkClick r:id="rId9"/>
-              </a:rPr>
-              <a:t>https://rmarkdown.rstudio.com/lesson-1.html</a:t>
-            </a:r>
-            <a:endParaRPr lang="en-US" sz="1600" dirty="0">
-              <a:solidFill>
-                <a:srgbClr val="404040"/>
-              </a:solidFill>
-              <a:ea typeface="+mn-ea"/>
-            </a:endParaRPr>
-          </a:p>
-          <a:p>
-            <a:pPr lvl="1" indent="-228600" defTabSz="914400" eaLnBrk="1" hangingPunct="1">
-              <a:lnSpc>
-                <a:spcPct val="90000"/>
-              </a:lnSpc>
-              <a:buFont typeface="Arial" panose="020B0604020202020204" pitchFamily="34" charset="0"/>
-              <a:buChar char="•"/>
-            </a:pPr>
-            <a:r>
-              <a:rPr lang="en-US" sz="1600" dirty="0">
-                <a:solidFill>
-                  <a:srgbClr val="404040"/>
-                </a:solidFill>
-                <a:ea typeface="+mn-ea"/>
-                <a:hlinkClick r:id="rId10"/>
-              </a:rPr>
-              <a:t>https://drive.google.com/file/d/1MYjHq9YNxaPAni4Bin8GeEuOT68ilgZW/view?usp=sharing</a:t>
-            </a:r>
-            <a:endParaRPr lang="en-US" sz="1600" dirty="0">
-              <a:solidFill>
-                <a:srgbClr val="404040"/>
-              </a:solidFill>
-              <a:ea typeface="+mn-ea"/>
-              <a:cs typeface="+mn-cs"/>
-            </a:endParaRPr>
-          </a:p>
-          <a:p>
-            <a:pPr indent="-228600" defTabSz="914400" eaLnBrk="1" hangingPunct="1">
-              <a:lnSpc>
-                <a:spcPct val="90000"/>
-              </a:lnSpc>
-              <a:buFont typeface="Arial" panose="020B0604020202020204" pitchFamily="34" charset="0"/>
-              <a:buChar char="•"/>
-            </a:pPr>
-            <a:endParaRPr lang="en-US" sz="2000" dirty="0">
-              <a:solidFill>
-                <a:srgbClr val="404040"/>
-              </a:solidFill>
-              <a:ea typeface="+mn-ea"/>
-              <a:cs typeface="+mn-cs"/>
-            </a:endParaRPr>
-          </a:p>
-          <a:p>
-            <a:pPr indent="-228600" defTabSz="914400" eaLnBrk="1" hangingPunct="1">
-              <a:lnSpc>
-                <a:spcPct val="90000"/>
-              </a:lnSpc>
-              <a:buFont typeface="Arial" panose="020B0604020202020204" pitchFamily="34" charset="0"/>
-              <a:buChar char="•"/>
-            </a:pPr>
-            <a:endParaRPr lang="en-US" sz="2000" dirty="0">
-              <a:solidFill>
-                <a:srgbClr val="404040"/>
-              </a:solidFill>
-              <a:ea typeface="+mn-ea"/>
-              <a:cs typeface="+mn-cs"/>
-            </a:endParaRPr>
-          </a:p>
-          <a:p>
-            <a:pPr indent="-228600" defTabSz="914400" eaLnBrk="1" hangingPunct="1">
-              <a:lnSpc>
-                <a:spcPct val="90000"/>
-              </a:lnSpc>
-              <a:buFont typeface="Arial" panose="020B0604020202020204" pitchFamily="34" charset="0"/>
-              <a:buChar char="•"/>
-            </a:pPr>
-            <a:endParaRPr lang="en-US" sz="1600" dirty="0">
-              <a:solidFill>
-                <a:srgbClr val="404040"/>
-              </a:solidFill>
-              <a:ea typeface="+mn-ea"/>
-              <a:cs typeface="+mn-cs"/>
-            </a:endParaRPr>
-          </a:p>
-          <a:p>
-            <a:pPr indent="-228600" defTabSz="914400" eaLnBrk="1" hangingPunct="1">
-              <a:lnSpc>
-                <a:spcPct val="90000"/>
-              </a:lnSpc>
-              <a:buFont typeface="Arial" panose="020B0604020202020204" pitchFamily="34" charset="0"/>
-              <a:buChar char="•"/>
-            </a:pPr>
-            <a:endParaRPr lang="en-US" sz="2000" dirty="0">
-              <a:solidFill>
-                <a:srgbClr val="404040"/>
-              </a:solidFill>
-              <a:ea typeface="+mn-ea"/>
-              <a:cs typeface="+mn-cs"/>
-            </a:endParaRPr>
-          </a:p>
-          <a:p>
-            <a:pPr indent="-228600" defTabSz="914400" eaLnBrk="1" hangingPunct="1">
-              <a:lnSpc>
-                <a:spcPct val="90000"/>
-              </a:lnSpc>
-              <a:buFont typeface="Arial" panose="020B0604020202020204" pitchFamily="34" charset="0"/>
-              <a:buChar char="•"/>
-            </a:pPr>
-            <a:endParaRPr lang="en-US" sz="1600" dirty="0">
-              <a:solidFill>
-                <a:srgbClr val="404040"/>
-              </a:solidFill>
-              <a:ea typeface="+mn-ea"/>
-              <a:cs typeface="+mn-cs"/>
-            </a:endParaRPr>
-          </a:p>
-          <a:p>
-            <a:pPr indent="-228600" defTabSz="914400" eaLnBrk="1" hangingPunct="1">
-              <a:lnSpc>
-                <a:spcPct val="90000"/>
-              </a:lnSpc>
-              <a:buFont typeface="Arial" panose="020B0604020202020204" pitchFamily="34" charset="0"/>
-              <a:buChar char="•"/>
-            </a:pPr>
-            <a:endParaRPr lang="en-US" sz="2000" dirty="0">
-              <a:solidFill>
-                <a:srgbClr val="404040"/>
-              </a:solidFill>
-              <a:ea typeface="+mn-ea"/>
-              <a:cs typeface="+mn-cs"/>
-            </a:endParaRPr>
-          </a:p>
-        </p:txBody>
-      </p:sp>
+              <a:t>”)</a:t>
+            </a:r>
+          </a:p>
+        </p:txBody>
+      </p:sp>
+      <p:pic>
+        <p:nvPicPr>
+          <p:cNvPr id="3" name="Picture 2">
+            <a:extLst>
+              <a:ext uri="{FF2B5EF4-FFF2-40B4-BE49-F238E27FC236}">
+                <a16:creationId xmlns:a16="http://schemas.microsoft.com/office/drawing/2014/main" id="{15BBA3F4-A716-4D61-955D-BD19B6476E50}"/>
+              </a:ext>
+            </a:extLst>
+          </p:cNvPr>
+          <p:cNvPicPr>
+            <a:picLocks noChangeAspect="1"/>
+          </p:cNvPicPr>
+          <p:nvPr/>
+        </p:nvPicPr>
+        <p:blipFill>
+          <a:blip r:embed="rId4"/>
+          <a:stretch>
+            <a:fillRect/>
+          </a:stretch>
+        </p:blipFill>
+        <p:spPr>
+          <a:xfrm>
+            <a:off x="3733800" y="2505075"/>
+            <a:ext cx="5146659" cy="3314700"/>
+          </a:xfrm>
+          <a:prstGeom prst="rect">
+            <a:avLst/>
+          </a:prstGeom>
+        </p:spPr>
+      </p:pic>
     </p:spTree>
     <p:custDataLst>
       <p:tags r:id="rId1"/>
     </p:custDataLst>
     <p:extLst>
       <p:ext uri="{BB962C8B-B14F-4D97-AF65-F5344CB8AC3E}">
-        <p14:creationId xmlns:p14="http://schemas.microsoft.com/office/powerpoint/2010/main" val="2640508465"/>
+        <p14:creationId xmlns:p14="http://schemas.microsoft.com/office/powerpoint/2010/main" val="3606041768"/>
       </p:ext>
     </p:extLst>
   </p:cSld>
@@ -12297,7 +10801,7 @@
 </p:sld>
 </file>
 
-<file path=ppt/slides/slide7.xml><?xml version="1.0" encoding="utf-8"?>
+<file path=ppt/slides/slide6.xml><?xml version="1.0" encoding="utf-8"?>
 <p:sld xmlns:a="http://schemas.openxmlformats.org/drawingml/2006/main" xmlns:r="http://schemas.openxmlformats.org/officeDocument/2006/relationships" xmlns:p="http://schemas.openxmlformats.org/presentationml/2006/main">
   <p:cSld>
     <p:bg>
@@ -13104,12 +11608,6 @@
 </file>
 
 <file path=ppt/tags/tag7.xml><?xml version="1.0" encoding="utf-8"?>
-<p:tagLst xmlns:a="http://schemas.openxmlformats.org/drawingml/2006/main" xmlns:r="http://schemas.openxmlformats.org/officeDocument/2006/relationships" xmlns:p="http://schemas.openxmlformats.org/presentationml/2006/main">
-  <p:tag name="DELIMITERS" val="3.1"/>
-</p:tagLst>
-</file>
-
-<file path=ppt/tags/tag8.xml><?xml version="1.0" encoding="utf-8"?>
 <p:tagLst xmlns:a="http://schemas.openxmlformats.org/drawingml/2006/main" xmlns:r="http://schemas.openxmlformats.org/officeDocument/2006/relationships" xmlns:p="http://schemas.openxmlformats.org/presentationml/2006/main">
   <p:tag name="DELIMITERS" val="3.1"/>
 </p:tagLst>

--- a/Lectures/Lecture 2/STOR 320 Lecture 2.pptx
+++ b/Lectures/Lecture 2/STOR 320 Lecture 2.pptx
@@ -6,10 +6,10 @@
     <p:sldMasterId id="2147483676" r:id="rId2"/>
   </p:sldMasterIdLst>
   <p:notesMasterIdLst>
-    <p:notesMasterId r:id="rId9"/>
+    <p:notesMasterId r:id="rId12"/>
   </p:notesMasterIdLst>
   <p:handoutMasterIdLst>
-    <p:handoutMasterId r:id="rId10"/>
+    <p:handoutMasterId r:id="rId13"/>
   </p:handoutMasterIdLst>
   <p:sldIdLst>
     <p:sldId id="320" r:id="rId3"/>
@@ -17,12 +17,15 @@
     <p:sldId id="325" r:id="rId5"/>
     <p:sldId id="330" r:id="rId6"/>
     <p:sldId id="331" r:id="rId7"/>
-    <p:sldId id="329" r:id="rId8"/>
+    <p:sldId id="332" r:id="rId8"/>
+    <p:sldId id="333" r:id="rId9"/>
+    <p:sldId id="334" r:id="rId10"/>
+    <p:sldId id="329" r:id="rId11"/>
   </p:sldIdLst>
   <p:sldSz cx="9144000" cy="6858000" type="screen4x3"/>
   <p:notesSz cx="6858000" cy="9144000"/>
   <p:custDataLst>
-    <p:tags r:id="rId11"/>
+    <p:tags r:id="rId14"/>
   </p:custDataLst>
   <p:defaultTextStyle>
     <a:defPPr>
@@ -281,7 +284,7 @@
               <a:pPr>
                 <a:defRPr/>
               </a:pPr>
-              <a:t>8/20/2018</a:t>
+              <a:t>8/22/2018</a:t>
             </a:fld>
             <a:endParaRPr lang="en-US" dirty="0"/>
           </a:p>
@@ -493,7 +496,7 @@
               <a:pPr>
                 <a:defRPr/>
               </a:pPr>
-              <a:t>8/20/2018</a:t>
+              <a:t>8/22/2018</a:t>
             </a:fld>
             <a:endParaRPr lang="en-US" dirty="0"/>
           </a:p>
@@ -1012,7 +1015,7 @@
               <a:pPr>
                 <a:defRPr/>
               </a:pPr>
-              <a:t>8/20/2018</a:t>
+              <a:t>8/22/2018</a:t>
             </a:fld>
             <a:endParaRPr lang="en-US" dirty="0"/>
           </a:p>
@@ -1202,7 +1205,7 @@
               <a:pPr>
                 <a:defRPr/>
               </a:pPr>
-              <a:t>8/20/2018</a:t>
+              <a:t>8/22/2018</a:t>
             </a:fld>
             <a:endParaRPr lang="en-US" dirty="0"/>
           </a:p>
@@ -1402,7 +1405,7 @@
               <a:pPr>
                 <a:defRPr/>
               </a:pPr>
-              <a:t>8/20/2018</a:t>
+              <a:t>8/22/2018</a:t>
             </a:fld>
             <a:endParaRPr lang="en-US" dirty="0"/>
           </a:p>
@@ -1670,7 +1673,7 @@
               <a:pPr>
                 <a:defRPr/>
               </a:pPr>
-              <a:t>8/20/2018</a:t>
+              <a:t>8/22/2018</a:t>
             </a:fld>
             <a:endParaRPr lang="en-US" dirty="0">
               <a:solidFill>
@@ -1884,7 +1887,7 @@
               <a:pPr>
                 <a:defRPr/>
               </a:pPr>
-              <a:t>8/20/2018</a:t>
+              <a:t>8/22/2018</a:t>
             </a:fld>
             <a:endParaRPr lang="en-US" dirty="0">
               <a:solidFill>
@@ -2175,7 +2178,7 @@
               <a:pPr>
                 <a:defRPr/>
               </a:pPr>
-              <a:t>8/20/2018</a:t>
+              <a:t>8/22/2018</a:t>
             </a:fld>
             <a:endParaRPr lang="en-US" dirty="0">
               <a:solidFill>
@@ -2506,7 +2509,7 @@
               <a:pPr>
                 <a:defRPr/>
               </a:pPr>
-              <a:t>8/20/2018</a:t>
+              <a:t>8/22/2018</a:t>
             </a:fld>
             <a:endParaRPr lang="en-US" dirty="0">
               <a:solidFill>
@@ -2971,7 +2974,7 @@
               <a:pPr>
                 <a:defRPr/>
               </a:pPr>
-              <a:t>8/20/2018</a:t>
+              <a:t>8/22/2018</a:t>
             </a:fld>
             <a:endParaRPr lang="en-US" dirty="0">
               <a:solidFill>
@@ -3134,7 +3137,7 @@
               <a:pPr>
                 <a:defRPr/>
               </a:pPr>
-              <a:t>8/20/2018</a:t>
+              <a:t>8/22/2018</a:t>
             </a:fld>
             <a:endParaRPr lang="en-US" dirty="0">
               <a:solidFill>
@@ -3275,7 +3278,7 @@
               <a:pPr>
                 <a:defRPr/>
               </a:pPr>
-              <a:t>8/20/2018</a:t>
+              <a:t>8/22/2018</a:t>
             </a:fld>
             <a:endParaRPr lang="en-US" dirty="0">
               <a:solidFill>
@@ -3596,7 +3599,7 @@
               <a:pPr>
                 <a:defRPr/>
               </a:pPr>
-              <a:t>8/20/2018</a:t>
+              <a:t>8/22/2018</a:t>
             </a:fld>
             <a:endParaRPr lang="en-US" dirty="0">
               <a:solidFill>
@@ -3804,7 +3807,7 @@
               <a:pPr>
                 <a:defRPr/>
               </a:pPr>
-              <a:t>8/20/2018</a:t>
+              <a:t>8/22/2018</a:t>
             </a:fld>
             <a:endParaRPr lang="en-US" dirty="0"/>
           </a:p>
@@ -4087,7 +4090,7 @@
               <a:pPr>
                 <a:defRPr/>
               </a:pPr>
-              <a:t>8/20/2018</a:t>
+              <a:t>8/22/2018</a:t>
             </a:fld>
             <a:endParaRPr lang="en-US" dirty="0">
               <a:solidFill>
@@ -4301,7 +4304,7 @@
               <a:pPr>
                 <a:defRPr/>
               </a:pPr>
-              <a:t>8/20/2018</a:t>
+              <a:t>8/22/2018</a:t>
             </a:fld>
             <a:endParaRPr lang="en-US" dirty="0">
               <a:solidFill>
@@ -4525,7 +4528,7 @@
               <a:pPr>
                 <a:defRPr/>
               </a:pPr>
-              <a:t>8/20/2018</a:t>
+              <a:t>8/22/2018</a:t>
             </a:fld>
             <a:endParaRPr lang="en-US" dirty="0">
               <a:solidFill>
@@ -4735,7 +4738,7 @@
               <a:pPr>
                 <a:defRPr/>
               </a:pPr>
-              <a:t>8/20/2018</a:t>
+              <a:t>8/22/2018</a:t>
             </a:fld>
             <a:endParaRPr lang="en-US" dirty="0">
               <a:solidFill>
@@ -5012,7 +5015,7 @@
               <a:pPr>
                 <a:defRPr/>
               </a:pPr>
-              <a:t>8/20/2018</a:t>
+              <a:t>8/22/2018</a:t>
             </a:fld>
             <a:endParaRPr lang="en-US" dirty="0"/>
           </a:p>
@@ -5319,7 +5322,7 @@
               <a:pPr>
                 <a:defRPr/>
               </a:pPr>
-              <a:t>8/20/2018</a:t>
+              <a:t>8/22/2018</a:t>
             </a:fld>
             <a:endParaRPr lang="en-US" dirty="0"/>
           </a:p>
@@ -5760,7 +5763,7 @@
               <a:pPr>
                 <a:defRPr/>
               </a:pPr>
-              <a:t>8/20/2018</a:t>
+              <a:t>8/22/2018</a:t>
             </a:fld>
             <a:endParaRPr lang="en-US" dirty="0"/>
           </a:p>
@@ -5899,7 +5902,7 @@
               <a:pPr>
                 <a:defRPr/>
               </a:pPr>
-              <a:t>8/20/2018</a:t>
+              <a:t>8/22/2018</a:t>
             </a:fld>
             <a:endParaRPr lang="en-US" dirty="0"/>
           </a:p>
@@ -6016,7 +6019,7 @@
               <a:pPr>
                 <a:defRPr/>
               </a:pPr>
-              <a:t>8/20/2018</a:t>
+              <a:t>8/22/2018</a:t>
             </a:fld>
             <a:endParaRPr lang="en-US" dirty="0"/>
           </a:p>
@@ -6313,7 +6316,7 @@
               <a:pPr>
                 <a:defRPr/>
               </a:pPr>
-              <a:t>8/20/2018</a:t>
+              <a:t>8/22/2018</a:t>
             </a:fld>
             <a:endParaRPr lang="en-US" dirty="0"/>
           </a:p>
@@ -6590,7 +6593,7 @@
               <a:pPr>
                 <a:defRPr/>
               </a:pPr>
-              <a:t>8/20/2018</a:t>
+              <a:t>8/22/2018</a:t>
             </a:fld>
             <a:endParaRPr lang="en-US" dirty="0"/>
           </a:p>
@@ -6847,7 +6850,7 @@
               <a:pPr>
                 <a:defRPr/>
               </a:pPr>
-              <a:t>8/20/2018</a:t>
+              <a:t>8/22/2018</a:t>
             </a:fld>
             <a:endParaRPr lang="en-US" dirty="0"/>
           </a:p>
@@ -7557,7 +7560,7 @@
               <a:pPr>
                 <a:defRPr/>
               </a:pPr>
-              <a:t>8/20/2018</a:t>
+              <a:t>8/22/2018</a:t>
             </a:fld>
             <a:endParaRPr lang="en-US" dirty="0">
               <a:solidFill>
@@ -10095,10 +10098,14 @@
           </a:bodyPr>
           <a:lstStyle/>
           <a:p>
-            <a:pPr marL="342900" indent="-342900">
-              <a:buFont typeface="Wingdings" panose="05000000000000000000" pitchFamily="2" charset="2"/>
-              <a:buChar char="Ø"/>
-            </a:pPr>
+            <a:r>
+              <a:rPr lang="en-US" dirty="0">
+                <a:solidFill>
+                  <a:schemeClr val="bg1"/>
+                </a:solidFill>
+              </a:rPr>
+              <a:t>&gt; </a:t>
+            </a:r>
             <a:r>
               <a:rPr lang="en-US" dirty="0" err="1">
                 <a:solidFill>
@@ -10802,6 +10809,2529 @@
 </file>
 
 <file path=ppt/slides/slide6.xml><?xml version="1.0" encoding="utf-8"?>
+<p:sld xmlns:a="http://schemas.openxmlformats.org/drawingml/2006/main" xmlns:r="http://schemas.openxmlformats.org/officeDocument/2006/relationships" xmlns:p="http://schemas.openxmlformats.org/presentationml/2006/main">
+  <p:cSld>
+    <p:bg>
+      <p:bgPr>
+        <a:solidFill>
+          <a:schemeClr val="bg1">
+            <a:lumMod val="85000"/>
+          </a:schemeClr>
+        </a:solidFill>
+        <a:effectLst/>
+      </p:bgPr>
+    </p:bg>
+    <p:spTree>
+      <p:nvGrpSpPr>
+        <p:cNvPr id="1" name=""/>
+        <p:cNvGrpSpPr/>
+        <p:nvPr/>
+      </p:nvGrpSpPr>
+      <p:grpSpPr>
+        <a:xfrm>
+          <a:off x="0" y="0"/>
+          <a:ext cx="0" cy="0"/>
+          <a:chOff x="0" y="0"/>
+          <a:chExt cx="0" cy="0"/>
+        </a:xfrm>
+      </p:grpSpPr>
+      <p:sp>
+        <p:nvSpPr>
+          <p:cNvPr id="15" name="Rectangle 12">
+            <a:extLst>
+              <a:ext uri="{FF2B5EF4-FFF2-40B4-BE49-F238E27FC236}">
+                <a16:creationId xmlns:a16="http://schemas.microsoft.com/office/drawing/2014/main" id="{867D4867-5BA7-4462-B2F6-A23F4A622AA7}"/>
+              </a:ext>
+              <a:ext uri="{C183D7F6-B498-43B3-948B-1728B52AA6E4}">
+                <adec:decorative xmlns:adec="http://schemas.microsoft.com/office/drawing/2017/decorative" val="1"/>
+              </a:ext>
+            </a:extLst>
+          </p:cNvPr>
+          <p:cNvSpPr>
+            <a:spLocks noGrp="1" noRot="1" noChangeAspect="1" noMove="1" noResize="1" noEditPoints="1" noAdjustHandles="1" noChangeArrowheads="1" noChangeShapeType="1" noTextEdit="1"/>
+          </p:cNvSpPr>
+          <p:nvPr>
+            <p:extLst>
+              <p:ext uri="{386F3935-93C4-4BCD-93E2-E3B085C9AB24}">
+                <p16:designElem xmlns:p16="http://schemas.microsoft.com/office/powerpoint/2015/main" val="1"/>
+              </p:ext>
+            </p:extLst>
+          </p:nvPr>
+        </p:nvSpPr>
+        <p:spPr>
+          <a:xfrm>
+            <a:off x="0" y="0"/>
+            <a:ext cx="3490722" cy="6858000"/>
+          </a:xfrm>
+          <a:prstGeom prst="rect">
+            <a:avLst/>
+          </a:prstGeom>
+          <a:solidFill>
+            <a:schemeClr val="tx1">
+              <a:lumMod val="75000"/>
+              <a:lumOff val="25000"/>
+            </a:schemeClr>
+          </a:solidFill>
+          <a:ln>
+            <a:noFill/>
+          </a:ln>
+        </p:spPr>
+        <p:style>
+          <a:lnRef idx="0">
+            <a:scrgbClr r="0" g="0" b="0"/>
+          </a:lnRef>
+          <a:fillRef idx="0">
+            <a:scrgbClr r="0" g="0" b="0"/>
+          </a:fillRef>
+          <a:effectRef idx="0">
+            <a:scrgbClr r="0" g="0" b="0"/>
+          </a:effectRef>
+          <a:fontRef idx="minor">
+            <a:schemeClr val="lt1"/>
+          </a:fontRef>
+        </p:style>
+        <p:txBody>
+          <a:bodyPr rtlCol="0" anchor="ctr"/>
+          <a:lstStyle/>
+          <a:p>
+            <a:pPr algn="ctr"/>
+            <a:endParaRPr lang="en-US"/>
+          </a:p>
+        </p:txBody>
+      </p:sp>
+      <p:sp>
+        <p:nvSpPr>
+          <p:cNvPr id="2" name="Title 1"/>
+          <p:cNvSpPr>
+            <a:spLocks noGrp="1"/>
+          </p:cNvSpPr>
+          <p:nvPr>
+            <p:ph type="title"/>
+          </p:nvPr>
+        </p:nvSpPr>
+        <p:spPr>
+          <a:xfrm>
+            <a:off x="482600" y="643467"/>
+            <a:ext cx="2522980" cy="1597315"/>
+          </a:xfrm>
+          <a:noFill/>
+          <a:ln w="19050">
+            <a:solidFill>
+              <a:schemeClr val="bg1"/>
+            </a:solidFill>
+          </a:ln>
+        </p:spPr>
+        <p:txBody>
+          <a:bodyPr vert="horz" wrap="square" lIns="91440" tIns="45720" rIns="91440" bIns="45720" rtlCol="0" anchor="ctr">
+            <a:normAutofit/>
+          </a:bodyPr>
+          <a:lstStyle/>
+          <a:p>
+            <a:pPr defTabSz="914400" eaLnBrk="1" hangingPunct="1">
+              <a:lnSpc>
+                <a:spcPct val="90000"/>
+              </a:lnSpc>
+            </a:pPr>
+            <a:r>
+              <a:rPr lang="en-US" sz="2400" kern="1200" dirty="0">
+                <a:solidFill>
+                  <a:schemeClr val="bg1"/>
+                </a:solidFill>
+                <a:latin typeface="+mj-lt"/>
+                <a:ea typeface="+mj-ea"/>
+                <a:cs typeface="+mj-cs"/>
+              </a:rPr>
+              <a:t>ggplot2</a:t>
+            </a:r>
+          </a:p>
+        </p:txBody>
+      </p:sp>
+      <p:pic>
+        <p:nvPicPr>
+          <p:cNvPr id="8" name="Picture 7">
+            <a:extLst>
+              <a:ext uri="{FF2B5EF4-FFF2-40B4-BE49-F238E27FC236}">
+                <a16:creationId xmlns:a16="http://schemas.microsoft.com/office/drawing/2014/main" id="{521D4292-9ECC-4DA5-8CC0-C561A0DA118E}"/>
+              </a:ext>
+            </a:extLst>
+          </p:cNvPr>
+          <p:cNvPicPr>
+            <a:picLocks noChangeAspect="1"/>
+          </p:cNvPicPr>
+          <p:nvPr/>
+        </p:nvPicPr>
+        <p:blipFill rotWithShape="1">
+          <a:blip r:embed="rId3"/>
+          <a:srcRect l="8000" r="9400"/>
+          <a:stretch/>
+        </p:blipFill>
+        <p:spPr>
+          <a:xfrm>
+            <a:off x="660103" y="3048000"/>
+            <a:ext cx="2167974" cy="2624666"/>
+          </a:xfrm>
+          <a:prstGeom prst="rect">
+            <a:avLst/>
+          </a:prstGeom>
+          <a:noFill/>
+        </p:spPr>
+      </p:pic>
+      <p:sp>
+        <p:nvSpPr>
+          <p:cNvPr id="10" name="Content Placeholder 2">
+            <a:extLst>
+              <a:ext uri="{FF2B5EF4-FFF2-40B4-BE49-F238E27FC236}">
+                <a16:creationId xmlns:a16="http://schemas.microsoft.com/office/drawing/2014/main" id="{1B021DFA-01E0-42CE-88F1-8280980D9007}"/>
+              </a:ext>
+            </a:extLst>
+          </p:cNvPr>
+          <p:cNvSpPr txBox="1">
+            <a:spLocks/>
+          </p:cNvSpPr>
+          <p:nvPr/>
+        </p:nvSpPr>
+        <p:spPr bwMode="auto">
+          <a:xfrm>
+            <a:off x="3632496" y="643467"/>
+            <a:ext cx="5359103" cy="5833533"/>
+          </a:xfrm>
+          <a:prstGeom prst="rect">
+            <a:avLst/>
+          </a:prstGeom>
+        </p:spPr>
+        <p:txBody>
+          <a:bodyPr vert="horz" lIns="91440" tIns="45720" rIns="91440" bIns="45720" numCol="1" rtlCol="0" anchorCtr="0" compatLnSpc="1">
+            <a:prstTxWarp prst="textNoShape">
+              <a:avLst/>
+            </a:prstTxWarp>
+            <a:noAutofit/>
+          </a:bodyPr>
+          <a:lstStyle>
+            <a:lvl1pPr marL="342900" indent="-342900" algn="l" defTabSz="457200" rtl="0" eaLnBrk="0" fontAlgn="base" hangingPunct="0">
+              <a:spcBef>
+                <a:spcPct val="20000"/>
+              </a:spcBef>
+              <a:spcAft>
+                <a:spcPct val="0"/>
+              </a:spcAft>
+              <a:buFont typeface="Arial" charset="0"/>
+              <a:buChar char="•"/>
+              <a:defRPr sz="3200" kern="1200">
+                <a:solidFill>
+                  <a:schemeClr val="tx1"/>
+                </a:solidFill>
+                <a:latin typeface="+mn-lt"/>
+                <a:ea typeface="ＭＳ Ｐゴシック" pitchFamily="-109" charset="-128"/>
+                <a:cs typeface="ＭＳ Ｐゴシック" pitchFamily="-109" charset="-128"/>
+              </a:defRPr>
+            </a:lvl1pPr>
+            <a:lvl2pPr marL="742950" indent="-285750" algn="l" defTabSz="457200" rtl="0" eaLnBrk="0" fontAlgn="base" hangingPunct="0">
+              <a:spcBef>
+                <a:spcPct val="20000"/>
+              </a:spcBef>
+              <a:spcAft>
+                <a:spcPct val="0"/>
+              </a:spcAft>
+              <a:buFont typeface="Arial" charset="0"/>
+              <a:buChar char="–"/>
+              <a:defRPr sz="2800" kern="1200">
+                <a:solidFill>
+                  <a:schemeClr val="tx1"/>
+                </a:solidFill>
+                <a:latin typeface="+mn-lt"/>
+                <a:ea typeface="ＭＳ Ｐゴシック" pitchFamily="-109" charset="-128"/>
+                <a:cs typeface="+mn-cs"/>
+              </a:defRPr>
+            </a:lvl2pPr>
+            <a:lvl3pPr marL="1143000" indent="-228600" algn="l" defTabSz="457200" rtl="0" eaLnBrk="0" fontAlgn="base" hangingPunct="0">
+              <a:spcBef>
+                <a:spcPct val="20000"/>
+              </a:spcBef>
+              <a:spcAft>
+                <a:spcPct val="0"/>
+              </a:spcAft>
+              <a:buFont typeface="Arial" charset="0"/>
+              <a:buChar char="•"/>
+              <a:defRPr sz="2400" kern="1200">
+                <a:solidFill>
+                  <a:schemeClr val="tx1"/>
+                </a:solidFill>
+                <a:latin typeface="+mn-lt"/>
+                <a:ea typeface="ＭＳ Ｐゴシック" pitchFamily="-109" charset="-128"/>
+                <a:cs typeface="+mn-cs"/>
+              </a:defRPr>
+            </a:lvl3pPr>
+            <a:lvl4pPr marL="1600200" indent="-228600" algn="l" defTabSz="457200" rtl="0" eaLnBrk="0" fontAlgn="base" hangingPunct="0">
+              <a:spcBef>
+                <a:spcPct val="20000"/>
+              </a:spcBef>
+              <a:spcAft>
+                <a:spcPct val="0"/>
+              </a:spcAft>
+              <a:buFont typeface="Arial" charset="0"/>
+              <a:buChar char="–"/>
+              <a:defRPr sz="2000" kern="1200">
+                <a:solidFill>
+                  <a:schemeClr val="tx1"/>
+                </a:solidFill>
+                <a:latin typeface="+mn-lt"/>
+                <a:ea typeface="ＭＳ Ｐゴシック" pitchFamily="-109" charset="-128"/>
+                <a:cs typeface="+mn-cs"/>
+              </a:defRPr>
+            </a:lvl4pPr>
+            <a:lvl5pPr marL="2057400" indent="-228600" algn="l" defTabSz="457200" rtl="0" eaLnBrk="0" fontAlgn="base" hangingPunct="0">
+              <a:spcBef>
+                <a:spcPct val="20000"/>
+              </a:spcBef>
+              <a:spcAft>
+                <a:spcPct val="0"/>
+              </a:spcAft>
+              <a:buFont typeface="Arial" charset="0"/>
+              <a:buChar char="»"/>
+              <a:defRPr sz="2000" kern="1200">
+                <a:solidFill>
+                  <a:schemeClr val="tx1"/>
+                </a:solidFill>
+                <a:latin typeface="+mn-lt"/>
+                <a:ea typeface="ＭＳ Ｐゴシック" pitchFamily="-109" charset="-128"/>
+                <a:cs typeface="+mn-cs"/>
+              </a:defRPr>
+            </a:lvl5pPr>
+            <a:lvl6pPr marL="2514600" indent="-228600" algn="l" defTabSz="457200" rtl="0" eaLnBrk="1" latinLnBrk="0" hangingPunct="1">
+              <a:spcBef>
+                <a:spcPct val="20000"/>
+              </a:spcBef>
+              <a:buFont typeface="Arial"/>
+              <a:buChar char="•"/>
+              <a:defRPr sz="2000" kern="1200">
+                <a:solidFill>
+                  <a:schemeClr val="tx1"/>
+                </a:solidFill>
+                <a:latin typeface="+mn-lt"/>
+                <a:ea typeface="+mn-ea"/>
+                <a:cs typeface="+mn-cs"/>
+              </a:defRPr>
+            </a:lvl6pPr>
+            <a:lvl7pPr marL="2971800" indent="-228600" algn="l" defTabSz="457200" rtl="0" eaLnBrk="1" latinLnBrk="0" hangingPunct="1">
+              <a:spcBef>
+                <a:spcPct val="20000"/>
+              </a:spcBef>
+              <a:buFont typeface="Arial"/>
+              <a:buChar char="•"/>
+              <a:defRPr sz="2000" kern="1200">
+                <a:solidFill>
+                  <a:schemeClr val="tx1"/>
+                </a:solidFill>
+                <a:latin typeface="+mn-lt"/>
+                <a:ea typeface="+mn-ea"/>
+                <a:cs typeface="+mn-cs"/>
+              </a:defRPr>
+            </a:lvl7pPr>
+            <a:lvl8pPr marL="3429000" indent="-228600" algn="l" defTabSz="457200" rtl="0" eaLnBrk="1" latinLnBrk="0" hangingPunct="1">
+              <a:spcBef>
+                <a:spcPct val="20000"/>
+              </a:spcBef>
+              <a:buFont typeface="Arial"/>
+              <a:buChar char="•"/>
+              <a:defRPr sz="2000" kern="1200">
+                <a:solidFill>
+                  <a:schemeClr val="tx1"/>
+                </a:solidFill>
+                <a:latin typeface="+mn-lt"/>
+                <a:ea typeface="+mn-ea"/>
+                <a:cs typeface="+mn-cs"/>
+              </a:defRPr>
+            </a:lvl8pPr>
+            <a:lvl9pPr marL="3886200" indent="-228600" algn="l" defTabSz="457200" rtl="0" eaLnBrk="1" latinLnBrk="0" hangingPunct="1">
+              <a:spcBef>
+                <a:spcPct val="20000"/>
+              </a:spcBef>
+              <a:buFont typeface="Arial"/>
+              <a:buChar char="•"/>
+              <a:defRPr sz="2000" kern="1200">
+                <a:solidFill>
+                  <a:schemeClr val="tx1"/>
+                </a:solidFill>
+                <a:latin typeface="+mn-lt"/>
+                <a:ea typeface="+mn-ea"/>
+                <a:cs typeface="+mn-cs"/>
+              </a:defRPr>
+            </a:lvl9pPr>
+          </a:lstStyle>
+          <a:p>
+            <a:pPr indent="-228600" defTabSz="914400" eaLnBrk="1" hangingPunct="1">
+              <a:lnSpc>
+                <a:spcPct val="90000"/>
+              </a:lnSpc>
+              <a:buFont typeface="Arial" panose="020B0604020202020204" pitchFamily="34" charset="0"/>
+              <a:buChar char="•"/>
+            </a:pPr>
+            <a:r>
+              <a:rPr lang="en-US" sz="2400" dirty="0">
+                <a:solidFill>
+                  <a:srgbClr val="404040"/>
+                </a:solidFill>
+                <a:ea typeface="+mn-ea"/>
+              </a:rPr>
+              <a:t>Help Page: </a:t>
+            </a:r>
+            <a:r>
+              <a:rPr lang="en-US" sz="2400" dirty="0">
+                <a:solidFill>
+                  <a:srgbClr val="404040"/>
+                </a:solidFill>
+                <a:ea typeface="+mn-ea"/>
+                <a:hlinkClick r:id="rId4"/>
+              </a:rPr>
+              <a:t>Link</a:t>
+            </a:r>
+            <a:endParaRPr lang="en-US" sz="2400" dirty="0">
+              <a:solidFill>
+                <a:srgbClr val="404040"/>
+              </a:solidFill>
+              <a:ea typeface="+mn-ea"/>
+            </a:endParaRPr>
+          </a:p>
+          <a:p>
+            <a:pPr indent="-228600" defTabSz="914400" eaLnBrk="1" hangingPunct="1">
+              <a:lnSpc>
+                <a:spcPct val="90000"/>
+              </a:lnSpc>
+              <a:buFont typeface="Arial" panose="020B0604020202020204" pitchFamily="34" charset="0"/>
+              <a:buChar char="•"/>
+            </a:pPr>
+            <a:r>
+              <a:rPr lang="en-US" sz="2400" dirty="0">
+                <a:solidFill>
+                  <a:srgbClr val="404040"/>
+                </a:solidFill>
+                <a:ea typeface="+mn-ea"/>
+                <a:cs typeface="+mn-cs"/>
+              </a:rPr>
+              <a:t>Comes with Pre</a:t>
+            </a:r>
+            <a:r>
+              <a:rPr lang="en-US" sz="2400" dirty="0">
+                <a:solidFill>
+                  <a:srgbClr val="404040"/>
+                </a:solidFill>
+                <a:ea typeface="+mn-ea"/>
+              </a:rPr>
+              <a:t>loaded Datasets</a:t>
+            </a:r>
+            <a:r>
+              <a:rPr lang="en-US" sz="2400" dirty="0">
+                <a:solidFill>
+                  <a:srgbClr val="404040"/>
+                </a:solidFill>
+                <a:ea typeface="+mn-ea"/>
+                <a:cs typeface="+mn-cs"/>
+              </a:rPr>
+              <a:t> </a:t>
+            </a:r>
+          </a:p>
+          <a:p>
+            <a:pPr indent="-228600" defTabSz="914400" eaLnBrk="1" hangingPunct="1">
+              <a:lnSpc>
+                <a:spcPct val="90000"/>
+              </a:lnSpc>
+              <a:buFont typeface="Arial" panose="020B0604020202020204" pitchFamily="34" charset="0"/>
+              <a:buChar char="•"/>
+            </a:pPr>
+            <a:endParaRPr lang="en-US" sz="2400" dirty="0">
+              <a:solidFill>
+                <a:srgbClr val="404040"/>
+              </a:solidFill>
+              <a:ea typeface="+mn-ea"/>
+              <a:cs typeface="+mn-cs"/>
+            </a:endParaRPr>
+          </a:p>
+          <a:p>
+            <a:pPr indent="-228600" defTabSz="914400" eaLnBrk="1" hangingPunct="1">
+              <a:lnSpc>
+                <a:spcPct val="90000"/>
+              </a:lnSpc>
+              <a:buFont typeface="Arial" panose="020B0604020202020204" pitchFamily="34" charset="0"/>
+              <a:buChar char="•"/>
+            </a:pPr>
+            <a:endParaRPr lang="en-US" sz="2400" dirty="0">
+              <a:solidFill>
+                <a:srgbClr val="404040"/>
+              </a:solidFill>
+              <a:ea typeface="+mn-ea"/>
+              <a:cs typeface="+mn-cs"/>
+            </a:endParaRPr>
+          </a:p>
+          <a:p>
+            <a:pPr indent="-228600" defTabSz="914400" eaLnBrk="1" hangingPunct="1">
+              <a:lnSpc>
+                <a:spcPct val="90000"/>
+              </a:lnSpc>
+              <a:buFont typeface="Arial" panose="020B0604020202020204" pitchFamily="34" charset="0"/>
+              <a:buChar char="•"/>
+            </a:pPr>
+            <a:endParaRPr lang="en-US" sz="2400" dirty="0">
+              <a:solidFill>
+                <a:srgbClr val="404040"/>
+              </a:solidFill>
+              <a:ea typeface="+mn-ea"/>
+              <a:cs typeface="+mn-cs"/>
+            </a:endParaRPr>
+          </a:p>
+          <a:p>
+            <a:pPr indent="-228600" defTabSz="914400" eaLnBrk="1" hangingPunct="1">
+              <a:lnSpc>
+                <a:spcPct val="90000"/>
+              </a:lnSpc>
+              <a:buFont typeface="Arial" panose="020B0604020202020204" pitchFamily="34" charset="0"/>
+              <a:buChar char="•"/>
+            </a:pPr>
+            <a:endParaRPr lang="en-US" sz="2400" dirty="0">
+              <a:solidFill>
+                <a:srgbClr val="404040"/>
+              </a:solidFill>
+              <a:ea typeface="+mn-ea"/>
+              <a:cs typeface="+mn-cs"/>
+            </a:endParaRPr>
+          </a:p>
+          <a:p>
+            <a:pPr indent="-228600" defTabSz="914400" eaLnBrk="1" hangingPunct="1">
+              <a:lnSpc>
+                <a:spcPct val="90000"/>
+              </a:lnSpc>
+              <a:buFont typeface="Arial" panose="020B0604020202020204" pitchFamily="34" charset="0"/>
+              <a:buChar char="•"/>
+            </a:pPr>
+            <a:endParaRPr lang="en-US" sz="2400" dirty="0">
+              <a:solidFill>
+                <a:srgbClr val="404040"/>
+              </a:solidFill>
+              <a:ea typeface="+mn-ea"/>
+              <a:cs typeface="+mn-cs"/>
+            </a:endParaRPr>
+          </a:p>
+          <a:p>
+            <a:pPr indent="-228600" defTabSz="914400" eaLnBrk="1" hangingPunct="1">
+              <a:lnSpc>
+                <a:spcPct val="90000"/>
+              </a:lnSpc>
+              <a:buFont typeface="Arial" panose="020B0604020202020204" pitchFamily="34" charset="0"/>
+              <a:buChar char="•"/>
+            </a:pPr>
+            <a:endParaRPr lang="en-US" sz="2400" dirty="0">
+              <a:solidFill>
+                <a:srgbClr val="404040"/>
+              </a:solidFill>
+              <a:ea typeface="+mn-ea"/>
+              <a:cs typeface="+mn-cs"/>
+            </a:endParaRPr>
+          </a:p>
+          <a:p>
+            <a:pPr indent="-228600" defTabSz="914400" eaLnBrk="1" hangingPunct="1">
+              <a:lnSpc>
+                <a:spcPct val="90000"/>
+              </a:lnSpc>
+              <a:buFont typeface="Arial" panose="020B0604020202020204" pitchFamily="34" charset="0"/>
+              <a:buChar char="•"/>
+            </a:pPr>
+            <a:endParaRPr lang="en-US" sz="2400" dirty="0">
+              <a:solidFill>
+                <a:srgbClr val="404040"/>
+              </a:solidFill>
+              <a:ea typeface="+mn-ea"/>
+              <a:cs typeface="+mn-cs"/>
+            </a:endParaRPr>
+          </a:p>
+          <a:p>
+            <a:pPr indent="-228600" defTabSz="914400" eaLnBrk="1" hangingPunct="1">
+              <a:lnSpc>
+                <a:spcPct val="90000"/>
+              </a:lnSpc>
+              <a:buFont typeface="Arial" panose="020B0604020202020204" pitchFamily="34" charset="0"/>
+              <a:buChar char="•"/>
+            </a:pPr>
+            <a:endParaRPr lang="en-US" sz="2400" dirty="0">
+              <a:solidFill>
+                <a:srgbClr val="404040"/>
+              </a:solidFill>
+              <a:ea typeface="+mn-ea"/>
+              <a:cs typeface="+mn-cs"/>
+            </a:endParaRPr>
+          </a:p>
+          <a:p>
+            <a:pPr indent="-228600" defTabSz="914400" eaLnBrk="1" hangingPunct="1">
+              <a:lnSpc>
+                <a:spcPct val="90000"/>
+              </a:lnSpc>
+              <a:buFont typeface="Arial" panose="020B0604020202020204" pitchFamily="34" charset="0"/>
+              <a:buChar char="•"/>
+            </a:pPr>
+            <a:endParaRPr lang="en-US" sz="2400" dirty="0">
+              <a:solidFill>
+                <a:srgbClr val="404040"/>
+              </a:solidFill>
+              <a:ea typeface="+mn-ea"/>
+              <a:cs typeface="+mn-cs"/>
+            </a:endParaRPr>
+          </a:p>
+          <a:p>
+            <a:pPr indent="-228600" defTabSz="914400" eaLnBrk="1" hangingPunct="1">
+              <a:lnSpc>
+                <a:spcPct val="90000"/>
+              </a:lnSpc>
+              <a:buFont typeface="Arial" panose="020B0604020202020204" pitchFamily="34" charset="0"/>
+              <a:buChar char="•"/>
+            </a:pPr>
+            <a:endParaRPr lang="en-US" sz="2400" dirty="0">
+              <a:solidFill>
+                <a:srgbClr val="404040"/>
+              </a:solidFill>
+              <a:ea typeface="+mn-ea"/>
+              <a:cs typeface="+mn-cs"/>
+            </a:endParaRPr>
+          </a:p>
+          <a:p>
+            <a:pPr indent="-228600" defTabSz="914400" eaLnBrk="1" hangingPunct="1">
+              <a:lnSpc>
+                <a:spcPct val="90000"/>
+              </a:lnSpc>
+              <a:buFont typeface="Arial" panose="020B0604020202020204" pitchFamily="34" charset="0"/>
+              <a:buChar char="•"/>
+            </a:pPr>
+            <a:endParaRPr lang="en-US" sz="2400" dirty="0">
+              <a:solidFill>
+                <a:srgbClr val="404040"/>
+              </a:solidFill>
+              <a:ea typeface="+mn-ea"/>
+              <a:cs typeface="+mn-cs"/>
+            </a:endParaRPr>
+          </a:p>
+          <a:p>
+            <a:pPr indent="-228600" defTabSz="914400" eaLnBrk="1" hangingPunct="1">
+              <a:lnSpc>
+                <a:spcPct val="90000"/>
+              </a:lnSpc>
+              <a:buFont typeface="Arial" panose="020B0604020202020204" pitchFamily="34" charset="0"/>
+              <a:buChar char="•"/>
+            </a:pPr>
+            <a:endParaRPr lang="en-US" sz="2400" dirty="0">
+              <a:solidFill>
+                <a:srgbClr val="404040"/>
+              </a:solidFill>
+              <a:ea typeface="+mn-ea"/>
+              <a:cs typeface="+mn-cs"/>
+            </a:endParaRPr>
+          </a:p>
+          <a:p>
+            <a:pPr marL="114300" indent="0" defTabSz="914400" eaLnBrk="1" hangingPunct="1">
+              <a:lnSpc>
+                <a:spcPct val="90000"/>
+              </a:lnSpc>
+              <a:buNone/>
+            </a:pPr>
+            <a:endParaRPr lang="en-US" sz="2400" dirty="0">
+              <a:solidFill>
+                <a:srgbClr val="404040"/>
+              </a:solidFill>
+              <a:ea typeface="+mn-ea"/>
+              <a:cs typeface="+mn-cs"/>
+            </a:endParaRPr>
+          </a:p>
+          <a:p>
+            <a:pPr marL="114300" indent="0" defTabSz="914400" eaLnBrk="1" hangingPunct="1">
+              <a:lnSpc>
+                <a:spcPct val="90000"/>
+              </a:lnSpc>
+              <a:buNone/>
+            </a:pPr>
+            <a:r>
+              <a:rPr lang="en-US" sz="2000" dirty="0">
+                <a:solidFill>
+                  <a:srgbClr val="404040"/>
+                </a:solidFill>
+                <a:ea typeface="+mn-ea"/>
+              </a:rPr>
+              <a:t>	</a:t>
+            </a:r>
+          </a:p>
+          <a:p>
+            <a:pPr lvl="1" indent="-228600" defTabSz="914400" eaLnBrk="1" hangingPunct="1">
+              <a:lnSpc>
+                <a:spcPct val="90000"/>
+              </a:lnSpc>
+              <a:buFont typeface="Arial" panose="020B0604020202020204" pitchFamily="34" charset="0"/>
+              <a:buChar char="•"/>
+            </a:pPr>
+            <a:endParaRPr lang="en-US" sz="2000" dirty="0">
+              <a:solidFill>
+                <a:srgbClr val="404040"/>
+              </a:solidFill>
+              <a:ea typeface="+mn-ea"/>
+            </a:endParaRPr>
+          </a:p>
+          <a:p>
+            <a:pPr marL="114300" indent="0" defTabSz="914400" eaLnBrk="1" hangingPunct="1">
+              <a:lnSpc>
+                <a:spcPct val="90000"/>
+              </a:lnSpc>
+              <a:buNone/>
+            </a:pPr>
+            <a:endParaRPr lang="en-US" sz="2400" dirty="0">
+              <a:solidFill>
+                <a:srgbClr val="404040"/>
+              </a:solidFill>
+              <a:ea typeface="+mn-ea"/>
+              <a:cs typeface="+mn-cs"/>
+            </a:endParaRPr>
+          </a:p>
+        </p:txBody>
+      </p:sp>
+      <p:pic>
+        <p:nvPicPr>
+          <p:cNvPr id="9" name="Picture 8">
+            <a:extLst>
+              <a:ext uri="{FF2B5EF4-FFF2-40B4-BE49-F238E27FC236}">
+                <a16:creationId xmlns:a16="http://schemas.microsoft.com/office/drawing/2014/main" id="{F232BC03-CA48-4DEA-B40E-6867246AAFA5}"/>
+              </a:ext>
+            </a:extLst>
+          </p:cNvPr>
+          <p:cNvPicPr>
+            <a:picLocks noChangeAspect="1"/>
+          </p:cNvPicPr>
+          <p:nvPr/>
+        </p:nvPicPr>
+        <p:blipFill>
+          <a:blip r:embed="rId5"/>
+          <a:stretch>
+            <a:fillRect/>
+          </a:stretch>
+        </p:blipFill>
+        <p:spPr>
+          <a:xfrm>
+            <a:off x="3665683" y="1676400"/>
+            <a:ext cx="5355932" cy="4359313"/>
+          </a:xfrm>
+          <a:prstGeom prst="rect">
+            <a:avLst/>
+          </a:prstGeom>
+        </p:spPr>
+      </p:pic>
+    </p:spTree>
+    <p:custDataLst>
+      <p:tags r:id="rId1"/>
+    </p:custDataLst>
+    <p:extLst>
+      <p:ext uri="{BB962C8B-B14F-4D97-AF65-F5344CB8AC3E}">
+        <p14:creationId xmlns:p14="http://schemas.microsoft.com/office/powerpoint/2010/main" val="668321165"/>
+      </p:ext>
+    </p:extLst>
+  </p:cSld>
+  <p:clrMapOvr>
+    <a:masterClrMapping/>
+  </p:clrMapOvr>
+</p:sld>
+</file>
+
+<file path=ppt/slides/slide7.xml><?xml version="1.0" encoding="utf-8"?>
+<p:sld xmlns:a="http://schemas.openxmlformats.org/drawingml/2006/main" xmlns:r="http://schemas.openxmlformats.org/officeDocument/2006/relationships" xmlns:p="http://schemas.openxmlformats.org/presentationml/2006/main">
+  <p:cSld>
+    <p:bg>
+      <p:bgPr>
+        <a:solidFill>
+          <a:schemeClr val="bg1">
+            <a:lumMod val="85000"/>
+          </a:schemeClr>
+        </a:solidFill>
+        <a:effectLst/>
+      </p:bgPr>
+    </p:bg>
+    <p:spTree>
+      <p:nvGrpSpPr>
+        <p:cNvPr id="1" name=""/>
+        <p:cNvGrpSpPr/>
+        <p:nvPr/>
+      </p:nvGrpSpPr>
+      <p:grpSpPr>
+        <a:xfrm>
+          <a:off x="0" y="0"/>
+          <a:ext cx="0" cy="0"/>
+          <a:chOff x="0" y="0"/>
+          <a:chExt cx="0" cy="0"/>
+        </a:xfrm>
+      </p:grpSpPr>
+      <p:sp>
+        <p:nvSpPr>
+          <p:cNvPr id="15" name="Rectangle 12">
+            <a:extLst>
+              <a:ext uri="{FF2B5EF4-FFF2-40B4-BE49-F238E27FC236}">
+                <a16:creationId xmlns:a16="http://schemas.microsoft.com/office/drawing/2014/main" id="{867D4867-5BA7-4462-B2F6-A23F4A622AA7}"/>
+              </a:ext>
+              <a:ext uri="{C183D7F6-B498-43B3-948B-1728B52AA6E4}">
+                <adec:decorative xmlns:adec="http://schemas.microsoft.com/office/drawing/2017/decorative" val="1"/>
+              </a:ext>
+            </a:extLst>
+          </p:cNvPr>
+          <p:cNvSpPr>
+            <a:spLocks noGrp="1" noRot="1" noChangeAspect="1" noMove="1" noResize="1" noEditPoints="1" noAdjustHandles="1" noChangeArrowheads="1" noChangeShapeType="1" noTextEdit="1"/>
+          </p:cNvSpPr>
+          <p:nvPr>
+            <p:extLst>
+              <p:ext uri="{386F3935-93C4-4BCD-93E2-E3B085C9AB24}">
+                <p16:designElem xmlns:p16="http://schemas.microsoft.com/office/powerpoint/2015/main" val="1"/>
+              </p:ext>
+            </p:extLst>
+          </p:nvPr>
+        </p:nvSpPr>
+        <p:spPr>
+          <a:xfrm>
+            <a:off x="0" y="0"/>
+            <a:ext cx="3490722" cy="6858000"/>
+          </a:xfrm>
+          <a:prstGeom prst="rect">
+            <a:avLst/>
+          </a:prstGeom>
+          <a:solidFill>
+            <a:schemeClr val="tx1">
+              <a:lumMod val="75000"/>
+              <a:lumOff val="25000"/>
+            </a:schemeClr>
+          </a:solidFill>
+          <a:ln>
+            <a:noFill/>
+          </a:ln>
+        </p:spPr>
+        <p:style>
+          <a:lnRef idx="0">
+            <a:scrgbClr r="0" g="0" b="0"/>
+          </a:lnRef>
+          <a:fillRef idx="0">
+            <a:scrgbClr r="0" g="0" b="0"/>
+          </a:fillRef>
+          <a:effectRef idx="0">
+            <a:scrgbClr r="0" g="0" b="0"/>
+          </a:effectRef>
+          <a:fontRef idx="minor">
+            <a:schemeClr val="lt1"/>
+          </a:fontRef>
+        </p:style>
+        <p:txBody>
+          <a:bodyPr rtlCol="0" anchor="ctr"/>
+          <a:lstStyle/>
+          <a:p>
+            <a:pPr algn="ctr"/>
+            <a:endParaRPr lang="en-US"/>
+          </a:p>
+        </p:txBody>
+      </p:sp>
+      <p:sp>
+        <p:nvSpPr>
+          <p:cNvPr id="2" name="Title 1"/>
+          <p:cNvSpPr>
+            <a:spLocks noGrp="1"/>
+          </p:cNvSpPr>
+          <p:nvPr>
+            <p:ph type="title"/>
+          </p:nvPr>
+        </p:nvSpPr>
+        <p:spPr>
+          <a:xfrm>
+            <a:off x="482600" y="643467"/>
+            <a:ext cx="2522980" cy="1597315"/>
+          </a:xfrm>
+          <a:noFill/>
+          <a:ln w="19050">
+            <a:solidFill>
+              <a:schemeClr val="bg1"/>
+            </a:solidFill>
+          </a:ln>
+        </p:spPr>
+        <p:txBody>
+          <a:bodyPr vert="horz" wrap="square" lIns="91440" tIns="45720" rIns="91440" bIns="45720" rtlCol="0" anchor="ctr">
+            <a:normAutofit/>
+          </a:bodyPr>
+          <a:lstStyle/>
+          <a:p>
+            <a:pPr defTabSz="914400" eaLnBrk="1" hangingPunct="1">
+              <a:lnSpc>
+                <a:spcPct val="90000"/>
+              </a:lnSpc>
+            </a:pPr>
+            <a:r>
+              <a:rPr lang="en-US" sz="2400" kern="1200" dirty="0">
+                <a:solidFill>
+                  <a:schemeClr val="bg1"/>
+                </a:solidFill>
+                <a:latin typeface="+mj-lt"/>
+                <a:ea typeface="+mj-ea"/>
+                <a:cs typeface="+mj-cs"/>
+              </a:rPr>
+              <a:t>ggplot2</a:t>
+            </a:r>
+          </a:p>
+        </p:txBody>
+      </p:sp>
+      <p:pic>
+        <p:nvPicPr>
+          <p:cNvPr id="8" name="Picture 7">
+            <a:extLst>
+              <a:ext uri="{FF2B5EF4-FFF2-40B4-BE49-F238E27FC236}">
+                <a16:creationId xmlns:a16="http://schemas.microsoft.com/office/drawing/2014/main" id="{521D4292-9ECC-4DA5-8CC0-C561A0DA118E}"/>
+              </a:ext>
+            </a:extLst>
+          </p:cNvPr>
+          <p:cNvPicPr>
+            <a:picLocks noChangeAspect="1"/>
+          </p:cNvPicPr>
+          <p:nvPr/>
+        </p:nvPicPr>
+        <p:blipFill rotWithShape="1">
+          <a:blip r:embed="rId3"/>
+          <a:srcRect l="8000" r="9400"/>
+          <a:stretch/>
+        </p:blipFill>
+        <p:spPr>
+          <a:xfrm>
+            <a:off x="1114678" y="2590800"/>
+            <a:ext cx="1258824" cy="1524000"/>
+          </a:xfrm>
+          <a:prstGeom prst="rect">
+            <a:avLst/>
+          </a:prstGeom>
+          <a:noFill/>
+        </p:spPr>
+      </p:pic>
+      <p:sp>
+        <p:nvSpPr>
+          <p:cNvPr id="10" name="Content Placeholder 2">
+            <a:extLst>
+              <a:ext uri="{FF2B5EF4-FFF2-40B4-BE49-F238E27FC236}">
+                <a16:creationId xmlns:a16="http://schemas.microsoft.com/office/drawing/2014/main" id="{1B021DFA-01E0-42CE-88F1-8280980D9007}"/>
+              </a:ext>
+            </a:extLst>
+          </p:cNvPr>
+          <p:cNvSpPr txBox="1">
+            <a:spLocks/>
+          </p:cNvSpPr>
+          <p:nvPr/>
+        </p:nvSpPr>
+        <p:spPr bwMode="auto">
+          <a:xfrm>
+            <a:off x="3632496" y="643467"/>
+            <a:ext cx="5359103" cy="5833533"/>
+          </a:xfrm>
+          <a:prstGeom prst="rect">
+            <a:avLst/>
+          </a:prstGeom>
+        </p:spPr>
+        <p:txBody>
+          <a:bodyPr vert="horz" lIns="91440" tIns="45720" rIns="91440" bIns="45720" numCol="1" rtlCol="0" anchorCtr="0" compatLnSpc="1">
+            <a:prstTxWarp prst="textNoShape">
+              <a:avLst/>
+            </a:prstTxWarp>
+            <a:noAutofit/>
+          </a:bodyPr>
+          <a:lstStyle>
+            <a:lvl1pPr marL="342900" indent="-342900" algn="l" defTabSz="457200" rtl="0" eaLnBrk="0" fontAlgn="base" hangingPunct="0">
+              <a:spcBef>
+                <a:spcPct val="20000"/>
+              </a:spcBef>
+              <a:spcAft>
+                <a:spcPct val="0"/>
+              </a:spcAft>
+              <a:buFont typeface="Arial" charset="0"/>
+              <a:buChar char="•"/>
+              <a:defRPr sz="3200" kern="1200">
+                <a:solidFill>
+                  <a:schemeClr val="tx1"/>
+                </a:solidFill>
+                <a:latin typeface="+mn-lt"/>
+                <a:ea typeface="ＭＳ Ｐゴシック" pitchFamily="-109" charset="-128"/>
+                <a:cs typeface="ＭＳ Ｐゴシック" pitchFamily="-109" charset="-128"/>
+              </a:defRPr>
+            </a:lvl1pPr>
+            <a:lvl2pPr marL="742950" indent="-285750" algn="l" defTabSz="457200" rtl="0" eaLnBrk="0" fontAlgn="base" hangingPunct="0">
+              <a:spcBef>
+                <a:spcPct val="20000"/>
+              </a:spcBef>
+              <a:spcAft>
+                <a:spcPct val="0"/>
+              </a:spcAft>
+              <a:buFont typeface="Arial" charset="0"/>
+              <a:buChar char="–"/>
+              <a:defRPr sz="2800" kern="1200">
+                <a:solidFill>
+                  <a:schemeClr val="tx1"/>
+                </a:solidFill>
+                <a:latin typeface="+mn-lt"/>
+                <a:ea typeface="ＭＳ Ｐゴシック" pitchFamily="-109" charset="-128"/>
+                <a:cs typeface="+mn-cs"/>
+              </a:defRPr>
+            </a:lvl2pPr>
+            <a:lvl3pPr marL="1143000" indent="-228600" algn="l" defTabSz="457200" rtl="0" eaLnBrk="0" fontAlgn="base" hangingPunct="0">
+              <a:spcBef>
+                <a:spcPct val="20000"/>
+              </a:spcBef>
+              <a:spcAft>
+                <a:spcPct val="0"/>
+              </a:spcAft>
+              <a:buFont typeface="Arial" charset="0"/>
+              <a:buChar char="•"/>
+              <a:defRPr sz="2400" kern="1200">
+                <a:solidFill>
+                  <a:schemeClr val="tx1"/>
+                </a:solidFill>
+                <a:latin typeface="+mn-lt"/>
+                <a:ea typeface="ＭＳ Ｐゴシック" pitchFamily="-109" charset="-128"/>
+                <a:cs typeface="+mn-cs"/>
+              </a:defRPr>
+            </a:lvl3pPr>
+            <a:lvl4pPr marL="1600200" indent="-228600" algn="l" defTabSz="457200" rtl="0" eaLnBrk="0" fontAlgn="base" hangingPunct="0">
+              <a:spcBef>
+                <a:spcPct val="20000"/>
+              </a:spcBef>
+              <a:spcAft>
+                <a:spcPct val="0"/>
+              </a:spcAft>
+              <a:buFont typeface="Arial" charset="0"/>
+              <a:buChar char="–"/>
+              <a:defRPr sz="2000" kern="1200">
+                <a:solidFill>
+                  <a:schemeClr val="tx1"/>
+                </a:solidFill>
+                <a:latin typeface="+mn-lt"/>
+                <a:ea typeface="ＭＳ Ｐゴシック" pitchFamily="-109" charset="-128"/>
+                <a:cs typeface="+mn-cs"/>
+              </a:defRPr>
+            </a:lvl4pPr>
+            <a:lvl5pPr marL="2057400" indent="-228600" algn="l" defTabSz="457200" rtl="0" eaLnBrk="0" fontAlgn="base" hangingPunct="0">
+              <a:spcBef>
+                <a:spcPct val="20000"/>
+              </a:spcBef>
+              <a:spcAft>
+                <a:spcPct val="0"/>
+              </a:spcAft>
+              <a:buFont typeface="Arial" charset="0"/>
+              <a:buChar char="»"/>
+              <a:defRPr sz="2000" kern="1200">
+                <a:solidFill>
+                  <a:schemeClr val="tx1"/>
+                </a:solidFill>
+                <a:latin typeface="+mn-lt"/>
+                <a:ea typeface="ＭＳ Ｐゴシック" pitchFamily="-109" charset="-128"/>
+                <a:cs typeface="+mn-cs"/>
+              </a:defRPr>
+            </a:lvl5pPr>
+            <a:lvl6pPr marL="2514600" indent="-228600" algn="l" defTabSz="457200" rtl="0" eaLnBrk="1" latinLnBrk="0" hangingPunct="1">
+              <a:spcBef>
+                <a:spcPct val="20000"/>
+              </a:spcBef>
+              <a:buFont typeface="Arial"/>
+              <a:buChar char="•"/>
+              <a:defRPr sz="2000" kern="1200">
+                <a:solidFill>
+                  <a:schemeClr val="tx1"/>
+                </a:solidFill>
+                <a:latin typeface="+mn-lt"/>
+                <a:ea typeface="+mn-ea"/>
+                <a:cs typeface="+mn-cs"/>
+              </a:defRPr>
+            </a:lvl6pPr>
+            <a:lvl7pPr marL="2971800" indent="-228600" algn="l" defTabSz="457200" rtl="0" eaLnBrk="1" latinLnBrk="0" hangingPunct="1">
+              <a:spcBef>
+                <a:spcPct val="20000"/>
+              </a:spcBef>
+              <a:buFont typeface="Arial"/>
+              <a:buChar char="•"/>
+              <a:defRPr sz="2000" kern="1200">
+                <a:solidFill>
+                  <a:schemeClr val="tx1"/>
+                </a:solidFill>
+                <a:latin typeface="+mn-lt"/>
+                <a:ea typeface="+mn-ea"/>
+                <a:cs typeface="+mn-cs"/>
+              </a:defRPr>
+            </a:lvl7pPr>
+            <a:lvl8pPr marL="3429000" indent="-228600" algn="l" defTabSz="457200" rtl="0" eaLnBrk="1" latinLnBrk="0" hangingPunct="1">
+              <a:spcBef>
+                <a:spcPct val="20000"/>
+              </a:spcBef>
+              <a:buFont typeface="Arial"/>
+              <a:buChar char="•"/>
+              <a:defRPr sz="2000" kern="1200">
+                <a:solidFill>
+                  <a:schemeClr val="tx1"/>
+                </a:solidFill>
+                <a:latin typeface="+mn-lt"/>
+                <a:ea typeface="+mn-ea"/>
+                <a:cs typeface="+mn-cs"/>
+              </a:defRPr>
+            </a:lvl8pPr>
+            <a:lvl9pPr marL="3886200" indent="-228600" algn="l" defTabSz="457200" rtl="0" eaLnBrk="1" latinLnBrk="0" hangingPunct="1">
+              <a:spcBef>
+                <a:spcPct val="20000"/>
+              </a:spcBef>
+              <a:buFont typeface="Arial"/>
+              <a:buChar char="•"/>
+              <a:defRPr sz="2000" kern="1200">
+                <a:solidFill>
+                  <a:schemeClr val="tx1"/>
+                </a:solidFill>
+                <a:latin typeface="+mn-lt"/>
+                <a:ea typeface="+mn-ea"/>
+                <a:cs typeface="+mn-cs"/>
+              </a:defRPr>
+            </a:lvl9pPr>
+          </a:lstStyle>
+          <a:p>
+            <a:pPr marL="114300" indent="0" defTabSz="914400" eaLnBrk="1" hangingPunct="1">
+              <a:lnSpc>
+                <a:spcPct val="90000"/>
+              </a:lnSpc>
+              <a:buNone/>
+            </a:pPr>
+            <a:r>
+              <a:rPr lang="en-US" sz="2000" dirty="0">
+                <a:solidFill>
+                  <a:srgbClr val="404040"/>
+                </a:solidFill>
+                <a:ea typeface="+mn-ea"/>
+              </a:rPr>
+              <a:t>	</a:t>
+            </a:r>
+          </a:p>
+          <a:p>
+            <a:pPr lvl="1" indent="-228600" defTabSz="914400" eaLnBrk="1" hangingPunct="1">
+              <a:lnSpc>
+                <a:spcPct val="90000"/>
+              </a:lnSpc>
+              <a:buFont typeface="Arial" panose="020B0604020202020204" pitchFamily="34" charset="0"/>
+              <a:buChar char="•"/>
+            </a:pPr>
+            <a:endParaRPr lang="en-US" sz="2000" dirty="0">
+              <a:solidFill>
+                <a:srgbClr val="404040"/>
+              </a:solidFill>
+              <a:ea typeface="+mn-ea"/>
+            </a:endParaRPr>
+          </a:p>
+          <a:p>
+            <a:pPr marL="114300" indent="0" defTabSz="914400" eaLnBrk="1" hangingPunct="1">
+              <a:lnSpc>
+                <a:spcPct val="90000"/>
+              </a:lnSpc>
+              <a:buNone/>
+            </a:pPr>
+            <a:endParaRPr lang="en-US" sz="2400" dirty="0">
+              <a:solidFill>
+                <a:srgbClr val="404040"/>
+              </a:solidFill>
+              <a:ea typeface="+mn-ea"/>
+              <a:cs typeface="+mn-cs"/>
+            </a:endParaRPr>
+          </a:p>
+        </p:txBody>
+      </p:sp>
+      <p:sp>
+        <p:nvSpPr>
+          <p:cNvPr id="7" name="Content Placeholder 2">
+            <a:extLst>
+              <a:ext uri="{FF2B5EF4-FFF2-40B4-BE49-F238E27FC236}">
+                <a16:creationId xmlns:a16="http://schemas.microsoft.com/office/drawing/2014/main" id="{7A9F314C-A613-4659-B76B-9B779BEB9247}"/>
+              </a:ext>
+            </a:extLst>
+          </p:cNvPr>
+          <p:cNvSpPr txBox="1">
+            <a:spLocks/>
+          </p:cNvSpPr>
+          <p:nvPr/>
+        </p:nvSpPr>
+        <p:spPr bwMode="auto">
+          <a:xfrm>
+            <a:off x="3632495" y="677334"/>
+            <a:ext cx="5359103" cy="5833533"/>
+          </a:xfrm>
+          <a:prstGeom prst="rect">
+            <a:avLst/>
+          </a:prstGeom>
+        </p:spPr>
+        <p:txBody>
+          <a:bodyPr vert="horz" lIns="91440" tIns="45720" rIns="91440" bIns="45720" numCol="1" rtlCol="0" anchorCtr="0" compatLnSpc="1">
+            <a:prstTxWarp prst="textNoShape">
+              <a:avLst/>
+            </a:prstTxWarp>
+            <a:noAutofit/>
+          </a:bodyPr>
+          <a:lstStyle>
+            <a:lvl1pPr marL="342900" indent="-342900" algn="l" defTabSz="457200" rtl="0" eaLnBrk="0" fontAlgn="base" hangingPunct="0">
+              <a:spcBef>
+                <a:spcPct val="20000"/>
+              </a:spcBef>
+              <a:spcAft>
+                <a:spcPct val="0"/>
+              </a:spcAft>
+              <a:buFont typeface="Arial" charset="0"/>
+              <a:buChar char="•"/>
+              <a:defRPr sz="3200" kern="1200">
+                <a:solidFill>
+                  <a:schemeClr val="tx1"/>
+                </a:solidFill>
+                <a:latin typeface="+mn-lt"/>
+                <a:ea typeface="ＭＳ Ｐゴシック" pitchFamily="-109" charset="-128"/>
+                <a:cs typeface="ＭＳ Ｐゴシック" pitchFamily="-109" charset="-128"/>
+              </a:defRPr>
+            </a:lvl1pPr>
+            <a:lvl2pPr marL="742950" indent="-285750" algn="l" defTabSz="457200" rtl="0" eaLnBrk="0" fontAlgn="base" hangingPunct="0">
+              <a:spcBef>
+                <a:spcPct val="20000"/>
+              </a:spcBef>
+              <a:spcAft>
+                <a:spcPct val="0"/>
+              </a:spcAft>
+              <a:buFont typeface="Arial" charset="0"/>
+              <a:buChar char="–"/>
+              <a:defRPr sz="2800" kern="1200">
+                <a:solidFill>
+                  <a:schemeClr val="tx1"/>
+                </a:solidFill>
+                <a:latin typeface="+mn-lt"/>
+                <a:ea typeface="ＭＳ Ｐゴシック" pitchFamily="-109" charset="-128"/>
+                <a:cs typeface="+mn-cs"/>
+              </a:defRPr>
+            </a:lvl2pPr>
+            <a:lvl3pPr marL="1143000" indent="-228600" algn="l" defTabSz="457200" rtl="0" eaLnBrk="0" fontAlgn="base" hangingPunct="0">
+              <a:spcBef>
+                <a:spcPct val="20000"/>
+              </a:spcBef>
+              <a:spcAft>
+                <a:spcPct val="0"/>
+              </a:spcAft>
+              <a:buFont typeface="Arial" charset="0"/>
+              <a:buChar char="•"/>
+              <a:defRPr sz="2400" kern="1200">
+                <a:solidFill>
+                  <a:schemeClr val="tx1"/>
+                </a:solidFill>
+                <a:latin typeface="+mn-lt"/>
+                <a:ea typeface="ＭＳ Ｐゴシック" pitchFamily="-109" charset="-128"/>
+                <a:cs typeface="+mn-cs"/>
+              </a:defRPr>
+            </a:lvl3pPr>
+            <a:lvl4pPr marL="1600200" indent="-228600" algn="l" defTabSz="457200" rtl="0" eaLnBrk="0" fontAlgn="base" hangingPunct="0">
+              <a:spcBef>
+                <a:spcPct val="20000"/>
+              </a:spcBef>
+              <a:spcAft>
+                <a:spcPct val="0"/>
+              </a:spcAft>
+              <a:buFont typeface="Arial" charset="0"/>
+              <a:buChar char="–"/>
+              <a:defRPr sz="2000" kern="1200">
+                <a:solidFill>
+                  <a:schemeClr val="tx1"/>
+                </a:solidFill>
+                <a:latin typeface="+mn-lt"/>
+                <a:ea typeface="ＭＳ Ｐゴシック" pitchFamily="-109" charset="-128"/>
+                <a:cs typeface="+mn-cs"/>
+              </a:defRPr>
+            </a:lvl4pPr>
+            <a:lvl5pPr marL="2057400" indent="-228600" algn="l" defTabSz="457200" rtl="0" eaLnBrk="0" fontAlgn="base" hangingPunct="0">
+              <a:spcBef>
+                <a:spcPct val="20000"/>
+              </a:spcBef>
+              <a:spcAft>
+                <a:spcPct val="0"/>
+              </a:spcAft>
+              <a:buFont typeface="Arial" charset="0"/>
+              <a:buChar char="»"/>
+              <a:defRPr sz="2000" kern="1200">
+                <a:solidFill>
+                  <a:schemeClr val="tx1"/>
+                </a:solidFill>
+                <a:latin typeface="+mn-lt"/>
+                <a:ea typeface="ＭＳ Ｐゴシック" pitchFamily="-109" charset="-128"/>
+                <a:cs typeface="+mn-cs"/>
+              </a:defRPr>
+            </a:lvl5pPr>
+            <a:lvl6pPr marL="2514600" indent="-228600" algn="l" defTabSz="457200" rtl="0" eaLnBrk="1" latinLnBrk="0" hangingPunct="1">
+              <a:spcBef>
+                <a:spcPct val="20000"/>
+              </a:spcBef>
+              <a:buFont typeface="Arial"/>
+              <a:buChar char="•"/>
+              <a:defRPr sz="2000" kern="1200">
+                <a:solidFill>
+                  <a:schemeClr val="tx1"/>
+                </a:solidFill>
+                <a:latin typeface="+mn-lt"/>
+                <a:ea typeface="+mn-ea"/>
+                <a:cs typeface="+mn-cs"/>
+              </a:defRPr>
+            </a:lvl6pPr>
+            <a:lvl7pPr marL="2971800" indent="-228600" algn="l" defTabSz="457200" rtl="0" eaLnBrk="1" latinLnBrk="0" hangingPunct="1">
+              <a:spcBef>
+                <a:spcPct val="20000"/>
+              </a:spcBef>
+              <a:buFont typeface="Arial"/>
+              <a:buChar char="•"/>
+              <a:defRPr sz="2000" kern="1200">
+                <a:solidFill>
+                  <a:schemeClr val="tx1"/>
+                </a:solidFill>
+                <a:latin typeface="+mn-lt"/>
+                <a:ea typeface="+mn-ea"/>
+                <a:cs typeface="+mn-cs"/>
+              </a:defRPr>
+            </a:lvl7pPr>
+            <a:lvl8pPr marL="3429000" indent="-228600" algn="l" defTabSz="457200" rtl="0" eaLnBrk="1" latinLnBrk="0" hangingPunct="1">
+              <a:spcBef>
+                <a:spcPct val="20000"/>
+              </a:spcBef>
+              <a:buFont typeface="Arial"/>
+              <a:buChar char="•"/>
+              <a:defRPr sz="2000" kern="1200">
+                <a:solidFill>
+                  <a:schemeClr val="tx1"/>
+                </a:solidFill>
+                <a:latin typeface="+mn-lt"/>
+                <a:ea typeface="+mn-ea"/>
+                <a:cs typeface="+mn-cs"/>
+              </a:defRPr>
+            </a:lvl8pPr>
+            <a:lvl9pPr marL="3886200" indent="-228600" algn="l" defTabSz="457200" rtl="0" eaLnBrk="1" latinLnBrk="0" hangingPunct="1">
+              <a:spcBef>
+                <a:spcPct val="20000"/>
+              </a:spcBef>
+              <a:buFont typeface="Arial"/>
+              <a:buChar char="•"/>
+              <a:defRPr sz="2000" kern="1200">
+                <a:solidFill>
+                  <a:schemeClr val="tx1"/>
+                </a:solidFill>
+                <a:latin typeface="+mn-lt"/>
+                <a:ea typeface="+mn-ea"/>
+                <a:cs typeface="+mn-cs"/>
+              </a:defRPr>
+            </a:lvl9pPr>
+          </a:lstStyle>
+          <a:p>
+            <a:pPr indent="-228600" defTabSz="914400" eaLnBrk="1" hangingPunct="1">
+              <a:lnSpc>
+                <a:spcPct val="90000"/>
+              </a:lnSpc>
+              <a:buFont typeface="Arial" panose="020B0604020202020204" pitchFamily="34" charset="0"/>
+              <a:buChar char="•"/>
+            </a:pPr>
+            <a:r>
+              <a:rPr lang="en-US" sz="2400" dirty="0">
+                <a:solidFill>
+                  <a:srgbClr val="404040"/>
+                </a:solidFill>
+                <a:ea typeface="+mn-ea"/>
+              </a:rPr>
+              <a:t>Many Useful Plots and Charts Provided</a:t>
+            </a:r>
+          </a:p>
+          <a:p>
+            <a:pPr lvl="1" indent="-228600" defTabSz="914400" eaLnBrk="1" hangingPunct="1">
+              <a:lnSpc>
+                <a:spcPct val="90000"/>
+              </a:lnSpc>
+              <a:buFont typeface="Arial" panose="020B0604020202020204" pitchFamily="34" charset="0"/>
+              <a:buChar char="•"/>
+            </a:pPr>
+            <a:r>
+              <a:rPr lang="en-US" sz="2000" dirty="0">
+                <a:solidFill>
+                  <a:srgbClr val="404040"/>
+                </a:solidFill>
+                <a:ea typeface="+mn-ea"/>
+              </a:rPr>
+              <a:t>See Cheat Sheet: </a:t>
+            </a:r>
+            <a:r>
+              <a:rPr lang="en-US" sz="2000" dirty="0">
+                <a:solidFill>
+                  <a:srgbClr val="404040"/>
+                </a:solidFill>
+                <a:ea typeface="+mn-ea"/>
+                <a:hlinkClick r:id="rId4"/>
+              </a:rPr>
+              <a:t>Link</a:t>
+            </a:r>
+            <a:r>
+              <a:rPr lang="en-US" sz="2000" dirty="0">
+                <a:solidFill>
+                  <a:srgbClr val="404040"/>
+                </a:solidFill>
+                <a:ea typeface="+mn-ea"/>
+              </a:rPr>
+              <a:t> </a:t>
+            </a:r>
+          </a:p>
+          <a:p>
+            <a:pPr marL="514350" lvl="1" indent="0" defTabSz="914400" eaLnBrk="1" hangingPunct="1">
+              <a:lnSpc>
+                <a:spcPct val="90000"/>
+              </a:lnSpc>
+              <a:buNone/>
+            </a:pPr>
+            <a:r>
+              <a:rPr lang="en-US" sz="2000" dirty="0">
+                <a:solidFill>
+                  <a:srgbClr val="404040"/>
+                </a:solidFill>
+                <a:ea typeface="+mn-ea"/>
+              </a:rPr>
+              <a:t>	(Also on Course Website)</a:t>
+            </a:r>
+          </a:p>
+          <a:p>
+            <a:pPr marL="857250" lvl="1" indent="-342900" defTabSz="914400" eaLnBrk="1" hangingPunct="1">
+              <a:lnSpc>
+                <a:spcPct val="90000"/>
+              </a:lnSpc>
+              <a:buFont typeface="Arial" panose="020B0604020202020204" pitchFamily="34" charset="0"/>
+              <a:buChar char="•"/>
+            </a:pPr>
+            <a:r>
+              <a:rPr lang="en-US" sz="2000" dirty="0">
+                <a:solidFill>
+                  <a:srgbClr val="404040"/>
+                </a:solidFill>
+                <a:ea typeface="+mn-ea"/>
+              </a:rPr>
+              <a:t>Identified as </a:t>
+            </a:r>
+            <a:r>
+              <a:rPr lang="en-US" sz="2000" dirty="0" err="1">
+                <a:solidFill>
+                  <a:srgbClr val="404040"/>
+                </a:solidFill>
+                <a:ea typeface="+mn-ea"/>
+              </a:rPr>
+              <a:t>Geoms</a:t>
+            </a:r>
+            <a:r>
+              <a:rPr lang="en-US" sz="2000" dirty="0">
+                <a:solidFill>
+                  <a:srgbClr val="404040"/>
+                </a:solidFill>
+                <a:ea typeface="+mn-ea"/>
+              </a:rPr>
+              <a:t> (Geometric Objects)</a:t>
+            </a:r>
+          </a:p>
+          <a:p>
+            <a:pPr marL="457200" defTabSz="914400" eaLnBrk="1" hangingPunct="1">
+              <a:lnSpc>
+                <a:spcPct val="90000"/>
+              </a:lnSpc>
+            </a:pPr>
+            <a:r>
+              <a:rPr lang="en-US" sz="2400" dirty="0">
+                <a:solidFill>
+                  <a:srgbClr val="404040"/>
+                </a:solidFill>
+                <a:ea typeface="+mn-ea"/>
+              </a:rPr>
+              <a:t>Organized by Type of Data</a:t>
+            </a:r>
+          </a:p>
+          <a:p>
+            <a:pPr marL="914400" lvl="1" indent="-342900" defTabSz="914400" eaLnBrk="1" hangingPunct="1">
+              <a:lnSpc>
+                <a:spcPct val="90000"/>
+              </a:lnSpc>
+              <a:buFont typeface="Arial" panose="020B0604020202020204" pitchFamily="34" charset="0"/>
+              <a:buChar char="•"/>
+            </a:pPr>
+            <a:r>
+              <a:rPr lang="en-US" sz="2000" dirty="0">
+                <a:solidFill>
+                  <a:srgbClr val="404040"/>
+                </a:solidFill>
+                <a:ea typeface="+mn-ea"/>
+              </a:rPr>
+              <a:t>Univariate</a:t>
+            </a:r>
+          </a:p>
+          <a:p>
+            <a:pPr marL="914400" lvl="1" indent="-342900" defTabSz="914400" eaLnBrk="1" hangingPunct="1">
+              <a:lnSpc>
+                <a:spcPct val="90000"/>
+              </a:lnSpc>
+              <a:buFont typeface="Arial" panose="020B0604020202020204" pitchFamily="34" charset="0"/>
+              <a:buChar char="•"/>
+            </a:pPr>
+            <a:r>
+              <a:rPr lang="en-US" sz="2000" dirty="0">
+                <a:solidFill>
+                  <a:srgbClr val="404040"/>
+                </a:solidFill>
+                <a:ea typeface="+mn-ea"/>
+              </a:rPr>
+              <a:t>Bivariate</a:t>
+            </a:r>
+          </a:p>
+          <a:p>
+            <a:pPr marL="914400" lvl="1" indent="-342900" defTabSz="914400" eaLnBrk="1" hangingPunct="1">
+              <a:lnSpc>
+                <a:spcPct val="90000"/>
+              </a:lnSpc>
+              <a:buFont typeface="Arial" panose="020B0604020202020204" pitchFamily="34" charset="0"/>
+              <a:buChar char="•"/>
+            </a:pPr>
+            <a:r>
+              <a:rPr lang="en-US" sz="2000" dirty="0">
+                <a:solidFill>
+                  <a:srgbClr val="404040"/>
+                </a:solidFill>
+                <a:ea typeface="+mn-ea"/>
+              </a:rPr>
+              <a:t>Mixtures of Categorical and Numeric</a:t>
+            </a:r>
+          </a:p>
+          <a:p>
+            <a:pPr marL="514350" defTabSz="914400" eaLnBrk="1" hangingPunct="1">
+              <a:lnSpc>
+                <a:spcPct val="90000"/>
+              </a:lnSpc>
+              <a:buFont typeface="Arial" panose="020B0604020202020204" pitchFamily="34" charset="0"/>
+              <a:buChar char="•"/>
+            </a:pPr>
+            <a:r>
+              <a:rPr lang="en-US" sz="2400" dirty="0">
+                <a:solidFill>
+                  <a:srgbClr val="404040"/>
+                </a:solidFill>
+                <a:ea typeface="+mn-ea"/>
+              </a:rPr>
+              <a:t>ggplot2 General Form</a:t>
+            </a:r>
+          </a:p>
+          <a:p>
+            <a:pPr marL="914400" lvl="1" defTabSz="914400" eaLnBrk="1" hangingPunct="1">
+              <a:lnSpc>
+                <a:spcPct val="90000"/>
+              </a:lnSpc>
+              <a:buFont typeface="Arial" panose="020B0604020202020204" pitchFamily="34" charset="0"/>
+              <a:buChar char="•"/>
+            </a:pPr>
+            <a:r>
+              <a:rPr lang="en-US" sz="2000" dirty="0">
+                <a:solidFill>
+                  <a:srgbClr val="404040"/>
+                </a:solidFill>
+                <a:ea typeface="+mn-ea"/>
+              </a:rPr>
+              <a:t>The </a:t>
+            </a:r>
+            <a:r>
+              <a:rPr lang="en-US" sz="2000" dirty="0" err="1">
+                <a:solidFill>
+                  <a:srgbClr val="404040"/>
+                </a:solidFill>
+                <a:ea typeface="+mn-ea"/>
+              </a:rPr>
+              <a:t>geom</a:t>
+            </a:r>
+            <a:r>
+              <a:rPr lang="en-US" sz="2000" dirty="0">
+                <a:solidFill>
+                  <a:srgbClr val="404040"/>
+                </a:solidFill>
+                <a:ea typeface="+mn-ea"/>
+              </a:rPr>
+              <a:t> you choose has to comply with the type of variables you are analyzing</a:t>
+            </a:r>
+          </a:p>
+          <a:p>
+            <a:pPr marL="114300" indent="0" defTabSz="914400" eaLnBrk="1" hangingPunct="1">
+              <a:lnSpc>
+                <a:spcPct val="90000"/>
+              </a:lnSpc>
+              <a:buNone/>
+            </a:pPr>
+            <a:endParaRPr lang="en-US" sz="2400" dirty="0">
+              <a:solidFill>
+                <a:srgbClr val="404040"/>
+              </a:solidFill>
+              <a:ea typeface="+mn-ea"/>
+            </a:endParaRPr>
+          </a:p>
+          <a:p>
+            <a:pPr indent="-228600" defTabSz="914400" eaLnBrk="1" hangingPunct="1">
+              <a:lnSpc>
+                <a:spcPct val="90000"/>
+              </a:lnSpc>
+              <a:buFont typeface="Arial" panose="020B0604020202020204" pitchFamily="34" charset="0"/>
+              <a:buChar char="•"/>
+            </a:pPr>
+            <a:endParaRPr lang="en-US" sz="2400" dirty="0">
+              <a:solidFill>
+                <a:srgbClr val="404040"/>
+              </a:solidFill>
+              <a:ea typeface="+mn-ea"/>
+              <a:cs typeface="+mn-cs"/>
+            </a:endParaRPr>
+          </a:p>
+          <a:p>
+            <a:pPr marL="114300" indent="0" defTabSz="914400" eaLnBrk="1" hangingPunct="1">
+              <a:lnSpc>
+                <a:spcPct val="90000"/>
+              </a:lnSpc>
+              <a:buNone/>
+            </a:pPr>
+            <a:endParaRPr lang="en-US" sz="2400" dirty="0">
+              <a:solidFill>
+                <a:srgbClr val="404040"/>
+              </a:solidFill>
+              <a:ea typeface="+mn-ea"/>
+              <a:cs typeface="+mn-cs"/>
+            </a:endParaRPr>
+          </a:p>
+          <a:p>
+            <a:pPr lvl="1" indent="-228600" defTabSz="914400" eaLnBrk="1" hangingPunct="1">
+              <a:lnSpc>
+                <a:spcPct val="90000"/>
+              </a:lnSpc>
+              <a:buFont typeface="Arial" panose="020B0604020202020204" pitchFamily="34" charset="0"/>
+              <a:buChar char="•"/>
+            </a:pPr>
+            <a:r>
+              <a:rPr lang="en-US" sz="2000" dirty="0">
+                <a:solidFill>
+                  <a:srgbClr val="404040"/>
+                </a:solidFill>
+                <a:ea typeface="+mn-ea"/>
+                <a:cs typeface="+mn-cs"/>
+              </a:rPr>
+              <a:t>Fill in blanks from dataset</a:t>
+            </a:r>
+            <a:endParaRPr lang="en-US" sz="2400" dirty="0">
+              <a:solidFill>
+                <a:srgbClr val="404040"/>
+              </a:solidFill>
+              <a:ea typeface="+mn-ea"/>
+              <a:cs typeface="+mn-cs"/>
+            </a:endParaRPr>
+          </a:p>
+          <a:p>
+            <a:pPr marL="114300" indent="0" defTabSz="914400" eaLnBrk="1" hangingPunct="1">
+              <a:lnSpc>
+                <a:spcPct val="90000"/>
+              </a:lnSpc>
+              <a:buNone/>
+            </a:pPr>
+            <a:endParaRPr lang="en-US" sz="2400" dirty="0">
+              <a:solidFill>
+                <a:srgbClr val="404040"/>
+              </a:solidFill>
+              <a:ea typeface="+mn-ea"/>
+              <a:cs typeface="+mn-cs"/>
+            </a:endParaRPr>
+          </a:p>
+          <a:p>
+            <a:pPr marL="114300" indent="0" defTabSz="914400" eaLnBrk="1" hangingPunct="1">
+              <a:lnSpc>
+                <a:spcPct val="90000"/>
+              </a:lnSpc>
+              <a:buNone/>
+            </a:pPr>
+            <a:r>
+              <a:rPr lang="en-US" sz="2000" dirty="0">
+                <a:solidFill>
+                  <a:srgbClr val="404040"/>
+                </a:solidFill>
+                <a:ea typeface="+mn-ea"/>
+              </a:rPr>
+              <a:t>	</a:t>
+            </a:r>
+          </a:p>
+          <a:p>
+            <a:pPr lvl="1" indent="-228600" defTabSz="914400" eaLnBrk="1" hangingPunct="1">
+              <a:lnSpc>
+                <a:spcPct val="90000"/>
+              </a:lnSpc>
+              <a:buFont typeface="Arial" panose="020B0604020202020204" pitchFamily="34" charset="0"/>
+              <a:buChar char="•"/>
+            </a:pPr>
+            <a:endParaRPr lang="en-US" sz="2000" dirty="0">
+              <a:solidFill>
+                <a:srgbClr val="404040"/>
+              </a:solidFill>
+              <a:ea typeface="+mn-ea"/>
+            </a:endParaRPr>
+          </a:p>
+          <a:p>
+            <a:pPr marL="114300" indent="0" defTabSz="914400" eaLnBrk="1" hangingPunct="1">
+              <a:lnSpc>
+                <a:spcPct val="90000"/>
+              </a:lnSpc>
+              <a:buNone/>
+            </a:pPr>
+            <a:endParaRPr lang="en-US" sz="2400" dirty="0">
+              <a:solidFill>
+                <a:srgbClr val="404040"/>
+              </a:solidFill>
+              <a:ea typeface="+mn-ea"/>
+              <a:cs typeface="+mn-cs"/>
+            </a:endParaRPr>
+          </a:p>
+        </p:txBody>
+      </p:sp>
+      <p:sp>
+        <p:nvSpPr>
+          <p:cNvPr id="11" name="TextBox 10">
+            <a:extLst>
+              <a:ext uri="{FF2B5EF4-FFF2-40B4-BE49-F238E27FC236}">
+                <a16:creationId xmlns:a16="http://schemas.microsoft.com/office/drawing/2014/main" id="{AC63FA70-3884-4C23-BB20-BE40E47A1AF7}"/>
+              </a:ext>
+            </a:extLst>
+          </p:cNvPr>
+          <p:cNvSpPr txBox="1"/>
+          <p:nvPr/>
+        </p:nvSpPr>
+        <p:spPr>
+          <a:xfrm>
+            <a:off x="795780" y="4655402"/>
+            <a:ext cx="8077198" cy="830997"/>
+          </a:xfrm>
+          <a:prstGeom prst="rect">
+            <a:avLst/>
+          </a:prstGeom>
+          <a:solidFill>
+            <a:srgbClr val="404040"/>
+          </a:solidFill>
+        </p:spPr>
+        <p:style>
+          <a:lnRef idx="2">
+            <a:schemeClr val="dk1">
+              <a:shade val="50000"/>
+            </a:schemeClr>
+          </a:lnRef>
+          <a:fillRef idx="1">
+            <a:schemeClr val="dk1"/>
+          </a:fillRef>
+          <a:effectRef idx="0">
+            <a:schemeClr val="dk1"/>
+          </a:effectRef>
+          <a:fontRef idx="minor">
+            <a:schemeClr val="lt1"/>
+          </a:fontRef>
+        </p:style>
+        <p:txBody>
+          <a:bodyPr wrap="square" rtlCol="0">
+            <a:spAutoFit/>
+          </a:bodyPr>
+          <a:lstStyle/>
+          <a:p>
+            <a:r>
+              <a:rPr lang="en-US" dirty="0">
+                <a:solidFill>
+                  <a:schemeClr val="bg1"/>
+                </a:solidFill>
+              </a:rPr>
+              <a:t>&gt; </a:t>
+            </a:r>
+            <a:r>
+              <a:rPr lang="en-US" dirty="0" err="1">
+                <a:solidFill>
+                  <a:schemeClr val="bg1"/>
+                </a:solidFill>
+              </a:rPr>
+              <a:t>ggplot</a:t>
+            </a:r>
+            <a:r>
+              <a:rPr lang="en-US" dirty="0">
+                <a:solidFill>
+                  <a:schemeClr val="bg1"/>
+                </a:solidFill>
+              </a:rPr>
+              <a:t>(data=DATA) +</a:t>
+            </a:r>
+          </a:p>
+          <a:p>
+            <a:pPr lvl="1"/>
+            <a:r>
+              <a:rPr lang="en-US" dirty="0" err="1">
+                <a:solidFill>
+                  <a:schemeClr val="bg1"/>
+                </a:solidFill>
+              </a:rPr>
+              <a:t>geom_TYPE</a:t>
+            </a:r>
+            <a:r>
+              <a:rPr lang="en-US" dirty="0">
+                <a:solidFill>
+                  <a:schemeClr val="bg1"/>
+                </a:solidFill>
+              </a:rPr>
+              <a:t>(mapping=</a:t>
+            </a:r>
+            <a:r>
+              <a:rPr lang="en-US" dirty="0" err="1">
+                <a:solidFill>
+                  <a:schemeClr val="bg1"/>
+                </a:solidFill>
+              </a:rPr>
+              <a:t>aes</a:t>
+            </a:r>
+            <a:r>
+              <a:rPr lang="en-US" dirty="0">
+                <a:solidFill>
+                  <a:schemeClr val="bg1"/>
+                </a:solidFill>
+              </a:rPr>
+              <a:t>(x=</a:t>
+            </a:r>
+            <a:r>
+              <a:rPr lang="en-US" dirty="0" err="1">
+                <a:solidFill>
+                  <a:schemeClr val="bg1"/>
+                </a:solidFill>
+              </a:rPr>
+              <a:t>XVAR,y</a:t>
+            </a:r>
+            <a:r>
+              <a:rPr lang="en-US" dirty="0">
+                <a:solidFill>
+                  <a:schemeClr val="bg1"/>
+                </a:solidFill>
+              </a:rPr>
+              <a:t>=YVAR, etc.))</a:t>
+            </a:r>
+          </a:p>
+        </p:txBody>
+      </p:sp>
+    </p:spTree>
+    <p:custDataLst>
+      <p:tags r:id="rId1"/>
+    </p:custDataLst>
+    <p:extLst>
+      <p:ext uri="{BB962C8B-B14F-4D97-AF65-F5344CB8AC3E}">
+        <p14:creationId xmlns:p14="http://schemas.microsoft.com/office/powerpoint/2010/main" val="840897981"/>
+      </p:ext>
+    </p:extLst>
+  </p:cSld>
+  <p:clrMapOvr>
+    <a:masterClrMapping/>
+  </p:clrMapOvr>
+</p:sld>
+</file>
+
+<file path=ppt/slides/slide8.xml><?xml version="1.0" encoding="utf-8"?>
+<p:sld xmlns:a="http://schemas.openxmlformats.org/drawingml/2006/main" xmlns:r="http://schemas.openxmlformats.org/officeDocument/2006/relationships" xmlns:p="http://schemas.openxmlformats.org/presentationml/2006/main">
+  <p:cSld>
+    <p:bg>
+      <p:bgPr>
+        <a:solidFill>
+          <a:schemeClr val="bg1">
+            <a:lumMod val="85000"/>
+          </a:schemeClr>
+        </a:solidFill>
+        <a:effectLst/>
+      </p:bgPr>
+    </p:bg>
+    <p:spTree>
+      <p:nvGrpSpPr>
+        <p:cNvPr id="1" name=""/>
+        <p:cNvGrpSpPr/>
+        <p:nvPr/>
+      </p:nvGrpSpPr>
+      <p:grpSpPr>
+        <a:xfrm>
+          <a:off x="0" y="0"/>
+          <a:ext cx="0" cy="0"/>
+          <a:chOff x="0" y="0"/>
+          <a:chExt cx="0" cy="0"/>
+        </a:xfrm>
+      </p:grpSpPr>
+      <p:sp>
+        <p:nvSpPr>
+          <p:cNvPr id="15" name="Rectangle 12">
+            <a:extLst>
+              <a:ext uri="{FF2B5EF4-FFF2-40B4-BE49-F238E27FC236}">
+                <a16:creationId xmlns:a16="http://schemas.microsoft.com/office/drawing/2014/main" id="{867D4867-5BA7-4462-B2F6-A23F4A622AA7}"/>
+              </a:ext>
+              <a:ext uri="{C183D7F6-B498-43B3-948B-1728B52AA6E4}">
+                <adec:decorative xmlns:adec="http://schemas.microsoft.com/office/drawing/2017/decorative" val="1"/>
+              </a:ext>
+            </a:extLst>
+          </p:cNvPr>
+          <p:cNvSpPr>
+            <a:spLocks noGrp="1" noRot="1" noChangeAspect="1" noMove="1" noResize="1" noEditPoints="1" noAdjustHandles="1" noChangeArrowheads="1" noChangeShapeType="1" noTextEdit="1"/>
+          </p:cNvSpPr>
+          <p:nvPr>
+            <p:extLst>
+              <p:ext uri="{386F3935-93C4-4BCD-93E2-E3B085C9AB24}">
+                <p16:designElem xmlns:p16="http://schemas.microsoft.com/office/powerpoint/2015/main" val="1"/>
+              </p:ext>
+            </p:extLst>
+          </p:nvPr>
+        </p:nvSpPr>
+        <p:spPr>
+          <a:xfrm>
+            <a:off x="0" y="0"/>
+            <a:ext cx="3490722" cy="6858000"/>
+          </a:xfrm>
+          <a:prstGeom prst="rect">
+            <a:avLst/>
+          </a:prstGeom>
+          <a:solidFill>
+            <a:schemeClr val="tx1">
+              <a:lumMod val="75000"/>
+              <a:lumOff val="25000"/>
+            </a:schemeClr>
+          </a:solidFill>
+          <a:ln>
+            <a:noFill/>
+          </a:ln>
+        </p:spPr>
+        <p:style>
+          <a:lnRef idx="0">
+            <a:scrgbClr r="0" g="0" b="0"/>
+          </a:lnRef>
+          <a:fillRef idx="0">
+            <a:scrgbClr r="0" g="0" b="0"/>
+          </a:fillRef>
+          <a:effectRef idx="0">
+            <a:scrgbClr r="0" g="0" b="0"/>
+          </a:effectRef>
+          <a:fontRef idx="minor">
+            <a:schemeClr val="lt1"/>
+          </a:fontRef>
+        </p:style>
+        <p:txBody>
+          <a:bodyPr rtlCol="0" anchor="ctr"/>
+          <a:lstStyle/>
+          <a:p>
+            <a:pPr algn="ctr"/>
+            <a:endParaRPr lang="en-US"/>
+          </a:p>
+        </p:txBody>
+      </p:sp>
+      <p:sp>
+        <p:nvSpPr>
+          <p:cNvPr id="2" name="Title 1"/>
+          <p:cNvSpPr>
+            <a:spLocks noGrp="1"/>
+          </p:cNvSpPr>
+          <p:nvPr>
+            <p:ph type="title"/>
+          </p:nvPr>
+        </p:nvSpPr>
+        <p:spPr>
+          <a:xfrm>
+            <a:off x="482600" y="643467"/>
+            <a:ext cx="2522980" cy="1597315"/>
+          </a:xfrm>
+          <a:noFill/>
+          <a:ln w="19050">
+            <a:solidFill>
+              <a:schemeClr val="bg1"/>
+            </a:solidFill>
+          </a:ln>
+        </p:spPr>
+        <p:txBody>
+          <a:bodyPr vert="horz" wrap="square" lIns="91440" tIns="45720" rIns="91440" bIns="45720" rtlCol="0" anchor="ctr">
+            <a:normAutofit/>
+          </a:bodyPr>
+          <a:lstStyle/>
+          <a:p>
+            <a:pPr defTabSz="914400" eaLnBrk="1" hangingPunct="1">
+              <a:lnSpc>
+                <a:spcPct val="90000"/>
+              </a:lnSpc>
+            </a:pPr>
+            <a:r>
+              <a:rPr lang="en-US" sz="2400" kern="1200" dirty="0">
+                <a:solidFill>
+                  <a:schemeClr val="bg1"/>
+                </a:solidFill>
+                <a:latin typeface="+mj-lt"/>
+                <a:ea typeface="+mj-ea"/>
+                <a:cs typeface="+mj-cs"/>
+              </a:rPr>
+              <a:t>ggplot2</a:t>
+            </a:r>
+          </a:p>
+        </p:txBody>
+      </p:sp>
+      <p:pic>
+        <p:nvPicPr>
+          <p:cNvPr id="8" name="Picture 7">
+            <a:extLst>
+              <a:ext uri="{FF2B5EF4-FFF2-40B4-BE49-F238E27FC236}">
+                <a16:creationId xmlns:a16="http://schemas.microsoft.com/office/drawing/2014/main" id="{521D4292-9ECC-4DA5-8CC0-C561A0DA118E}"/>
+              </a:ext>
+            </a:extLst>
+          </p:cNvPr>
+          <p:cNvPicPr>
+            <a:picLocks noChangeAspect="1"/>
+          </p:cNvPicPr>
+          <p:nvPr/>
+        </p:nvPicPr>
+        <p:blipFill rotWithShape="1">
+          <a:blip r:embed="rId3"/>
+          <a:srcRect l="8000" r="9400"/>
+          <a:stretch/>
+        </p:blipFill>
+        <p:spPr>
+          <a:xfrm>
+            <a:off x="1114678" y="2590800"/>
+            <a:ext cx="1258824" cy="1524000"/>
+          </a:xfrm>
+          <a:prstGeom prst="rect">
+            <a:avLst/>
+          </a:prstGeom>
+          <a:noFill/>
+        </p:spPr>
+      </p:pic>
+      <p:sp>
+        <p:nvSpPr>
+          <p:cNvPr id="10" name="Content Placeholder 2">
+            <a:extLst>
+              <a:ext uri="{FF2B5EF4-FFF2-40B4-BE49-F238E27FC236}">
+                <a16:creationId xmlns:a16="http://schemas.microsoft.com/office/drawing/2014/main" id="{1B021DFA-01E0-42CE-88F1-8280980D9007}"/>
+              </a:ext>
+            </a:extLst>
+          </p:cNvPr>
+          <p:cNvSpPr txBox="1">
+            <a:spLocks/>
+          </p:cNvSpPr>
+          <p:nvPr/>
+        </p:nvSpPr>
+        <p:spPr bwMode="auto">
+          <a:xfrm>
+            <a:off x="3632496" y="643467"/>
+            <a:ext cx="5359103" cy="5833533"/>
+          </a:xfrm>
+          <a:prstGeom prst="rect">
+            <a:avLst/>
+          </a:prstGeom>
+        </p:spPr>
+        <p:txBody>
+          <a:bodyPr vert="horz" lIns="91440" tIns="45720" rIns="91440" bIns="45720" numCol="1" rtlCol="0" anchorCtr="0" compatLnSpc="1">
+            <a:prstTxWarp prst="textNoShape">
+              <a:avLst/>
+            </a:prstTxWarp>
+            <a:noAutofit/>
+          </a:bodyPr>
+          <a:lstStyle>
+            <a:lvl1pPr marL="342900" indent="-342900" algn="l" defTabSz="457200" rtl="0" eaLnBrk="0" fontAlgn="base" hangingPunct="0">
+              <a:spcBef>
+                <a:spcPct val="20000"/>
+              </a:spcBef>
+              <a:spcAft>
+                <a:spcPct val="0"/>
+              </a:spcAft>
+              <a:buFont typeface="Arial" charset="0"/>
+              <a:buChar char="•"/>
+              <a:defRPr sz="3200" kern="1200">
+                <a:solidFill>
+                  <a:schemeClr val="tx1"/>
+                </a:solidFill>
+                <a:latin typeface="+mn-lt"/>
+                <a:ea typeface="ＭＳ Ｐゴシック" pitchFamily="-109" charset="-128"/>
+                <a:cs typeface="ＭＳ Ｐゴシック" pitchFamily="-109" charset="-128"/>
+              </a:defRPr>
+            </a:lvl1pPr>
+            <a:lvl2pPr marL="742950" indent="-285750" algn="l" defTabSz="457200" rtl="0" eaLnBrk="0" fontAlgn="base" hangingPunct="0">
+              <a:spcBef>
+                <a:spcPct val="20000"/>
+              </a:spcBef>
+              <a:spcAft>
+                <a:spcPct val="0"/>
+              </a:spcAft>
+              <a:buFont typeface="Arial" charset="0"/>
+              <a:buChar char="–"/>
+              <a:defRPr sz="2800" kern="1200">
+                <a:solidFill>
+                  <a:schemeClr val="tx1"/>
+                </a:solidFill>
+                <a:latin typeface="+mn-lt"/>
+                <a:ea typeface="ＭＳ Ｐゴシック" pitchFamily="-109" charset="-128"/>
+                <a:cs typeface="+mn-cs"/>
+              </a:defRPr>
+            </a:lvl2pPr>
+            <a:lvl3pPr marL="1143000" indent="-228600" algn="l" defTabSz="457200" rtl="0" eaLnBrk="0" fontAlgn="base" hangingPunct="0">
+              <a:spcBef>
+                <a:spcPct val="20000"/>
+              </a:spcBef>
+              <a:spcAft>
+                <a:spcPct val="0"/>
+              </a:spcAft>
+              <a:buFont typeface="Arial" charset="0"/>
+              <a:buChar char="•"/>
+              <a:defRPr sz="2400" kern="1200">
+                <a:solidFill>
+                  <a:schemeClr val="tx1"/>
+                </a:solidFill>
+                <a:latin typeface="+mn-lt"/>
+                <a:ea typeface="ＭＳ Ｐゴシック" pitchFamily="-109" charset="-128"/>
+                <a:cs typeface="+mn-cs"/>
+              </a:defRPr>
+            </a:lvl3pPr>
+            <a:lvl4pPr marL="1600200" indent="-228600" algn="l" defTabSz="457200" rtl="0" eaLnBrk="0" fontAlgn="base" hangingPunct="0">
+              <a:spcBef>
+                <a:spcPct val="20000"/>
+              </a:spcBef>
+              <a:spcAft>
+                <a:spcPct val="0"/>
+              </a:spcAft>
+              <a:buFont typeface="Arial" charset="0"/>
+              <a:buChar char="–"/>
+              <a:defRPr sz="2000" kern="1200">
+                <a:solidFill>
+                  <a:schemeClr val="tx1"/>
+                </a:solidFill>
+                <a:latin typeface="+mn-lt"/>
+                <a:ea typeface="ＭＳ Ｐゴシック" pitchFamily="-109" charset="-128"/>
+                <a:cs typeface="+mn-cs"/>
+              </a:defRPr>
+            </a:lvl4pPr>
+            <a:lvl5pPr marL="2057400" indent="-228600" algn="l" defTabSz="457200" rtl="0" eaLnBrk="0" fontAlgn="base" hangingPunct="0">
+              <a:spcBef>
+                <a:spcPct val="20000"/>
+              </a:spcBef>
+              <a:spcAft>
+                <a:spcPct val="0"/>
+              </a:spcAft>
+              <a:buFont typeface="Arial" charset="0"/>
+              <a:buChar char="»"/>
+              <a:defRPr sz="2000" kern="1200">
+                <a:solidFill>
+                  <a:schemeClr val="tx1"/>
+                </a:solidFill>
+                <a:latin typeface="+mn-lt"/>
+                <a:ea typeface="ＭＳ Ｐゴシック" pitchFamily="-109" charset="-128"/>
+                <a:cs typeface="+mn-cs"/>
+              </a:defRPr>
+            </a:lvl5pPr>
+            <a:lvl6pPr marL="2514600" indent="-228600" algn="l" defTabSz="457200" rtl="0" eaLnBrk="1" latinLnBrk="0" hangingPunct="1">
+              <a:spcBef>
+                <a:spcPct val="20000"/>
+              </a:spcBef>
+              <a:buFont typeface="Arial"/>
+              <a:buChar char="•"/>
+              <a:defRPr sz="2000" kern="1200">
+                <a:solidFill>
+                  <a:schemeClr val="tx1"/>
+                </a:solidFill>
+                <a:latin typeface="+mn-lt"/>
+                <a:ea typeface="+mn-ea"/>
+                <a:cs typeface="+mn-cs"/>
+              </a:defRPr>
+            </a:lvl6pPr>
+            <a:lvl7pPr marL="2971800" indent="-228600" algn="l" defTabSz="457200" rtl="0" eaLnBrk="1" latinLnBrk="0" hangingPunct="1">
+              <a:spcBef>
+                <a:spcPct val="20000"/>
+              </a:spcBef>
+              <a:buFont typeface="Arial"/>
+              <a:buChar char="•"/>
+              <a:defRPr sz="2000" kern="1200">
+                <a:solidFill>
+                  <a:schemeClr val="tx1"/>
+                </a:solidFill>
+                <a:latin typeface="+mn-lt"/>
+                <a:ea typeface="+mn-ea"/>
+                <a:cs typeface="+mn-cs"/>
+              </a:defRPr>
+            </a:lvl7pPr>
+            <a:lvl8pPr marL="3429000" indent="-228600" algn="l" defTabSz="457200" rtl="0" eaLnBrk="1" latinLnBrk="0" hangingPunct="1">
+              <a:spcBef>
+                <a:spcPct val="20000"/>
+              </a:spcBef>
+              <a:buFont typeface="Arial"/>
+              <a:buChar char="•"/>
+              <a:defRPr sz="2000" kern="1200">
+                <a:solidFill>
+                  <a:schemeClr val="tx1"/>
+                </a:solidFill>
+                <a:latin typeface="+mn-lt"/>
+                <a:ea typeface="+mn-ea"/>
+                <a:cs typeface="+mn-cs"/>
+              </a:defRPr>
+            </a:lvl8pPr>
+            <a:lvl9pPr marL="3886200" indent="-228600" algn="l" defTabSz="457200" rtl="0" eaLnBrk="1" latinLnBrk="0" hangingPunct="1">
+              <a:spcBef>
+                <a:spcPct val="20000"/>
+              </a:spcBef>
+              <a:buFont typeface="Arial"/>
+              <a:buChar char="•"/>
+              <a:defRPr sz="2000" kern="1200">
+                <a:solidFill>
+                  <a:schemeClr val="tx1"/>
+                </a:solidFill>
+                <a:latin typeface="+mn-lt"/>
+                <a:ea typeface="+mn-ea"/>
+                <a:cs typeface="+mn-cs"/>
+              </a:defRPr>
+            </a:lvl9pPr>
+          </a:lstStyle>
+          <a:p>
+            <a:pPr marL="114300" indent="0" defTabSz="914400" eaLnBrk="1" hangingPunct="1">
+              <a:lnSpc>
+                <a:spcPct val="90000"/>
+              </a:lnSpc>
+              <a:buNone/>
+            </a:pPr>
+            <a:r>
+              <a:rPr lang="en-US" sz="2000" dirty="0">
+                <a:solidFill>
+                  <a:srgbClr val="404040"/>
+                </a:solidFill>
+                <a:ea typeface="+mn-ea"/>
+              </a:rPr>
+              <a:t>	</a:t>
+            </a:r>
+          </a:p>
+          <a:p>
+            <a:pPr lvl="1" indent="-228600" defTabSz="914400" eaLnBrk="1" hangingPunct="1">
+              <a:lnSpc>
+                <a:spcPct val="90000"/>
+              </a:lnSpc>
+              <a:buFont typeface="Arial" panose="020B0604020202020204" pitchFamily="34" charset="0"/>
+              <a:buChar char="•"/>
+            </a:pPr>
+            <a:endParaRPr lang="en-US" sz="2000" dirty="0">
+              <a:solidFill>
+                <a:srgbClr val="404040"/>
+              </a:solidFill>
+              <a:ea typeface="+mn-ea"/>
+            </a:endParaRPr>
+          </a:p>
+          <a:p>
+            <a:pPr marL="114300" indent="0" defTabSz="914400" eaLnBrk="1" hangingPunct="1">
+              <a:lnSpc>
+                <a:spcPct val="90000"/>
+              </a:lnSpc>
+              <a:buNone/>
+            </a:pPr>
+            <a:endParaRPr lang="en-US" sz="2400" dirty="0">
+              <a:solidFill>
+                <a:srgbClr val="404040"/>
+              </a:solidFill>
+              <a:ea typeface="+mn-ea"/>
+              <a:cs typeface="+mn-cs"/>
+            </a:endParaRPr>
+          </a:p>
+        </p:txBody>
+      </p:sp>
+      <p:sp>
+        <p:nvSpPr>
+          <p:cNvPr id="7" name="Content Placeholder 2">
+            <a:extLst>
+              <a:ext uri="{FF2B5EF4-FFF2-40B4-BE49-F238E27FC236}">
+                <a16:creationId xmlns:a16="http://schemas.microsoft.com/office/drawing/2014/main" id="{7A9F314C-A613-4659-B76B-9B779BEB9247}"/>
+              </a:ext>
+            </a:extLst>
+          </p:cNvPr>
+          <p:cNvSpPr txBox="1">
+            <a:spLocks/>
+          </p:cNvSpPr>
+          <p:nvPr/>
+        </p:nvSpPr>
+        <p:spPr bwMode="auto">
+          <a:xfrm>
+            <a:off x="3632495" y="677334"/>
+            <a:ext cx="5359103" cy="5833533"/>
+          </a:xfrm>
+          <a:prstGeom prst="rect">
+            <a:avLst/>
+          </a:prstGeom>
+        </p:spPr>
+        <p:txBody>
+          <a:bodyPr vert="horz" lIns="91440" tIns="45720" rIns="91440" bIns="45720" numCol="1" rtlCol="0" anchorCtr="0" compatLnSpc="1">
+            <a:prstTxWarp prst="textNoShape">
+              <a:avLst/>
+            </a:prstTxWarp>
+            <a:noAutofit/>
+          </a:bodyPr>
+          <a:lstStyle>
+            <a:lvl1pPr marL="342900" indent="-342900" algn="l" defTabSz="457200" rtl="0" eaLnBrk="0" fontAlgn="base" hangingPunct="0">
+              <a:spcBef>
+                <a:spcPct val="20000"/>
+              </a:spcBef>
+              <a:spcAft>
+                <a:spcPct val="0"/>
+              </a:spcAft>
+              <a:buFont typeface="Arial" charset="0"/>
+              <a:buChar char="•"/>
+              <a:defRPr sz="3200" kern="1200">
+                <a:solidFill>
+                  <a:schemeClr val="tx1"/>
+                </a:solidFill>
+                <a:latin typeface="+mn-lt"/>
+                <a:ea typeface="ＭＳ Ｐゴシック" pitchFamily="-109" charset="-128"/>
+                <a:cs typeface="ＭＳ Ｐゴシック" pitchFamily="-109" charset="-128"/>
+              </a:defRPr>
+            </a:lvl1pPr>
+            <a:lvl2pPr marL="742950" indent="-285750" algn="l" defTabSz="457200" rtl="0" eaLnBrk="0" fontAlgn="base" hangingPunct="0">
+              <a:spcBef>
+                <a:spcPct val="20000"/>
+              </a:spcBef>
+              <a:spcAft>
+                <a:spcPct val="0"/>
+              </a:spcAft>
+              <a:buFont typeface="Arial" charset="0"/>
+              <a:buChar char="–"/>
+              <a:defRPr sz="2800" kern="1200">
+                <a:solidFill>
+                  <a:schemeClr val="tx1"/>
+                </a:solidFill>
+                <a:latin typeface="+mn-lt"/>
+                <a:ea typeface="ＭＳ Ｐゴシック" pitchFamily="-109" charset="-128"/>
+                <a:cs typeface="+mn-cs"/>
+              </a:defRPr>
+            </a:lvl2pPr>
+            <a:lvl3pPr marL="1143000" indent="-228600" algn="l" defTabSz="457200" rtl="0" eaLnBrk="0" fontAlgn="base" hangingPunct="0">
+              <a:spcBef>
+                <a:spcPct val="20000"/>
+              </a:spcBef>
+              <a:spcAft>
+                <a:spcPct val="0"/>
+              </a:spcAft>
+              <a:buFont typeface="Arial" charset="0"/>
+              <a:buChar char="•"/>
+              <a:defRPr sz="2400" kern="1200">
+                <a:solidFill>
+                  <a:schemeClr val="tx1"/>
+                </a:solidFill>
+                <a:latin typeface="+mn-lt"/>
+                <a:ea typeface="ＭＳ Ｐゴシック" pitchFamily="-109" charset="-128"/>
+                <a:cs typeface="+mn-cs"/>
+              </a:defRPr>
+            </a:lvl3pPr>
+            <a:lvl4pPr marL="1600200" indent="-228600" algn="l" defTabSz="457200" rtl="0" eaLnBrk="0" fontAlgn="base" hangingPunct="0">
+              <a:spcBef>
+                <a:spcPct val="20000"/>
+              </a:spcBef>
+              <a:spcAft>
+                <a:spcPct val="0"/>
+              </a:spcAft>
+              <a:buFont typeface="Arial" charset="0"/>
+              <a:buChar char="–"/>
+              <a:defRPr sz="2000" kern="1200">
+                <a:solidFill>
+                  <a:schemeClr val="tx1"/>
+                </a:solidFill>
+                <a:latin typeface="+mn-lt"/>
+                <a:ea typeface="ＭＳ Ｐゴシック" pitchFamily="-109" charset="-128"/>
+                <a:cs typeface="+mn-cs"/>
+              </a:defRPr>
+            </a:lvl4pPr>
+            <a:lvl5pPr marL="2057400" indent="-228600" algn="l" defTabSz="457200" rtl="0" eaLnBrk="0" fontAlgn="base" hangingPunct="0">
+              <a:spcBef>
+                <a:spcPct val="20000"/>
+              </a:spcBef>
+              <a:spcAft>
+                <a:spcPct val="0"/>
+              </a:spcAft>
+              <a:buFont typeface="Arial" charset="0"/>
+              <a:buChar char="»"/>
+              <a:defRPr sz="2000" kern="1200">
+                <a:solidFill>
+                  <a:schemeClr val="tx1"/>
+                </a:solidFill>
+                <a:latin typeface="+mn-lt"/>
+                <a:ea typeface="ＭＳ Ｐゴシック" pitchFamily="-109" charset="-128"/>
+                <a:cs typeface="+mn-cs"/>
+              </a:defRPr>
+            </a:lvl5pPr>
+            <a:lvl6pPr marL="2514600" indent="-228600" algn="l" defTabSz="457200" rtl="0" eaLnBrk="1" latinLnBrk="0" hangingPunct="1">
+              <a:spcBef>
+                <a:spcPct val="20000"/>
+              </a:spcBef>
+              <a:buFont typeface="Arial"/>
+              <a:buChar char="•"/>
+              <a:defRPr sz="2000" kern="1200">
+                <a:solidFill>
+                  <a:schemeClr val="tx1"/>
+                </a:solidFill>
+                <a:latin typeface="+mn-lt"/>
+                <a:ea typeface="+mn-ea"/>
+                <a:cs typeface="+mn-cs"/>
+              </a:defRPr>
+            </a:lvl6pPr>
+            <a:lvl7pPr marL="2971800" indent="-228600" algn="l" defTabSz="457200" rtl="0" eaLnBrk="1" latinLnBrk="0" hangingPunct="1">
+              <a:spcBef>
+                <a:spcPct val="20000"/>
+              </a:spcBef>
+              <a:buFont typeface="Arial"/>
+              <a:buChar char="•"/>
+              <a:defRPr sz="2000" kern="1200">
+                <a:solidFill>
+                  <a:schemeClr val="tx1"/>
+                </a:solidFill>
+                <a:latin typeface="+mn-lt"/>
+                <a:ea typeface="+mn-ea"/>
+                <a:cs typeface="+mn-cs"/>
+              </a:defRPr>
+            </a:lvl7pPr>
+            <a:lvl8pPr marL="3429000" indent="-228600" algn="l" defTabSz="457200" rtl="0" eaLnBrk="1" latinLnBrk="0" hangingPunct="1">
+              <a:spcBef>
+                <a:spcPct val="20000"/>
+              </a:spcBef>
+              <a:buFont typeface="Arial"/>
+              <a:buChar char="•"/>
+              <a:defRPr sz="2000" kern="1200">
+                <a:solidFill>
+                  <a:schemeClr val="tx1"/>
+                </a:solidFill>
+                <a:latin typeface="+mn-lt"/>
+                <a:ea typeface="+mn-ea"/>
+                <a:cs typeface="+mn-cs"/>
+              </a:defRPr>
+            </a:lvl8pPr>
+            <a:lvl9pPr marL="3886200" indent="-228600" algn="l" defTabSz="457200" rtl="0" eaLnBrk="1" latinLnBrk="0" hangingPunct="1">
+              <a:spcBef>
+                <a:spcPct val="20000"/>
+              </a:spcBef>
+              <a:buFont typeface="Arial"/>
+              <a:buChar char="•"/>
+              <a:defRPr sz="2000" kern="1200">
+                <a:solidFill>
+                  <a:schemeClr val="tx1"/>
+                </a:solidFill>
+                <a:latin typeface="+mn-lt"/>
+                <a:ea typeface="+mn-ea"/>
+                <a:cs typeface="+mn-cs"/>
+              </a:defRPr>
+            </a:lvl9pPr>
+          </a:lstStyle>
+          <a:p>
+            <a:pPr marL="114300" indent="0" defTabSz="914400" eaLnBrk="1" hangingPunct="1">
+              <a:lnSpc>
+                <a:spcPct val="90000"/>
+              </a:lnSpc>
+              <a:buNone/>
+            </a:pPr>
+            <a:r>
+              <a:rPr lang="en-US" sz="4800" b="1" dirty="0">
+                <a:solidFill>
+                  <a:srgbClr val="404040"/>
+                </a:solidFill>
+                <a:ea typeface="+mn-ea"/>
+              </a:rPr>
+              <a:t>Now, let us </a:t>
+            </a:r>
+          </a:p>
+          <a:p>
+            <a:pPr marL="114300" indent="0" defTabSz="914400" eaLnBrk="1" hangingPunct="1">
+              <a:lnSpc>
+                <a:spcPct val="90000"/>
+              </a:lnSpc>
+              <a:buNone/>
+            </a:pPr>
+            <a:r>
+              <a:rPr lang="en-US" sz="9600" b="1" dirty="0">
+                <a:solidFill>
+                  <a:srgbClr val="404040"/>
+                </a:solidFill>
+                <a:ea typeface="+mn-ea"/>
+              </a:rPr>
+              <a:t>PRACTICE</a:t>
+            </a:r>
+            <a:endParaRPr lang="en-US" sz="9600" b="1" dirty="0">
+              <a:solidFill>
+                <a:srgbClr val="404040"/>
+              </a:solidFill>
+              <a:ea typeface="+mn-ea"/>
+              <a:cs typeface="+mn-cs"/>
+            </a:endParaRPr>
+          </a:p>
+          <a:p>
+            <a:pPr marL="114300" indent="0" defTabSz="914400" eaLnBrk="1" hangingPunct="1">
+              <a:lnSpc>
+                <a:spcPct val="90000"/>
+              </a:lnSpc>
+              <a:buNone/>
+            </a:pPr>
+            <a:endParaRPr lang="en-US" sz="2400" dirty="0">
+              <a:solidFill>
+                <a:srgbClr val="404040"/>
+              </a:solidFill>
+              <a:ea typeface="+mn-ea"/>
+              <a:cs typeface="+mn-cs"/>
+            </a:endParaRPr>
+          </a:p>
+          <a:p>
+            <a:pPr marL="114300" indent="0" defTabSz="914400" eaLnBrk="1" hangingPunct="1">
+              <a:lnSpc>
+                <a:spcPct val="90000"/>
+              </a:lnSpc>
+              <a:buNone/>
+            </a:pPr>
+            <a:r>
+              <a:rPr lang="en-US" sz="2800" b="1" dirty="0">
+                <a:solidFill>
+                  <a:srgbClr val="404040"/>
+                </a:solidFill>
+                <a:ea typeface="+mn-ea"/>
+              </a:rPr>
+              <a:t>Start by downloading Tutorial2.Rmd to Your Computer from the Course Website and open the file in RStudio</a:t>
+            </a:r>
+            <a:r>
+              <a:rPr lang="en-US" sz="2000" b="1" dirty="0">
+                <a:solidFill>
+                  <a:srgbClr val="404040"/>
+                </a:solidFill>
+                <a:ea typeface="+mn-ea"/>
+              </a:rPr>
+              <a:t>	</a:t>
+            </a:r>
+          </a:p>
+          <a:p>
+            <a:pPr lvl="1" indent="-228600" defTabSz="914400" eaLnBrk="1" hangingPunct="1">
+              <a:lnSpc>
+                <a:spcPct val="90000"/>
+              </a:lnSpc>
+              <a:buFont typeface="Arial" panose="020B0604020202020204" pitchFamily="34" charset="0"/>
+              <a:buChar char="•"/>
+            </a:pPr>
+            <a:endParaRPr lang="en-US" sz="2000" dirty="0">
+              <a:solidFill>
+                <a:srgbClr val="404040"/>
+              </a:solidFill>
+              <a:ea typeface="+mn-ea"/>
+            </a:endParaRPr>
+          </a:p>
+          <a:p>
+            <a:pPr marL="114300" indent="0" defTabSz="914400" eaLnBrk="1" hangingPunct="1">
+              <a:lnSpc>
+                <a:spcPct val="90000"/>
+              </a:lnSpc>
+              <a:buNone/>
+            </a:pPr>
+            <a:endParaRPr lang="en-US" sz="2400" dirty="0">
+              <a:solidFill>
+                <a:srgbClr val="404040"/>
+              </a:solidFill>
+              <a:ea typeface="+mn-ea"/>
+              <a:cs typeface="+mn-cs"/>
+            </a:endParaRPr>
+          </a:p>
+        </p:txBody>
+      </p:sp>
+    </p:spTree>
+    <p:custDataLst>
+      <p:tags r:id="rId1"/>
+    </p:custDataLst>
+    <p:extLst>
+      <p:ext uri="{BB962C8B-B14F-4D97-AF65-F5344CB8AC3E}">
+        <p14:creationId xmlns:p14="http://schemas.microsoft.com/office/powerpoint/2010/main" val="1701117124"/>
+      </p:ext>
+    </p:extLst>
+  </p:cSld>
+  <p:clrMapOvr>
+    <a:masterClrMapping/>
+  </p:clrMapOvr>
+</p:sld>
+</file>
+
+<file path=ppt/slides/slide9.xml><?xml version="1.0" encoding="utf-8"?>
 <p:sld xmlns:a="http://schemas.openxmlformats.org/drawingml/2006/main" xmlns:r="http://schemas.openxmlformats.org/officeDocument/2006/relationships" xmlns:p="http://schemas.openxmlformats.org/presentationml/2006/main">
   <p:cSld>
     <p:bg>
@@ -11577,6 +14107,12 @@
 </p:tagLst>
 </file>
 
+<file path=ppt/tags/tag10.xml><?xml version="1.0" encoding="utf-8"?>
+<p:tagLst xmlns:a="http://schemas.openxmlformats.org/drawingml/2006/main" xmlns:r="http://schemas.openxmlformats.org/officeDocument/2006/relationships" xmlns:p="http://schemas.openxmlformats.org/presentationml/2006/main">
+  <p:tag name="DELIMITERS" val="3.1"/>
+</p:tagLst>
+</file>
+
 <file path=ppt/tags/tag2.xml><?xml version="1.0" encoding="utf-8"?>
 <p:tagLst xmlns:a="http://schemas.openxmlformats.org/drawingml/2006/main" xmlns:r="http://schemas.openxmlformats.org/officeDocument/2006/relationships" xmlns:p="http://schemas.openxmlformats.org/presentationml/2006/main">
   <p:tag name="DELIMITERS" val="3.1"/>
@@ -11608,6 +14144,18 @@
 </file>
 
 <file path=ppt/tags/tag7.xml><?xml version="1.0" encoding="utf-8"?>
+<p:tagLst xmlns:a="http://schemas.openxmlformats.org/drawingml/2006/main" xmlns:r="http://schemas.openxmlformats.org/officeDocument/2006/relationships" xmlns:p="http://schemas.openxmlformats.org/presentationml/2006/main">
+  <p:tag name="DELIMITERS" val="3.1"/>
+</p:tagLst>
+</file>
+
+<file path=ppt/tags/tag8.xml><?xml version="1.0" encoding="utf-8"?>
+<p:tagLst xmlns:a="http://schemas.openxmlformats.org/drawingml/2006/main" xmlns:r="http://schemas.openxmlformats.org/officeDocument/2006/relationships" xmlns:p="http://schemas.openxmlformats.org/presentationml/2006/main">
+  <p:tag name="DELIMITERS" val="3.1"/>
+</p:tagLst>
+</file>
+
+<file path=ppt/tags/tag9.xml><?xml version="1.0" encoding="utf-8"?>
 <p:tagLst xmlns:a="http://schemas.openxmlformats.org/drawingml/2006/main" xmlns:r="http://schemas.openxmlformats.org/officeDocument/2006/relationships" xmlns:p="http://schemas.openxmlformats.org/presentationml/2006/main">
   <p:tag name="DELIMITERS" val="3.1"/>
 </p:tagLst>
